--- a/slides/GPS최소외접원.pptx
+++ b/slides/GPS최소외접원.pptx
@@ -19,11 +19,14 @@
     <p:sldId id="266" r:id="rId13"/>
     <p:sldId id="271" r:id="rId14"/>
     <p:sldId id="273" r:id="rId15"/>
-    <p:sldId id="276" r:id="rId16"/>
-    <p:sldId id="277" r:id="rId17"/>
-    <p:sldId id="278" r:id="rId18"/>
-    <p:sldId id="279" r:id="rId19"/>
-    <p:sldId id="280" r:id="rId20"/>
+    <p:sldId id="282" r:id="rId16"/>
+    <p:sldId id="284" r:id="rId17"/>
+    <p:sldId id="283" r:id="rId18"/>
+    <p:sldId id="276" r:id="rId19"/>
+    <p:sldId id="277" r:id="rId20"/>
+    <p:sldId id="278" r:id="rId21"/>
+    <p:sldId id="279" r:id="rId22"/>
+    <p:sldId id="280" r:id="rId23"/>
   </p:sldIdLst>
   <p:sldSz cx="12192000" cy="6858000"/>
   <p:notesSz cx="6858000" cy="9144000"/>
@@ -134,7 +137,8 @@
 <p1510:revInfo xmlns:a="http://schemas.openxmlformats.org/drawingml/2006/main" xmlns:r="http://schemas.openxmlformats.org/officeDocument/2006/relationships" xmlns:p1510="http://schemas.microsoft.com/office/powerpoint/2015/10/main">
   <p1510:revLst>
     <p1510:client id="{181B1806-7E30-5B32-F797-1FDA66B60D9D}" v="10" dt="2025-10-26T18:47:23.407"/>
-    <p1510:client id="{8408600A-75C0-5006-5383-97DA4BF452AB}" v="479" dt="2025-10-27T11:05:14.263"/>
+    <p1510:client id="{8408600A-75C0-5006-5383-97DA4BF452AB}" v="636" dt="2025-10-27T11:40:59.804"/>
+    <p1510:client id="{BB7B28C5-6F0D-2E58-DCE4-E4BC7B61CEF8}" v="37" dt="2025-10-27T11:47:54.648"/>
   </p1510:revLst>
 </p1510:revInfo>
 </file>
@@ -4112,18 +4116,7 @@
             </a:endParaRPr>
           </a:p>
           <a:p>
-            <a:pPr marL="0" indent="0">
-              <a:buNone/>
-            </a:pPr>
-            <a:endParaRPr lang="ko-KR" altLang="en-US" dirty="0">
-              <a:ea typeface="맑은 고딕"/>
-            </a:endParaRPr>
-          </a:p>
-          <a:p>
-            <a:pPr marL="0" indent="0">
-              <a:buNone/>
-            </a:pPr>
-            <a:endParaRPr lang="ko-KR" altLang="en-US" dirty="0">
+            <a:endParaRPr lang="ko-KR" dirty="0">
               <a:ea typeface="+mn-lt"/>
               <a:cs typeface="+mn-lt"/>
             </a:endParaRPr>
@@ -4457,36 +4450,6 @@
           </a:p>
         </p:txBody>
       </p:sp>
-      <p:pic>
-        <p:nvPicPr>
-          <p:cNvPr id="4" name="그림 3" descr="텍스트, 폰트, 라인, 화이트이(가) 표시된 사진&#10;&#10;AI 생성 콘텐츠는 정확하지 않을 수 있습니다.">
-            <a:extLst>
-              <a:ext uri="{FF2B5EF4-FFF2-40B4-BE49-F238E27FC236}">
-                <a16:creationId xmlns:a16="http://schemas.microsoft.com/office/drawing/2014/main" id="{E4601AD2-C635-5B0A-544C-65805FB226FB}"/>
-              </a:ext>
-            </a:extLst>
-          </p:cNvPr>
-          <p:cNvPicPr>
-            <a:picLocks noChangeAspect="1"/>
-          </p:cNvPicPr>
-          <p:nvPr/>
-        </p:nvPicPr>
-        <p:blipFill>
-          <a:blip r:embed="rId3"/>
-          <a:stretch>
-            <a:fillRect/>
-          </a:stretch>
-        </p:blipFill>
-        <p:spPr>
-          <a:xfrm>
-            <a:off x="3667125" y="2716059"/>
-            <a:ext cx="4857750" cy="704850"/>
-          </a:xfrm>
-          <a:prstGeom prst="rect">
-            <a:avLst/>
-          </a:prstGeom>
-        </p:spPr>
-      </p:pic>
     </p:spTree>
     <p:extLst>
       <p:ext uri="{BB962C8B-B14F-4D97-AF65-F5344CB8AC3E}">
@@ -4522,6 +4485,571 @@
           <p:cNvPr id="2" name="제목 1">
             <a:extLst>
               <a:ext uri="{FF2B5EF4-FFF2-40B4-BE49-F238E27FC236}">
+                <a16:creationId xmlns:a16="http://schemas.microsoft.com/office/drawing/2014/main" id="{0976A1A2-CBF0-6B42-D981-6D2CF7EC23B5}"/>
+              </a:ext>
+            </a:extLst>
+          </p:cNvPr>
+          <p:cNvSpPr>
+            <a:spLocks noGrp="1"/>
+          </p:cNvSpPr>
+          <p:nvPr>
+            <p:ph type="title"/>
+          </p:nvPr>
+        </p:nvSpPr>
+        <p:spPr/>
+        <p:txBody>
+          <a:bodyPr/>
+          <a:lstStyle/>
+          <a:p>
+            <a:r>
+              <a:rPr lang="ko-KR" altLang="en-US" dirty="0" err="1">
+                <a:ea typeface="맑은 고딕"/>
+              </a:rPr>
+              <a:t>Subgradient</a:t>
+            </a:r>
+            <a:r>
+              <a:rPr lang="ko-KR" altLang="en-US" dirty="0">
+                <a:ea typeface="맑은 고딕"/>
+              </a:rPr>
+              <a:t> </a:t>
+            </a:r>
+            <a:r>
+              <a:rPr lang="ko-KR" altLang="en-US" dirty="0" err="1">
+                <a:ea typeface="맑은 고딕"/>
+              </a:rPr>
+              <a:t>method</a:t>
+            </a:r>
+            <a:endParaRPr lang="ko-KR" altLang="en-US" dirty="0" err="1"/>
+          </a:p>
+        </p:txBody>
+      </p:sp>
+      <p:pic>
+        <p:nvPicPr>
+          <p:cNvPr id="17" name="그림 16" descr="폰트, 텍스트, 친필, 화이트이(가) 표시된 사진&#10;&#10;AI 생성 콘텐츠는 정확하지 않을 수 있습니다.">
+            <a:extLst>
+              <a:ext uri="{FF2B5EF4-FFF2-40B4-BE49-F238E27FC236}">
+                <a16:creationId xmlns:a16="http://schemas.microsoft.com/office/drawing/2014/main" id="{AAC5AF47-7A6F-2442-FC26-6636053688CD}"/>
+              </a:ext>
+            </a:extLst>
+          </p:cNvPr>
+          <p:cNvPicPr>
+            <a:picLocks noChangeAspect="1"/>
+          </p:cNvPicPr>
+          <p:nvPr/>
+        </p:nvPicPr>
+        <p:blipFill>
+          <a:blip r:embed="rId2"/>
+          <a:srcRect r="72823" b="-1250"/>
+          <a:stretch>
+            <a:fillRect/>
+          </a:stretch>
+        </p:blipFill>
+        <p:spPr>
+          <a:xfrm>
+            <a:off x="845910" y="3327627"/>
+            <a:ext cx="1482288" cy="735704"/>
+          </a:xfrm>
+          <a:prstGeom prst="rect">
+            <a:avLst/>
+          </a:prstGeom>
+        </p:spPr>
+      </p:pic>
+      <p:pic>
+        <p:nvPicPr>
+          <p:cNvPr id="18" name="그림 17" descr="폰트, 텍스트, 친필, 화이트이(가) 표시된 사진&#10;&#10;AI 생성 콘텐츠는 정확하지 않을 수 있습니다.">
+            <a:extLst>
+              <a:ext uri="{FF2B5EF4-FFF2-40B4-BE49-F238E27FC236}">
+                <a16:creationId xmlns:a16="http://schemas.microsoft.com/office/drawing/2014/main" id="{25E18817-BA0D-432E-7494-437EA0229EC2}"/>
+              </a:ext>
+            </a:extLst>
+          </p:cNvPr>
+          <p:cNvPicPr>
+            <a:picLocks noChangeAspect="1"/>
+          </p:cNvPicPr>
+          <p:nvPr/>
+        </p:nvPicPr>
+        <p:blipFill>
+          <a:blip r:embed="rId2"/>
+          <a:srcRect l="11481" r="-166" b="-1250"/>
+          <a:stretch>
+            <a:fillRect/>
+          </a:stretch>
+        </p:blipFill>
+        <p:spPr>
+          <a:xfrm>
+            <a:off x="908276" y="2338839"/>
+            <a:ext cx="4837087" cy="735704"/>
+          </a:xfrm>
+          <a:prstGeom prst="rect">
+            <a:avLst/>
+          </a:prstGeom>
+        </p:spPr>
+      </p:pic>
+    </p:spTree>
+    <p:extLst>
+      <p:ext uri="{BB962C8B-B14F-4D97-AF65-F5344CB8AC3E}">
+        <p14:creationId xmlns:p14="http://schemas.microsoft.com/office/powerpoint/2010/main" val="464220114"/>
+      </p:ext>
+    </p:extLst>
+  </p:cSld>
+  <p:clrMapOvr>
+    <a:masterClrMapping/>
+  </p:clrMapOvr>
+</p:sld>
+</file>
+
+<file path=ppt/slides/slide16.xml><?xml version="1.0" encoding="utf-8"?>
+<p:sld xmlns:a="http://schemas.openxmlformats.org/drawingml/2006/main" xmlns:r="http://schemas.openxmlformats.org/officeDocument/2006/relationships" xmlns:p="http://schemas.openxmlformats.org/presentationml/2006/main">
+  <p:cSld>
+    <p:spTree>
+      <p:nvGrpSpPr>
+        <p:cNvPr id="1" name="">
+          <a:extLst>
+            <a:ext uri="{FF2B5EF4-FFF2-40B4-BE49-F238E27FC236}">
+              <a16:creationId xmlns:a16="http://schemas.microsoft.com/office/drawing/2014/main" id="{5F65F607-C123-B537-7978-3E5F209D9661}"/>
+            </a:ext>
+          </a:extLst>
+        </p:cNvPr>
+        <p:cNvGrpSpPr/>
+        <p:nvPr/>
+      </p:nvGrpSpPr>
+      <p:grpSpPr>
+        <a:xfrm>
+          <a:off x="0" y="0"/>
+          <a:ext cx="0" cy="0"/>
+          <a:chOff x="0" y="0"/>
+          <a:chExt cx="0" cy="0"/>
+        </a:xfrm>
+      </p:grpSpPr>
+      <p:pic>
+        <p:nvPicPr>
+          <p:cNvPr id="5" name="그림 4" descr="텍스트, 라인, 도표, 그래프이(가) 표시된 사진&#10;&#10;AI 생성 콘텐츠는 정확하지 않을 수 있습니다.">
+            <a:extLst>
+              <a:ext uri="{FF2B5EF4-FFF2-40B4-BE49-F238E27FC236}">
+                <a16:creationId xmlns:a16="http://schemas.microsoft.com/office/drawing/2014/main" id="{6C80195E-ED61-3FCA-27F9-0756F49B0F20}"/>
+              </a:ext>
+            </a:extLst>
+          </p:cNvPr>
+          <p:cNvPicPr>
+            <a:picLocks noChangeAspect="1"/>
+          </p:cNvPicPr>
+          <p:nvPr/>
+        </p:nvPicPr>
+        <p:blipFill>
+          <a:blip r:embed="rId2"/>
+          <a:stretch>
+            <a:fillRect/>
+          </a:stretch>
+        </p:blipFill>
+        <p:spPr>
+          <a:xfrm>
+            <a:off x="2727428" y="2350524"/>
+            <a:ext cx="6734175" cy="4248150"/>
+          </a:xfrm>
+          <a:prstGeom prst="rect">
+            <a:avLst/>
+          </a:prstGeom>
+        </p:spPr>
+      </p:pic>
+      <p:sp>
+        <p:nvSpPr>
+          <p:cNvPr id="2" name="제목 1">
+            <a:extLst>
+              <a:ext uri="{FF2B5EF4-FFF2-40B4-BE49-F238E27FC236}">
+                <a16:creationId xmlns:a16="http://schemas.microsoft.com/office/drawing/2014/main" id="{FD986A25-94A2-8B01-962D-3A58ABCAFF08}"/>
+              </a:ext>
+            </a:extLst>
+          </p:cNvPr>
+          <p:cNvSpPr>
+            <a:spLocks noGrp="1"/>
+          </p:cNvSpPr>
+          <p:nvPr>
+            <p:ph type="title"/>
+          </p:nvPr>
+        </p:nvSpPr>
+        <p:spPr/>
+        <p:txBody>
+          <a:bodyPr/>
+          <a:lstStyle/>
+          <a:p>
+            <a:r>
+              <a:rPr lang="ko-KR" altLang="en-US" dirty="0" err="1">
+                <a:ea typeface="맑은 고딕"/>
+              </a:rPr>
+              <a:t>Gradient</a:t>
+            </a:r>
+            <a:r>
+              <a:rPr lang="ko-KR" altLang="en-US" dirty="0">
+                <a:ea typeface="맑은 고딕"/>
+              </a:rPr>
+              <a:t> </a:t>
+            </a:r>
+            <a:r>
+              <a:rPr lang="ko-KR" altLang="en-US" dirty="0" err="1">
+                <a:ea typeface="맑은 고딕"/>
+              </a:rPr>
+              <a:t>descent</a:t>
+            </a:r>
+          </a:p>
+        </p:txBody>
+      </p:sp>
+      <p:pic>
+        <p:nvPicPr>
+          <p:cNvPr id="4" name="내용 개체 틀 3" descr="폰트, 라인, 화이트, 서예이(가) 표시된 사진&#10;&#10;AI 생성 콘텐츠는 정확하지 않을 수 있습니다.">
+            <a:extLst>
+              <a:ext uri="{FF2B5EF4-FFF2-40B4-BE49-F238E27FC236}">
+                <a16:creationId xmlns:a16="http://schemas.microsoft.com/office/drawing/2014/main" id="{D8A488DE-5E73-CB89-D2BF-5FF21F737065}"/>
+              </a:ext>
+            </a:extLst>
+          </p:cNvPr>
+          <p:cNvPicPr>
+            <a:picLocks noGrp="1" noChangeAspect="1"/>
+          </p:cNvPicPr>
+          <p:nvPr>
+            <p:ph idx="1"/>
+          </p:nvPr>
+        </p:nvPicPr>
+        <p:blipFill>
+          <a:blip r:embed="rId3"/>
+          <a:stretch>
+            <a:fillRect/>
+          </a:stretch>
+        </p:blipFill>
+        <p:spPr>
+          <a:xfrm>
+            <a:off x="4628791" y="2098547"/>
+            <a:ext cx="3114675" cy="495300"/>
+          </a:xfrm>
+          <a:prstGeom prst="rect">
+            <a:avLst/>
+          </a:prstGeom>
+        </p:spPr>
+      </p:pic>
+      <p:pic>
+        <p:nvPicPr>
+          <p:cNvPr id="3" name="그림 2" descr="폰트, 타이포그래피, 서예, 텍스트이(가) 표시된 사진&#10;&#10;AI 생성 콘텐츠는 정확하지 않을 수 있습니다.">
+            <a:extLst>
+              <a:ext uri="{FF2B5EF4-FFF2-40B4-BE49-F238E27FC236}">
+                <a16:creationId xmlns:a16="http://schemas.microsoft.com/office/drawing/2014/main" id="{B86FA526-BBCF-A081-03FE-4ABF0DF5323B}"/>
+              </a:ext>
+            </a:extLst>
+          </p:cNvPr>
+          <p:cNvPicPr>
+            <a:picLocks noChangeAspect="1"/>
+          </p:cNvPicPr>
+          <p:nvPr/>
+        </p:nvPicPr>
+        <p:blipFill>
+          <a:blip r:embed="rId4"/>
+          <a:stretch>
+            <a:fillRect/>
+          </a:stretch>
+        </p:blipFill>
+        <p:spPr>
+          <a:xfrm>
+            <a:off x="6103328" y="742320"/>
+            <a:ext cx="5829300" cy="571500"/>
+          </a:xfrm>
+          <a:prstGeom prst="rect">
+            <a:avLst/>
+          </a:prstGeom>
+        </p:spPr>
+      </p:pic>
+    </p:spTree>
+    <p:extLst>
+      <p:ext uri="{BB962C8B-B14F-4D97-AF65-F5344CB8AC3E}">
+        <p14:creationId xmlns:p14="http://schemas.microsoft.com/office/powerpoint/2010/main" val="861769090"/>
+      </p:ext>
+    </p:extLst>
+  </p:cSld>
+  <p:clrMapOvr>
+    <a:masterClrMapping/>
+  </p:clrMapOvr>
+</p:sld>
+</file>
+
+<file path=ppt/slides/slide17.xml><?xml version="1.0" encoding="utf-8"?>
+<p:sld xmlns:a="http://schemas.openxmlformats.org/drawingml/2006/main" xmlns:r="http://schemas.openxmlformats.org/officeDocument/2006/relationships" xmlns:p="http://schemas.openxmlformats.org/presentationml/2006/main">
+  <p:cSld>
+    <p:spTree>
+      <p:nvGrpSpPr>
+        <p:cNvPr id="1" name="">
+          <a:extLst>
+            <a:ext uri="{FF2B5EF4-FFF2-40B4-BE49-F238E27FC236}">
+              <a16:creationId xmlns:a16="http://schemas.microsoft.com/office/drawing/2014/main" id="{A662887F-C232-E029-F094-2D1B71ECCD10}"/>
+            </a:ext>
+          </a:extLst>
+        </p:cNvPr>
+        <p:cNvGrpSpPr/>
+        <p:nvPr/>
+      </p:nvGrpSpPr>
+      <p:grpSpPr>
+        <a:xfrm>
+          <a:off x="0" y="0"/>
+          <a:ext cx="0" cy="0"/>
+          <a:chOff x="0" y="0"/>
+          <a:chExt cx="0" cy="0"/>
+        </a:xfrm>
+      </p:grpSpPr>
+      <p:sp>
+        <p:nvSpPr>
+          <p:cNvPr id="2" name="제목 1">
+            <a:extLst>
+              <a:ext uri="{FF2B5EF4-FFF2-40B4-BE49-F238E27FC236}">
+                <a16:creationId xmlns:a16="http://schemas.microsoft.com/office/drawing/2014/main" id="{275FAC99-90DC-80BA-11DC-C1283D51DD6C}"/>
+              </a:ext>
+            </a:extLst>
+          </p:cNvPr>
+          <p:cNvSpPr>
+            <a:spLocks noGrp="1"/>
+          </p:cNvSpPr>
+          <p:nvPr>
+            <p:ph type="title"/>
+          </p:nvPr>
+        </p:nvSpPr>
+        <p:spPr/>
+        <p:txBody>
+          <a:bodyPr/>
+          <a:lstStyle/>
+          <a:p>
+            <a:r>
+              <a:rPr lang="ko-KR" altLang="en-US" dirty="0" err="1">
+                <a:ea typeface="맑은 고딕"/>
+              </a:rPr>
+              <a:t>Subgradient</a:t>
+            </a:r>
+            <a:r>
+              <a:rPr lang="ko-KR" altLang="en-US" dirty="0">
+                <a:ea typeface="맑은 고딕"/>
+              </a:rPr>
+              <a:t> </a:t>
+            </a:r>
+            <a:r>
+              <a:rPr lang="ko-KR" altLang="en-US" dirty="0" err="1">
+                <a:ea typeface="맑은 고딕"/>
+              </a:rPr>
+              <a:t>method</a:t>
+            </a:r>
+            <a:endParaRPr lang="ko-KR" altLang="en-US" dirty="0" err="1"/>
+          </a:p>
+        </p:txBody>
+      </p:sp>
+      <p:pic>
+        <p:nvPicPr>
+          <p:cNvPr id="10" name="그림 9" descr="폰트, 텍스트, 친필, 라인이(가) 표시된 사진&#10;&#10;AI 생성 콘텐츠는 정확하지 않을 수 있습니다.">
+            <a:extLst>
+              <a:ext uri="{FF2B5EF4-FFF2-40B4-BE49-F238E27FC236}">
+                <a16:creationId xmlns:a16="http://schemas.microsoft.com/office/drawing/2014/main" id="{DA52586D-A1C1-1864-A2A6-1F679770B850}"/>
+              </a:ext>
+            </a:extLst>
+          </p:cNvPr>
+          <p:cNvPicPr>
+            <a:picLocks noChangeAspect="1"/>
+          </p:cNvPicPr>
+          <p:nvPr/>
+        </p:nvPicPr>
+        <p:blipFill>
+          <a:blip r:embed="rId2"/>
+          <a:stretch>
+            <a:fillRect/>
+          </a:stretch>
+        </p:blipFill>
+        <p:spPr>
+          <a:xfrm>
+            <a:off x="937035" y="2684052"/>
+            <a:ext cx="5467350" cy="752475"/>
+          </a:xfrm>
+          <a:prstGeom prst="rect">
+            <a:avLst/>
+          </a:prstGeom>
+        </p:spPr>
+      </p:pic>
+      <p:pic>
+        <p:nvPicPr>
+          <p:cNvPr id="12" name="그림 11" descr="텍스트, 폰트, 라인, 화이트이(가) 표시된 사진&#10;&#10;AI 생성 콘텐츠는 정확하지 않을 수 있습니다.">
+            <a:extLst>
+              <a:ext uri="{FF2B5EF4-FFF2-40B4-BE49-F238E27FC236}">
+                <a16:creationId xmlns:a16="http://schemas.microsoft.com/office/drawing/2014/main" id="{04888EA6-D32D-BAD1-8D47-BF3206DB377D}"/>
+              </a:ext>
+            </a:extLst>
+          </p:cNvPr>
+          <p:cNvPicPr>
+            <a:picLocks noChangeAspect="1"/>
+          </p:cNvPicPr>
+          <p:nvPr/>
+        </p:nvPicPr>
+        <p:blipFill>
+          <a:blip r:embed="rId3"/>
+          <a:stretch>
+            <a:fillRect/>
+          </a:stretch>
+        </p:blipFill>
+        <p:spPr>
+          <a:xfrm>
+            <a:off x="938673" y="1716446"/>
+            <a:ext cx="4857750" cy="704850"/>
+          </a:xfrm>
+          <a:prstGeom prst="rect">
+            <a:avLst/>
+          </a:prstGeom>
+        </p:spPr>
+      </p:pic>
+      <p:pic>
+        <p:nvPicPr>
+          <p:cNvPr id="13" name="그림 12" descr="폰트, 텍스트, 라인, 친필이(가) 표시된 사진&#10;&#10;AI 생성 콘텐츠는 정확하지 않을 수 있습니다.">
+            <a:extLst>
+              <a:ext uri="{FF2B5EF4-FFF2-40B4-BE49-F238E27FC236}">
+                <a16:creationId xmlns:a16="http://schemas.microsoft.com/office/drawing/2014/main" id="{C2C86CF3-D586-BF08-066C-AD5782F4312B}"/>
+              </a:ext>
+            </a:extLst>
+          </p:cNvPr>
+          <p:cNvPicPr>
+            <a:picLocks noChangeAspect="1"/>
+          </p:cNvPicPr>
+          <p:nvPr/>
+        </p:nvPicPr>
+        <p:blipFill>
+          <a:blip r:embed="rId4"/>
+          <a:stretch>
+            <a:fillRect/>
+          </a:stretch>
+        </p:blipFill>
+        <p:spPr>
+          <a:xfrm>
+            <a:off x="938929" y="3629588"/>
+            <a:ext cx="8429625" cy="1057275"/>
+          </a:xfrm>
+          <a:prstGeom prst="rect">
+            <a:avLst/>
+          </a:prstGeom>
+        </p:spPr>
+      </p:pic>
+      <p:pic>
+        <p:nvPicPr>
+          <p:cNvPr id="14" name="그림 13" descr="폰트, 도표, 친필, 화이트이(가) 표시된 사진&#10;&#10;AI 생성 콘텐츠는 정확하지 않을 수 있습니다.">
+            <a:extLst>
+              <a:ext uri="{FF2B5EF4-FFF2-40B4-BE49-F238E27FC236}">
+                <a16:creationId xmlns:a16="http://schemas.microsoft.com/office/drawing/2014/main" id="{E5AFF17E-5DDF-36E0-F9FE-464182AE9F30}"/>
+              </a:ext>
+            </a:extLst>
+          </p:cNvPr>
+          <p:cNvPicPr>
+            <a:picLocks noChangeAspect="1"/>
+          </p:cNvPicPr>
+          <p:nvPr/>
+        </p:nvPicPr>
+        <p:blipFill>
+          <a:blip r:embed="rId5"/>
+          <a:stretch>
+            <a:fillRect/>
+          </a:stretch>
+        </p:blipFill>
+        <p:spPr>
+          <a:xfrm>
+            <a:off x="938007" y="5213247"/>
+            <a:ext cx="5629275" cy="1200150"/>
+          </a:xfrm>
+          <a:prstGeom prst="rect">
+            <a:avLst/>
+          </a:prstGeom>
+        </p:spPr>
+      </p:pic>
+      <p:pic>
+        <p:nvPicPr>
+          <p:cNvPr id="15" name="그림 14" descr="폰트, 친필, 서예, 타이포그래피이(가) 표시된 사진&#10;&#10;AI 생성 콘텐츠는 정확하지 않을 수 있습니다.">
+            <a:extLst>
+              <a:ext uri="{FF2B5EF4-FFF2-40B4-BE49-F238E27FC236}">
+                <a16:creationId xmlns:a16="http://schemas.microsoft.com/office/drawing/2014/main" id="{9D39EDD6-6CE4-DD9A-2906-FA7786357E21}"/>
+              </a:ext>
+            </a:extLst>
+          </p:cNvPr>
+          <p:cNvPicPr>
+            <a:picLocks noChangeAspect="1"/>
+          </p:cNvPicPr>
+          <p:nvPr/>
+        </p:nvPicPr>
+        <p:blipFill>
+          <a:blip r:embed="rId6"/>
+          <a:stretch>
+            <a:fillRect/>
+          </a:stretch>
+        </p:blipFill>
+        <p:spPr>
+          <a:xfrm>
+            <a:off x="6736376" y="5625127"/>
+            <a:ext cx="2619375" cy="523875"/>
+          </a:xfrm>
+          <a:prstGeom prst="rect">
+            <a:avLst/>
+          </a:prstGeom>
+        </p:spPr>
+      </p:pic>
+      <p:pic>
+        <p:nvPicPr>
+          <p:cNvPr id="4" name="그림 3" descr="폰트, 텍스트, 친필, 화이트이(가) 표시된 사진&#10;&#10;AI 생성 콘텐츠는 정확하지 않을 수 있습니다.">
+            <a:extLst>
+              <a:ext uri="{FF2B5EF4-FFF2-40B4-BE49-F238E27FC236}">
+                <a16:creationId xmlns:a16="http://schemas.microsoft.com/office/drawing/2014/main" id="{CC5B9941-26D7-22AA-28A6-00DD918FF662}"/>
+              </a:ext>
+            </a:extLst>
+          </p:cNvPr>
+          <p:cNvPicPr>
+            <a:picLocks noChangeAspect="1"/>
+          </p:cNvPicPr>
+          <p:nvPr/>
+        </p:nvPicPr>
+        <p:blipFill>
+          <a:blip r:embed="rId7"/>
+          <a:srcRect l="11481" r="-166" b="-1250"/>
+          <a:stretch>
+            <a:fillRect/>
+          </a:stretch>
+        </p:blipFill>
+        <p:spPr>
+          <a:xfrm>
+            <a:off x="1461509" y="1681223"/>
+            <a:ext cx="4837087" cy="735704"/>
+          </a:xfrm>
+          <a:prstGeom prst="rect">
+            <a:avLst/>
+          </a:prstGeom>
+        </p:spPr>
+      </p:pic>
+    </p:spTree>
+    <p:extLst>
+      <p:ext uri="{BB962C8B-B14F-4D97-AF65-F5344CB8AC3E}">
+        <p14:creationId xmlns:p14="http://schemas.microsoft.com/office/powerpoint/2010/main" val="1136358768"/>
+      </p:ext>
+    </p:extLst>
+  </p:cSld>
+  <p:clrMapOvr>
+    <a:masterClrMapping/>
+  </p:clrMapOvr>
+</p:sld>
+</file>
+
+<file path=ppt/slides/slide18.xml><?xml version="1.0" encoding="utf-8"?>
+<p:sld xmlns:a="http://schemas.openxmlformats.org/drawingml/2006/main" xmlns:r="http://schemas.openxmlformats.org/officeDocument/2006/relationships" xmlns:p="http://schemas.openxmlformats.org/presentationml/2006/main">
+  <p:cSld>
+    <p:spTree>
+      <p:nvGrpSpPr>
+        <p:cNvPr id="1" name=""/>
+        <p:cNvGrpSpPr/>
+        <p:nvPr/>
+      </p:nvGrpSpPr>
+      <p:grpSpPr>
+        <a:xfrm>
+          <a:off x="0" y="0"/>
+          <a:ext cx="0" cy="0"/>
+          <a:chOff x="0" y="0"/>
+          <a:chExt cx="0" cy="0"/>
+        </a:xfrm>
+      </p:grpSpPr>
+      <p:sp>
+        <p:nvSpPr>
+          <p:cNvPr id="2" name="제목 1">
+            <a:extLst>
+              <a:ext uri="{FF2B5EF4-FFF2-40B4-BE49-F238E27FC236}">
                 <a16:creationId xmlns:a16="http://schemas.microsoft.com/office/drawing/2014/main" id="{CDA72200-768A-356E-8C50-2D2CD9B2CFE4}"/>
               </a:ext>
             </a:extLst>
@@ -4689,7 +5217,7 @@
 </p:sld>
 </file>
 
-<file path=ppt/slides/slide16.xml><?xml version="1.0" encoding="utf-8"?>
+<file path=ppt/slides/slide19.xml><?xml version="1.0" encoding="utf-8"?>
 <p:sld xmlns:a="http://schemas.openxmlformats.org/drawingml/2006/main" xmlns:r="http://schemas.openxmlformats.org/officeDocument/2006/relationships" xmlns:p="http://schemas.openxmlformats.org/presentationml/2006/main">
   <p:cSld>
     <p:spTree>
@@ -4988,7 +5516,200 @@
 </p:sld>
 </file>
 
-<file path=ppt/slides/slide17.xml><?xml version="1.0" encoding="utf-8"?>
+<file path=ppt/slides/slide2.xml><?xml version="1.0" encoding="utf-8"?>
+<p:sld xmlns:a="http://schemas.openxmlformats.org/drawingml/2006/main" xmlns:r="http://schemas.openxmlformats.org/officeDocument/2006/relationships" xmlns:p="http://schemas.openxmlformats.org/presentationml/2006/main">
+  <p:cSld>
+    <p:spTree>
+      <p:nvGrpSpPr>
+        <p:cNvPr id="1" name=""/>
+        <p:cNvGrpSpPr/>
+        <p:nvPr/>
+      </p:nvGrpSpPr>
+      <p:grpSpPr>
+        <a:xfrm>
+          <a:off x="0" y="0"/>
+          <a:ext cx="0" cy="0"/>
+          <a:chOff x="0" y="0"/>
+          <a:chExt cx="0" cy="0"/>
+        </a:xfrm>
+      </p:grpSpPr>
+      <p:sp>
+        <p:nvSpPr>
+          <p:cNvPr id="2" name="제목 1">
+            <a:extLst>
+              <a:ext uri="{FF2B5EF4-FFF2-40B4-BE49-F238E27FC236}">
+                <a16:creationId xmlns:a16="http://schemas.microsoft.com/office/drawing/2014/main" id="{D21A9E78-6CF3-153A-F868-248BD0C67E58}"/>
+              </a:ext>
+            </a:extLst>
+          </p:cNvPr>
+          <p:cNvSpPr>
+            <a:spLocks noGrp="1"/>
+          </p:cNvSpPr>
+          <p:nvPr>
+            <p:ph type="title"/>
+          </p:nvPr>
+        </p:nvSpPr>
+        <p:spPr/>
+        <p:txBody>
+          <a:bodyPr/>
+          <a:lstStyle/>
+          <a:p>
+            <a:endParaRPr lang="ko-KR" altLang="en-US"/>
+          </a:p>
+        </p:txBody>
+      </p:sp>
+      <p:pic>
+        <p:nvPicPr>
+          <p:cNvPr id="4" name="그림 3" descr="텍스트, 스크린샷, 폰트, 번호이(가) 표시된 사진&#10;&#10;AI 생성 콘텐츠는 정확하지 않을 수 있습니다.">
+            <a:extLst>
+              <a:ext uri="{FF2B5EF4-FFF2-40B4-BE49-F238E27FC236}">
+                <a16:creationId xmlns:a16="http://schemas.microsoft.com/office/drawing/2014/main" id="{7B42D9F8-077A-660C-1232-D55EE7DC3CC0}"/>
+              </a:ext>
+            </a:extLst>
+          </p:cNvPr>
+          <p:cNvPicPr>
+            <a:picLocks noChangeAspect="1"/>
+          </p:cNvPicPr>
+          <p:nvPr/>
+        </p:nvPicPr>
+        <p:blipFill>
+          <a:blip r:embed="rId2"/>
+          <a:stretch>
+            <a:fillRect/>
+          </a:stretch>
+        </p:blipFill>
+        <p:spPr>
+          <a:xfrm>
+            <a:off x="2005445" y="0"/>
+            <a:ext cx="8181109" cy="6858000"/>
+          </a:xfrm>
+          <a:prstGeom prst="rect">
+            <a:avLst/>
+          </a:prstGeom>
+        </p:spPr>
+      </p:pic>
+      <p:sp>
+        <p:nvSpPr>
+          <p:cNvPr id="5" name="직사각형 4">
+            <a:extLst>
+              <a:ext uri="{FF2B5EF4-FFF2-40B4-BE49-F238E27FC236}">
+                <a16:creationId xmlns:a16="http://schemas.microsoft.com/office/drawing/2014/main" id="{8CA88493-6DB3-3606-5937-35A6AB2F7B9A}"/>
+              </a:ext>
+            </a:extLst>
+          </p:cNvPr>
+          <p:cNvSpPr/>
+          <p:nvPr/>
+        </p:nvSpPr>
+        <p:spPr>
+          <a:xfrm>
+            <a:off x="2098109" y="929012"/>
+            <a:ext cx="866383" cy="240083"/>
+          </a:xfrm>
+          <a:prstGeom prst="rect">
+            <a:avLst/>
+          </a:prstGeom>
+          <a:solidFill>
+            <a:schemeClr val="tx1"/>
+          </a:solidFill>
+          <a:ln>
+            <a:solidFill>
+              <a:schemeClr val="tx1"/>
+            </a:solidFill>
+          </a:ln>
+        </p:spPr>
+        <p:style>
+          <a:lnRef idx="2">
+            <a:schemeClr val="accent1">
+              <a:shade val="15000"/>
+            </a:schemeClr>
+          </a:lnRef>
+          <a:fillRef idx="1">
+            <a:schemeClr val="accent1"/>
+          </a:fillRef>
+          <a:effectRef idx="0">
+            <a:schemeClr val="accent1"/>
+          </a:effectRef>
+          <a:fontRef idx="minor">
+            <a:schemeClr val="lt1"/>
+          </a:fontRef>
+        </p:style>
+        <p:txBody>
+          <a:bodyPr rtlCol="0" anchor="ctr"/>
+          <a:lstStyle/>
+          <a:p>
+            <a:pPr algn="ctr"/>
+            <a:endParaRPr lang="ko-KR" altLang="en-US"/>
+          </a:p>
+        </p:txBody>
+      </p:sp>
+      <p:sp>
+        <p:nvSpPr>
+          <p:cNvPr id="6" name="직사각형 5">
+            <a:extLst>
+              <a:ext uri="{FF2B5EF4-FFF2-40B4-BE49-F238E27FC236}">
+                <a16:creationId xmlns:a16="http://schemas.microsoft.com/office/drawing/2014/main" id="{42E0196F-CE7D-8569-F41E-94E9F8C4BCE3}"/>
+              </a:ext>
+            </a:extLst>
+          </p:cNvPr>
+          <p:cNvSpPr/>
+          <p:nvPr/>
+        </p:nvSpPr>
+        <p:spPr>
+          <a:xfrm>
+            <a:off x="2098108" y="83506"/>
+            <a:ext cx="511479" cy="187892"/>
+          </a:xfrm>
+          <a:prstGeom prst="rect">
+            <a:avLst/>
+          </a:prstGeom>
+          <a:solidFill>
+            <a:schemeClr val="tx1"/>
+          </a:solidFill>
+          <a:ln>
+            <a:solidFill>
+              <a:schemeClr val="tx1"/>
+            </a:solidFill>
+          </a:ln>
+        </p:spPr>
+        <p:style>
+          <a:lnRef idx="2">
+            <a:schemeClr val="accent1">
+              <a:shade val="15000"/>
+            </a:schemeClr>
+          </a:lnRef>
+          <a:fillRef idx="1">
+            <a:schemeClr val="accent1"/>
+          </a:fillRef>
+          <a:effectRef idx="0">
+            <a:schemeClr val="accent1"/>
+          </a:effectRef>
+          <a:fontRef idx="minor">
+            <a:schemeClr val="lt1"/>
+          </a:fontRef>
+        </p:style>
+        <p:txBody>
+          <a:bodyPr rtlCol="0" anchor="ctr"/>
+          <a:lstStyle/>
+          <a:p>
+            <a:pPr algn="ctr"/>
+            <a:endParaRPr lang="ko-KR" altLang="en-US"/>
+          </a:p>
+        </p:txBody>
+      </p:sp>
+    </p:spTree>
+    <p:extLst>
+      <p:ext uri="{BB962C8B-B14F-4D97-AF65-F5344CB8AC3E}">
+        <p14:creationId xmlns:p14="http://schemas.microsoft.com/office/powerpoint/2010/main" val="2183170989"/>
+      </p:ext>
+    </p:extLst>
+  </p:cSld>
+  <p:clrMapOvr>
+    <a:masterClrMapping/>
+  </p:clrMapOvr>
+</p:sld>
+</file>
+
+<file path=ppt/slides/slide20.xml><?xml version="1.0" encoding="utf-8"?>
 <p:sld xmlns:a="http://schemas.openxmlformats.org/drawingml/2006/main" xmlns:r="http://schemas.openxmlformats.org/officeDocument/2006/relationships" xmlns:p="http://schemas.openxmlformats.org/presentationml/2006/main">
   <p:cSld>
     <p:spTree>
@@ -5134,7 +5855,7 @@
 </p:sld>
 </file>
 
-<file path=ppt/slides/slide18.xml><?xml version="1.0" encoding="utf-8"?>
+<file path=ppt/slides/slide21.xml><?xml version="1.0" encoding="utf-8"?>
 <p:sld xmlns:a="http://schemas.openxmlformats.org/drawingml/2006/main" xmlns:r="http://schemas.openxmlformats.org/officeDocument/2006/relationships" xmlns:p="http://schemas.openxmlformats.org/presentationml/2006/main">
   <p:cSld>
     <p:spTree>
@@ -5326,7 +6047,7 @@
 </p:sld>
 </file>
 
-<file path=ppt/slides/slide19.xml><?xml version="1.0" encoding="utf-8"?>
+<file path=ppt/slides/slide22.xml><?xml version="1.0" encoding="utf-8"?>
 <p:sld xmlns:a="http://schemas.openxmlformats.org/drawingml/2006/main" xmlns:r="http://schemas.openxmlformats.org/officeDocument/2006/relationships" xmlns:p="http://schemas.openxmlformats.org/presentationml/2006/main">
   <p:cSld>
     <p:spTree>
@@ -5377,199 +6098,6 @@
     <p:extLst>
       <p:ext uri="{BB962C8B-B14F-4D97-AF65-F5344CB8AC3E}">
         <p14:creationId xmlns:p14="http://schemas.microsoft.com/office/powerpoint/2010/main" val="2487246222"/>
-      </p:ext>
-    </p:extLst>
-  </p:cSld>
-  <p:clrMapOvr>
-    <a:masterClrMapping/>
-  </p:clrMapOvr>
-</p:sld>
-</file>
-
-<file path=ppt/slides/slide2.xml><?xml version="1.0" encoding="utf-8"?>
-<p:sld xmlns:a="http://schemas.openxmlformats.org/drawingml/2006/main" xmlns:r="http://schemas.openxmlformats.org/officeDocument/2006/relationships" xmlns:p="http://schemas.openxmlformats.org/presentationml/2006/main">
-  <p:cSld>
-    <p:spTree>
-      <p:nvGrpSpPr>
-        <p:cNvPr id="1" name=""/>
-        <p:cNvGrpSpPr/>
-        <p:nvPr/>
-      </p:nvGrpSpPr>
-      <p:grpSpPr>
-        <a:xfrm>
-          <a:off x="0" y="0"/>
-          <a:ext cx="0" cy="0"/>
-          <a:chOff x="0" y="0"/>
-          <a:chExt cx="0" cy="0"/>
-        </a:xfrm>
-      </p:grpSpPr>
-      <p:sp>
-        <p:nvSpPr>
-          <p:cNvPr id="2" name="제목 1">
-            <a:extLst>
-              <a:ext uri="{FF2B5EF4-FFF2-40B4-BE49-F238E27FC236}">
-                <a16:creationId xmlns:a16="http://schemas.microsoft.com/office/drawing/2014/main" id="{D21A9E78-6CF3-153A-F868-248BD0C67E58}"/>
-              </a:ext>
-            </a:extLst>
-          </p:cNvPr>
-          <p:cNvSpPr>
-            <a:spLocks noGrp="1"/>
-          </p:cNvSpPr>
-          <p:nvPr>
-            <p:ph type="title"/>
-          </p:nvPr>
-        </p:nvSpPr>
-        <p:spPr/>
-        <p:txBody>
-          <a:bodyPr/>
-          <a:lstStyle/>
-          <a:p>
-            <a:endParaRPr lang="ko-KR" altLang="en-US"/>
-          </a:p>
-        </p:txBody>
-      </p:sp>
-      <p:pic>
-        <p:nvPicPr>
-          <p:cNvPr id="4" name="그림 3" descr="텍스트, 스크린샷, 폰트, 번호이(가) 표시된 사진&#10;&#10;AI 생성 콘텐츠는 정확하지 않을 수 있습니다.">
-            <a:extLst>
-              <a:ext uri="{FF2B5EF4-FFF2-40B4-BE49-F238E27FC236}">
-                <a16:creationId xmlns:a16="http://schemas.microsoft.com/office/drawing/2014/main" id="{7B42D9F8-077A-660C-1232-D55EE7DC3CC0}"/>
-              </a:ext>
-            </a:extLst>
-          </p:cNvPr>
-          <p:cNvPicPr>
-            <a:picLocks noChangeAspect="1"/>
-          </p:cNvPicPr>
-          <p:nvPr/>
-        </p:nvPicPr>
-        <p:blipFill>
-          <a:blip r:embed="rId2"/>
-          <a:stretch>
-            <a:fillRect/>
-          </a:stretch>
-        </p:blipFill>
-        <p:spPr>
-          <a:xfrm>
-            <a:off x="2005445" y="0"/>
-            <a:ext cx="8181109" cy="6858000"/>
-          </a:xfrm>
-          <a:prstGeom prst="rect">
-            <a:avLst/>
-          </a:prstGeom>
-        </p:spPr>
-      </p:pic>
-      <p:sp>
-        <p:nvSpPr>
-          <p:cNvPr id="5" name="직사각형 4">
-            <a:extLst>
-              <a:ext uri="{FF2B5EF4-FFF2-40B4-BE49-F238E27FC236}">
-                <a16:creationId xmlns:a16="http://schemas.microsoft.com/office/drawing/2014/main" id="{8CA88493-6DB3-3606-5937-35A6AB2F7B9A}"/>
-              </a:ext>
-            </a:extLst>
-          </p:cNvPr>
-          <p:cNvSpPr/>
-          <p:nvPr/>
-        </p:nvSpPr>
-        <p:spPr>
-          <a:xfrm>
-            <a:off x="2098109" y="929012"/>
-            <a:ext cx="866383" cy="240083"/>
-          </a:xfrm>
-          <a:prstGeom prst="rect">
-            <a:avLst/>
-          </a:prstGeom>
-          <a:solidFill>
-            <a:schemeClr val="tx1"/>
-          </a:solidFill>
-          <a:ln>
-            <a:solidFill>
-              <a:schemeClr val="tx1"/>
-            </a:solidFill>
-          </a:ln>
-        </p:spPr>
-        <p:style>
-          <a:lnRef idx="2">
-            <a:schemeClr val="accent1">
-              <a:shade val="15000"/>
-            </a:schemeClr>
-          </a:lnRef>
-          <a:fillRef idx="1">
-            <a:schemeClr val="accent1"/>
-          </a:fillRef>
-          <a:effectRef idx="0">
-            <a:schemeClr val="accent1"/>
-          </a:effectRef>
-          <a:fontRef idx="minor">
-            <a:schemeClr val="lt1"/>
-          </a:fontRef>
-        </p:style>
-        <p:txBody>
-          <a:bodyPr rtlCol="0" anchor="ctr"/>
-          <a:lstStyle/>
-          <a:p>
-            <a:pPr algn="ctr"/>
-            <a:endParaRPr lang="ko-KR" altLang="en-US"/>
-          </a:p>
-        </p:txBody>
-      </p:sp>
-      <p:sp>
-        <p:nvSpPr>
-          <p:cNvPr id="6" name="직사각형 5">
-            <a:extLst>
-              <a:ext uri="{FF2B5EF4-FFF2-40B4-BE49-F238E27FC236}">
-                <a16:creationId xmlns:a16="http://schemas.microsoft.com/office/drawing/2014/main" id="{42E0196F-CE7D-8569-F41E-94E9F8C4BCE3}"/>
-              </a:ext>
-            </a:extLst>
-          </p:cNvPr>
-          <p:cNvSpPr/>
-          <p:nvPr/>
-        </p:nvSpPr>
-        <p:spPr>
-          <a:xfrm>
-            <a:off x="2098108" y="83506"/>
-            <a:ext cx="511479" cy="187892"/>
-          </a:xfrm>
-          <a:prstGeom prst="rect">
-            <a:avLst/>
-          </a:prstGeom>
-          <a:solidFill>
-            <a:schemeClr val="tx1"/>
-          </a:solidFill>
-          <a:ln>
-            <a:solidFill>
-              <a:schemeClr val="tx1"/>
-            </a:solidFill>
-          </a:ln>
-        </p:spPr>
-        <p:style>
-          <a:lnRef idx="2">
-            <a:schemeClr val="accent1">
-              <a:shade val="15000"/>
-            </a:schemeClr>
-          </a:lnRef>
-          <a:fillRef idx="1">
-            <a:schemeClr val="accent1"/>
-          </a:fillRef>
-          <a:effectRef idx="0">
-            <a:schemeClr val="accent1"/>
-          </a:effectRef>
-          <a:fontRef idx="minor">
-            <a:schemeClr val="lt1"/>
-          </a:fontRef>
-        </p:style>
-        <p:txBody>
-          <a:bodyPr rtlCol="0" anchor="ctr"/>
-          <a:lstStyle/>
-          <a:p>
-            <a:pPr algn="ctr"/>
-            <a:endParaRPr lang="ko-KR" altLang="en-US"/>
-          </a:p>
-        </p:txBody>
-      </p:sp>
-    </p:spTree>
-    <p:extLst>
-      <p:ext uri="{BB962C8B-B14F-4D97-AF65-F5344CB8AC3E}">
-        <p14:creationId xmlns:p14="http://schemas.microsoft.com/office/powerpoint/2010/main" val="2183170989"/>
       </p:ext>
     </p:extLst>
   </p:cSld>

--- a/slides/GPS최소외접원.pptx
+++ b/slides/GPS최소외접원.pptx
@@ -4,6 +4,9 @@
   <p:sldMasterIdLst>
     <p:sldMasterId id="2147483648" r:id="rId1"/>
   </p:sldMasterIdLst>
+  <p:notesMasterIdLst>
+    <p:notesMasterId r:id="rId23"/>
+  </p:notesMasterIdLst>
   <p:sldIdLst>
     <p:sldId id="256" r:id="rId2"/>
     <p:sldId id="258" r:id="rId3"/>
@@ -17,16 +20,15 @@
     <p:sldId id="267" r:id="rId11"/>
     <p:sldId id="270" r:id="rId12"/>
     <p:sldId id="266" r:id="rId13"/>
-    <p:sldId id="271" r:id="rId14"/>
-    <p:sldId id="273" r:id="rId15"/>
-    <p:sldId id="282" r:id="rId16"/>
-    <p:sldId id="284" r:id="rId17"/>
-    <p:sldId id="283" r:id="rId18"/>
-    <p:sldId id="276" r:id="rId19"/>
-    <p:sldId id="277" r:id="rId20"/>
-    <p:sldId id="278" r:id="rId21"/>
-    <p:sldId id="279" r:id="rId22"/>
-    <p:sldId id="280" r:id="rId23"/>
+    <p:sldId id="277" r:id="rId14"/>
+    <p:sldId id="278" r:id="rId15"/>
+    <p:sldId id="271" r:id="rId16"/>
+    <p:sldId id="273" r:id="rId17"/>
+    <p:sldId id="282" r:id="rId18"/>
+    <p:sldId id="284" r:id="rId19"/>
+    <p:sldId id="283" r:id="rId20"/>
+    <p:sldId id="279" r:id="rId21"/>
+    <p:sldId id="280" r:id="rId22"/>
   </p:sldIdLst>
   <p:sldSz cx="12192000" cy="6858000"/>
   <p:notesSz cx="6858000" cy="9144000"/>
@@ -136,11 +138,480 @@
 <file path=ppt/revisionInfo.xml><?xml version="1.0" encoding="utf-8"?>
 <p1510:revInfo xmlns:a="http://schemas.openxmlformats.org/drawingml/2006/main" xmlns:r="http://schemas.openxmlformats.org/officeDocument/2006/relationships" xmlns:p1510="http://schemas.microsoft.com/office/powerpoint/2015/10/main">
   <p1510:revLst>
+    <p1510:client id="{0D5F90AB-6368-CA4B-B7B7-A84511356576}" v="4" dt="2025-10-28T03:37:21.783"/>
     <p1510:client id="{181B1806-7E30-5B32-F797-1FDA66B60D9D}" v="10" dt="2025-10-26T18:47:23.407"/>
     <p1510:client id="{8408600A-75C0-5006-5383-97DA4BF452AB}" v="636" dt="2025-10-27T11:40:59.804"/>
-    <p1510:client id="{BB7B28C5-6F0D-2E58-DCE4-E4BC7B61CEF8}" v="37" dt="2025-10-27T11:47:54.648"/>
+    <p1510:client id="{BB7B28C5-6F0D-2E58-DCE4-E4BC7B61CEF8}" v="57" dt="2025-10-27T11:59:47.136"/>
+    <p1510:client id="{D3CBD985-1841-CD13-2B06-D0C18C3EC7EE}" v="26" dt="2025-10-28T02:09:56.665"/>
   </p1510:revLst>
 </p1510:revInfo>
+</file>
+
+<file path=ppt/notesMasters/notesMaster1.xml><?xml version="1.0" encoding="utf-8"?>
+<p:notesMaster xmlns:a="http://schemas.openxmlformats.org/drawingml/2006/main" xmlns:r="http://schemas.openxmlformats.org/officeDocument/2006/relationships" xmlns:p="http://schemas.openxmlformats.org/presentationml/2006/main">
+  <p:cSld>
+    <p:bg>
+      <p:bgRef idx="1001">
+        <a:schemeClr val="bg1"/>
+      </p:bgRef>
+    </p:bg>
+    <p:spTree>
+      <p:nvGrpSpPr>
+        <p:cNvPr id="1" name=""/>
+        <p:cNvGrpSpPr/>
+        <p:nvPr/>
+      </p:nvGrpSpPr>
+      <p:grpSpPr>
+        <a:xfrm>
+          <a:off x="0" y="0"/>
+          <a:ext cx="0" cy="0"/>
+          <a:chOff x="0" y="0"/>
+          <a:chExt cx="0" cy="0"/>
+        </a:xfrm>
+      </p:grpSpPr>
+      <p:sp>
+        <p:nvSpPr>
+          <p:cNvPr id="2" name="머리글 개체 틀 1"/>
+          <p:cNvSpPr>
+            <a:spLocks noGrp="1"/>
+          </p:cNvSpPr>
+          <p:nvPr>
+            <p:ph type="hdr" sz="quarter"/>
+          </p:nvPr>
+        </p:nvSpPr>
+        <p:spPr>
+          <a:xfrm>
+            <a:off x="0" y="0"/>
+            <a:ext cx="2971800" cy="458788"/>
+          </a:xfrm>
+          <a:prstGeom prst="rect">
+            <a:avLst/>
+          </a:prstGeom>
+        </p:spPr>
+        <p:txBody>
+          <a:bodyPr vert="horz" lIns="91440" tIns="45720" rIns="91440" bIns="45720" rtlCol="0"/>
+          <a:lstStyle>
+            <a:lvl1pPr algn="l">
+              <a:defRPr sz="1200"/>
+            </a:lvl1pPr>
+          </a:lstStyle>
+          <a:p>
+            <a:endParaRPr lang="ko-KR" altLang="en-US"/>
+          </a:p>
+        </p:txBody>
+      </p:sp>
+      <p:sp>
+        <p:nvSpPr>
+          <p:cNvPr id="3" name="날짜 개체 틀 2"/>
+          <p:cNvSpPr>
+            <a:spLocks noGrp="1"/>
+          </p:cNvSpPr>
+          <p:nvPr>
+            <p:ph type="dt" idx="1"/>
+          </p:nvPr>
+        </p:nvSpPr>
+        <p:spPr>
+          <a:xfrm>
+            <a:off x="3884613" y="0"/>
+            <a:ext cx="2971800" cy="458788"/>
+          </a:xfrm>
+          <a:prstGeom prst="rect">
+            <a:avLst/>
+          </a:prstGeom>
+        </p:spPr>
+        <p:txBody>
+          <a:bodyPr vert="horz" lIns="91440" tIns="45720" rIns="91440" bIns="45720" rtlCol="0"/>
+          <a:lstStyle>
+            <a:lvl1pPr algn="r">
+              <a:defRPr sz="1200"/>
+            </a:lvl1pPr>
+          </a:lstStyle>
+          <a:p>
+            <a:fld id="{F4ADF756-7473-43E5-9C62-423E168F5AE2}" type="datetimeFigureOut">
+              <a:t>2025-10-27</a:t>
+            </a:fld>
+            <a:endParaRPr lang="ko-KR" altLang="en-US"/>
+          </a:p>
+        </p:txBody>
+      </p:sp>
+      <p:sp>
+        <p:nvSpPr>
+          <p:cNvPr id="4" name="슬라이드 이미지 개체 틀 3"/>
+          <p:cNvSpPr>
+            <a:spLocks noGrp="1" noRot="1" noChangeAspect="1"/>
+          </p:cNvSpPr>
+          <p:nvPr>
+            <p:ph type="sldImg" idx="2"/>
+          </p:nvPr>
+        </p:nvSpPr>
+        <p:spPr>
+          <a:xfrm>
+            <a:off x="685800" y="1143000"/>
+            <a:ext cx="5486400" cy="3086100"/>
+          </a:xfrm>
+          <a:prstGeom prst="rect">
+            <a:avLst/>
+          </a:prstGeom>
+          <a:noFill/>
+          <a:ln w="12700">
+            <a:solidFill>
+              <a:prstClr val="black"/>
+            </a:solidFill>
+          </a:ln>
+        </p:spPr>
+        <p:txBody>
+          <a:bodyPr vert="horz" lIns="91440" tIns="45720" rIns="91440" bIns="45720" rtlCol="0" anchor="ctr"/>
+          <a:lstStyle/>
+          <a:p>
+            <a:endParaRPr lang="ko-KR" altLang="en-US"/>
+          </a:p>
+        </p:txBody>
+      </p:sp>
+      <p:sp>
+        <p:nvSpPr>
+          <p:cNvPr id="5" name="슬라이드 노트 개체 틀 4"/>
+          <p:cNvSpPr>
+            <a:spLocks noGrp="1"/>
+          </p:cNvSpPr>
+          <p:nvPr>
+            <p:ph type="body" sz="quarter" idx="3"/>
+          </p:nvPr>
+        </p:nvSpPr>
+        <p:spPr>
+          <a:xfrm>
+            <a:off x="685800" y="4400550"/>
+            <a:ext cx="5486400" cy="3600450"/>
+          </a:xfrm>
+          <a:prstGeom prst="rect">
+            <a:avLst/>
+          </a:prstGeom>
+        </p:spPr>
+        <p:txBody>
+          <a:bodyPr vert="horz" lIns="91440" tIns="45720" rIns="91440" bIns="45720" rtlCol="0"/>
+          <a:lstStyle/>
+          <a:p>
+            <a:pPr lvl="0"/>
+            <a:r>
+              <a:rPr lang="ko-KR" altLang="en-US"/>
+              <a:t>마스터 텍스트 스타일을 편집하려면 클릭</a:t>
+            </a:r>
+          </a:p>
+          <a:p>
+            <a:pPr lvl="1"/>
+            <a:r>
+              <a:rPr lang="ko-KR" altLang="en-US"/>
+              <a:t>두 번째 수준</a:t>
+            </a:r>
+          </a:p>
+          <a:p>
+            <a:pPr lvl="2"/>
+            <a:r>
+              <a:rPr lang="ko-KR" altLang="en-US"/>
+              <a:t>세 번째 수준</a:t>
+            </a:r>
+          </a:p>
+          <a:p>
+            <a:pPr lvl="3"/>
+            <a:r>
+              <a:rPr lang="ko-KR" altLang="en-US"/>
+              <a:t>네 번째 수준</a:t>
+            </a:r>
+          </a:p>
+          <a:p>
+            <a:pPr lvl="4"/>
+            <a:r>
+              <a:rPr lang="ko-KR" altLang="en-US"/>
+              <a:t>다섯 번째 수준</a:t>
+            </a:r>
+          </a:p>
+        </p:txBody>
+      </p:sp>
+      <p:sp>
+        <p:nvSpPr>
+          <p:cNvPr id="6" name="바닥글 개체 틀 5"/>
+          <p:cNvSpPr>
+            <a:spLocks noGrp="1"/>
+          </p:cNvSpPr>
+          <p:nvPr>
+            <p:ph type="ftr" sz="quarter" idx="4"/>
+          </p:nvPr>
+        </p:nvSpPr>
+        <p:spPr>
+          <a:xfrm>
+            <a:off x="0" y="8685213"/>
+            <a:ext cx="2971800" cy="458787"/>
+          </a:xfrm>
+          <a:prstGeom prst="rect">
+            <a:avLst/>
+          </a:prstGeom>
+        </p:spPr>
+        <p:txBody>
+          <a:bodyPr vert="horz" lIns="91440" tIns="45720" rIns="91440" bIns="45720" rtlCol="0" anchor="b"/>
+          <a:lstStyle>
+            <a:lvl1pPr algn="l">
+              <a:defRPr sz="1200"/>
+            </a:lvl1pPr>
+          </a:lstStyle>
+          <a:p>
+            <a:endParaRPr lang="ko-KR" altLang="en-US"/>
+          </a:p>
+        </p:txBody>
+      </p:sp>
+      <p:sp>
+        <p:nvSpPr>
+          <p:cNvPr id="7" name="슬라이드 번호 개체 틀 6"/>
+          <p:cNvSpPr>
+            <a:spLocks noGrp="1"/>
+          </p:cNvSpPr>
+          <p:nvPr>
+            <p:ph type="sldNum" sz="quarter" idx="5"/>
+          </p:nvPr>
+        </p:nvSpPr>
+        <p:spPr>
+          <a:xfrm>
+            <a:off x="3884613" y="8685213"/>
+            <a:ext cx="2971800" cy="458787"/>
+          </a:xfrm>
+          <a:prstGeom prst="rect">
+            <a:avLst/>
+          </a:prstGeom>
+        </p:spPr>
+        <p:txBody>
+          <a:bodyPr vert="horz" lIns="91440" tIns="45720" rIns="91440" bIns="45720" rtlCol="0" anchor="b"/>
+          <a:lstStyle>
+            <a:lvl1pPr algn="r">
+              <a:defRPr sz="1200"/>
+            </a:lvl1pPr>
+          </a:lstStyle>
+          <a:p>
+            <a:fld id="{9B579577-8D08-44D3-8148-8C2AA7D60F3F}" type="slidenum">
+              <a:t>‹#›</a:t>
+            </a:fld>
+            <a:endParaRPr lang="ko-KR" altLang="en-US"/>
+          </a:p>
+        </p:txBody>
+      </p:sp>
+    </p:spTree>
+    <p:extLst>
+      <p:ext uri="{BB962C8B-B14F-4D97-AF65-F5344CB8AC3E}">
+        <p14:creationId xmlns:p14="http://schemas.microsoft.com/office/powerpoint/2010/main" val="200994172"/>
+      </p:ext>
+    </p:extLst>
+  </p:cSld>
+  <p:clrMap bg1="lt1" tx1="dk1" bg2="lt2" tx2="dk2" accent1="accent1" accent2="accent2" accent3="accent3" accent4="accent4" accent5="accent5" accent6="accent6" hlink="hlink" folHlink="folHlink"/>
+  <p:notesStyle>
+    <a:lvl1pPr marL="0" algn="l" defTabSz="914400" rtl="0" eaLnBrk="1" latinLnBrk="1" hangingPunct="1">
+      <a:defRPr sz="1200" kern="1200">
+        <a:solidFill>
+          <a:schemeClr val="tx1"/>
+        </a:solidFill>
+        <a:latin typeface="+mn-lt"/>
+        <a:ea typeface="+mn-ea"/>
+        <a:cs typeface="+mn-cs"/>
+      </a:defRPr>
+    </a:lvl1pPr>
+    <a:lvl2pPr marL="457200" algn="l" defTabSz="914400" rtl="0" eaLnBrk="1" latinLnBrk="1" hangingPunct="1">
+      <a:defRPr sz="1200" kern="1200">
+        <a:solidFill>
+          <a:schemeClr val="tx1"/>
+        </a:solidFill>
+        <a:latin typeface="+mn-lt"/>
+        <a:ea typeface="+mn-ea"/>
+        <a:cs typeface="+mn-cs"/>
+      </a:defRPr>
+    </a:lvl2pPr>
+    <a:lvl3pPr marL="914400" algn="l" defTabSz="914400" rtl="0" eaLnBrk="1" latinLnBrk="1" hangingPunct="1">
+      <a:defRPr sz="1200" kern="1200">
+        <a:solidFill>
+          <a:schemeClr val="tx1"/>
+        </a:solidFill>
+        <a:latin typeface="+mn-lt"/>
+        <a:ea typeface="+mn-ea"/>
+        <a:cs typeface="+mn-cs"/>
+      </a:defRPr>
+    </a:lvl3pPr>
+    <a:lvl4pPr marL="1371600" algn="l" defTabSz="914400" rtl="0" eaLnBrk="1" latinLnBrk="1" hangingPunct="1">
+      <a:defRPr sz="1200" kern="1200">
+        <a:solidFill>
+          <a:schemeClr val="tx1"/>
+        </a:solidFill>
+        <a:latin typeface="+mn-lt"/>
+        <a:ea typeface="+mn-ea"/>
+        <a:cs typeface="+mn-cs"/>
+      </a:defRPr>
+    </a:lvl4pPr>
+    <a:lvl5pPr marL="1828800" algn="l" defTabSz="914400" rtl="0" eaLnBrk="1" latinLnBrk="1" hangingPunct="1">
+      <a:defRPr sz="1200" kern="1200">
+        <a:solidFill>
+          <a:schemeClr val="tx1"/>
+        </a:solidFill>
+        <a:latin typeface="+mn-lt"/>
+        <a:ea typeface="+mn-ea"/>
+        <a:cs typeface="+mn-cs"/>
+      </a:defRPr>
+    </a:lvl5pPr>
+    <a:lvl6pPr marL="2286000" algn="l" defTabSz="914400" rtl="0" eaLnBrk="1" latinLnBrk="1" hangingPunct="1">
+      <a:defRPr sz="1200" kern="1200">
+        <a:solidFill>
+          <a:schemeClr val="tx1"/>
+        </a:solidFill>
+        <a:latin typeface="+mn-lt"/>
+        <a:ea typeface="+mn-ea"/>
+        <a:cs typeface="+mn-cs"/>
+      </a:defRPr>
+    </a:lvl6pPr>
+    <a:lvl7pPr marL="2743200" algn="l" defTabSz="914400" rtl="0" eaLnBrk="1" latinLnBrk="1" hangingPunct="1">
+      <a:defRPr sz="1200" kern="1200">
+        <a:solidFill>
+          <a:schemeClr val="tx1"/>
+        </a:solidFill>
+        <a:latin typeface="+mn-lt"/>
+        <a:ea typeface="+mn-ea"/>
+        <a:cs typeface="+mn-cs"/>
+      </a:defRPr>
+    </a:lvl7pPr>
+    <a:lvl8pPr marL="3200400" algn="l" defTabSz="914400" rtl="0" eaLnBrk="1" latinLnBrk="1" hangingPunct="1">
+      <a:defRPr sz="1200" kern="1200">
+        <a:solidFill>
+          <a:schemeClr val="tx1"/>
+        </a:solidFill>
+        <a:latin typeface="+mn-lt"/>
+        <a:ea typeface="+mn-ea"/>
+        <a:cs typeface="+mn-cs"/>
+      </a:defRPr>
+    </a:lvl8pPr>
+    <a:lvl9pPr marL="3657600" algn="l" defTabSz="914400" rtl="0" eaLnBrk="1" latinLnBrk="1" hangingPunct="1">
+      <a:defRPr sz="1200" kern="1200">
+        <a:solidFill>
+          <a:schemeClr val="tx1"/>
+        </a:solidFill>
+        <a:latin typeface="+mn-lt"/>
+        <a:ea typeface="+mn-ea"/>
+        <a:cs typeface="+mn-cs"/>
+      </a:defRPr>
+    </a:lvl9pPr>
+  </p:notesStyle>
+</p:notesMaster>
+</file>
+
+<file path=ppt/notesSlides/notesSlide1.xml><?xml version="1.0" encoding="utf-8"?>
+<p:notes xmlns:a="http://schemas.openxmlformats.org/drawingml/2006/main" xmlns:r="http://schemas.openxmlformats.org/officeDocument/2006/relationships" xmlns:p="http://schemas.openxmlformats.org/presentationml/2006/main">
+  <p:cSld>
+    <p:spTree>
+      <p:nvGrpSpPr>
+        <p:cNvPr id="1" name=""/>
+        <p:cNvGrpSpPr/>
+        <p:nvPr/>
+      </p:nvGrpSpPr>
+      <p:grpSpPr>
+        <a:xfrm>
+          <a:off x="0" y="0"/>
+          <a:ext cx="0" cy="0"/>
+          <a:chOff x="0" y="0"/>
+          <a:chExt cx="0" cy="0"/>
+        </a:xfrm>
+      </p:grpSpPr>
+      <p:sp>
+        <p:nvSpPr>
+          <p:cNvPr id="2" name="슬라이드 이미지 개체 틀 1"/>
+          <p:cNvSpPr>
+            <a:spLocks noGrp="1" noRot="1" noChangeAspect="1"/>
+          </p:cNvSpPr>
+          <p:nvPr>
+            <p:ph type="sldImg"/>
+          </p:nvPr>
+        </p:nvSpPr>
+        <p:spPr/>
+      </p:sp>
+      <p:sp>
+        <p:nvSpPr>
+          <p:cNvPr id="3" name="슬라이드 노트 개체 틀 2"/>
+          <p:cNvSpPr>
+            <a:spLocks noGrp="1"/>
+          </p:cNvSpPr>
+          <p:nvPr>
+            <p:ph type="body" idx="1"/>
+          </p:nvPr>
+        </p:nvSpPr>
+        <p:spPr/>
+        <p:txBody>
+          <a:bodyPr/>
+          <a:lstStyle/>
+          <a:p>
+            <a:r>
+              <a:rPr lang="en-US" altLang="ko-KR" dirty="0">
+                <a:latin typeface="Calibri"/>
+                <a:ea typeface="Calibri"/>
+                <a:cs typeface="Calibri"/>
+              </a:rPr>
+              <a:t>Collinear point check</a:t>
+            </a:r>
+            <a:endParaRPr lang="ko-KR" altLang="en-US" dirty="0">
+              <a:latin typeface="맑은 고딕" panose="020B0503020000020004" pitchFamily="34" charset="-127"/>
+              <a:ea typeface="맑은 고딕" panose="020B0503020000020004" pitchFamily="34" charset="-127"/>
+              <a:cs typeface="Calibri"/>
+            </a:endParaRPr>
+          </a:p>
+          <a:p>
+            <a:r>
+              <a:rPr lang="en-US" altLang="ko-KR" dirty="0" err="1">
+                <a:latin typeface="Calibri"/>
+                <a:ea typeface="Calibri"/>
+                <a:cs typeface="Calibri"/>
+              </a:rPr>
+              <a:t>Dist</a:t>
+            </a:r>
+            <a:r>
+              <a:rPr lang="en-US" altLang="ko-KR" dirty="0">
+                <a:latin typeface="Calibri"/>
+                <a:ea typeface="Calibri"/>
+                <a:cs typeface="Calibri"/>
+              </a:rPr>
+              <a:t> sq</a:t>
+            </a:r>
+          </a:p>
+          <a:p>
+            <a:endParaRPr lang="en-US" altLang="ko-KR" dirty="0">
+              <a:latin typeface="Calibri"/>
+              <a:ea typeface="Calibri"/>
+              <a:cs typeface="Calibri"/>
+            </a:endParaRPr>
+          </a:p>
+        </p:txBody>
+      </p:sp>
+      <p:sp>
+        <p:nvSpPr>
+          <p:cNvPr id="4" name="슬라이드 번호 개체 틀 3"/>
+          <p:cNvSpPr>
+            <a:spLocks noGrp="1"/>
+          </p:cNvSpPr>
+          <p:nvPr>
+            <p:ph type="sldNum" sz="quarter" idx="5"/>
+          </p:nvPr>
+        </p:nvSpPr>
+        <p:spPr/>
+        <p:txBody>
+          <a:bodyPr/>
+          <a:lstStyle/>
+          <a:p>
+            <a:fld id="{9B579577-8D08-44D3-8148-8C2AA7D60F3F}" type="slidenum">
+              <a:t>21</a:t>
+            </a:fld>
+            <a:endParaRPr lang="ko-KR" altLang="en-US"/>
+          </a:p>
+        </p:txBody>
+      </p:sp>
+    </p:spTree>
+    <p:extLst>
+      <p:ext uri="{BB962C8B-B14F-4D97-AF65-F5344CB8AC3E}">
+        <p14:creationId xmlns:p14="http://schemas.microsoft.com/office/powerpoint/2010/main" val="1879433120"/>
+      </p:ext>
+    </p:extLst>
+  </p:cSld>
+  <p:clrMapOvr>
+    <a:masterClrMapping/>
+  </p:clrMapOvr>
+</p:notes>
 </file>
 
 <file path=ppt/slideLayouts/slideLayout1.xml><?xml version="1.0" encoding="utf-8"?>
@@ -3031,7 +3502,34 @@
               </a:rPr>
               <a:t>Circle</a:t>
             </a:r>
-            <a:endParaRPr lang="ko-KR" altLang="en-US"/>
+            <a:br>
+              <a:rPr lang="ko-KR" altLang="en-US" dirty="0">
+                <a:ea typeface="+mj-lt"/>
+                <a:cs typeface="+mj-lt"/>
+              </a:rPr>
+            </a:br>
+            <a:r>
+              <a:rPr lang="ko-KR" altLang="en-US" dirty="0">
+                <a:ea typeface="+mj-lt"/>
+                <a:cs typeface="+mj-lt"/>
+              </a:rPr>
+              <a:t>(</a:t>
+            </a:r>
+            <a:r>
+              <a:rPr lang="ko-KR" altLang="en-US" dirty="0" err="1">
+                <a:ea typeface="+mj-lt"/>
+                <a:cs typeface="+mj-lt"/>
+              </a:rPr>
+              <a:t>최소외접원</a:t>
+            </a:r>
+            <a:r>
+              <a:rPr lang="ko-KR" altLang="en-US" dirty="0">
+                <a:ea typeface="+mj-lt"/>
+                <a:cs typeface="+mj-lt"/>
+              </a:rPr>
+              <a:t>)</a:t>
+            </a:r>
+            <a:endParaRPr lang="ko-KR" altLang="en-US" dirty="0"/>
           </a:p>
         </p:txBody>
       </p:sp>
@@ -3378,127 +3876,6 @@
             </a:r>
             <a:endParaRPr lang="ko-KR" altLang="en-US">
               <a:ea typeface="맑은 고딕" panose="020B0503020000020004" pitchFamily="34" charset="-127"/>
-              <a:cs typeface="+mn-lt"/>
-            </a:endParaRPr>
-          </a:p>
-        </p:txBody>
-      </p:sp>
-      <p:sp>
-        <p:nvSpPr>
-          <p:cNvPr id="7" name="TextBox 6">
-            <a:extLst>
-              <a:ext uri="{FF2B5EF4-FFF2-40B4-BE49-F238E27FC236}">
-                <a16:creationId xmlns:a16="http://schemas.microsoft.com/office/drawing/2014/main" id="{B97684B8-255D-C5BB-4CE6-E2662933EE43}"/>
-              </a:ext>
-            </a:extLst>
-          </p:cNvPr>
-          <p:cNvSpPr txBox="1"/>
-          <p:nvPr/>
-        </p:nvSpPr>
-        <p:spPr>
-          <a:xfrm>
-            <a:off x="835742" y="3584677"/>
-            <a:ext cx="6096000" cy="2585323"/>
-          </a:xfrm>
-          <a:prstGeom prst="rect">
-            <a:avLst/>
-          </a:prstGeom>
-          <a:noFill/>
-        </p:spPr>
-        <p:txBody>
-          <a:bodyPr rot="0" spcFirstLastPara="0" vertOverflow="overflow" horzOverflow="overflow" vert="horz" wrap="square" lIns="91440" tIns="45720" rIns="91440" bIns="45720" numCol="1" spcCol="0" rtlCol="0" fromWordArt="0" anchor="t" anchorCtr="0" forceAA="0" compatLnSpc="1">
-            <a:prstTxWarp prst="textNoShape">
-              <a:avLst/>
-            </a:prstTxWarp>
-            <a:spAutoFit/>
-          </a:bodyPr>
-          <a:lstStyle/>
-          <a:p>
-            <a:r>
-              <a:rPr lang="en-US" dirty="0">
-                <a:ea typeface="+mn-lt"/>
-                <a:cs typeface="+mn-lt"/>
-              </a:rPr>
-              <a:t>8</a:t>
-            </a:r>
-            <a:endParaRPr lang="ko-KR" altLang="en-US" dirty="0">
-              <a:ea typeface="+mn-lt"/>
-              <a:cs typeface="+mn-lt"/>
-            </a:endParaRPr>
-          </a:p>
-          <a:p>
-            <a:r>
-              <a:rPr lang="en-US" dirty="0">
-                <a:ea typeface="+mn-lt"/>
-                <a:cs typeface="+mn-lt"/>
-              </a:rPr>
-              <a:t>197.9 -94.1</a:t>
-            </a:r>
-          </a:p>
-          <a:p>
-            <a:r>
-              <a:rPr lang="en-US" dirty="0">
-                <a:ea typeface="+mn-lt"/>
-                <a:cs typeface="+mn-lt"/>
-              </a:rPr>
-              <a:t>-16.9 17.7</a:t>
-            </a:r>
-          </a:p>
-          <a:p>
-            <a:r>
-              <a:rPr lang="en-US" dirty="0">
-                <a:ea typeface="+mn-lt"/>
-                <a:cs typeface="+mn-lt"/>
-              </a:rPr>
-              <a:t>197.0 -152.2</a:t>
-            </a:r>
-          </a:p>
-          <a:p>
-            <a:r>
-              <a:rPr lang="en-US" dirty="0">
-                <a:ea typeface="+mn-lt"/>
-                <a:cs typeface="+mn-lt"/>
-              </a:rPr>
-              <a:t>-90.3 22.1</a:t>
-            </a:r>
-          </a:p>
-          <a:p>
-            <a:r>
-              <a:rPr lang="en-US" dirty="0">
-                <a:ea typeface="+mn-lt"/>
-                <a:cs typeface="+mn-lt"/>
-              </a:rPr>
-              <a:t>12.8 -85.3</a:t>
-            </a:r>
-          </a:p>
-          <a:p>
-            <a:r>
-              <a:rPr lang="en-US" dirty="0">
-                <a:ea typeface="+mn-lt"/>
-                <a:cs typeface="+mn-lt"/>
-              </a:rPr>
-              <a:t>-184.3 -175.2</a:t>
-            </a:r>
-          </a:p>
-          <a:p>
-            <a:r>
-              <a:rPr lang="en-US" dirty="0">
-                <a:ea typeface="+mn-lt"/>
-                <a:cs typeface="+mn-lt"/>
-              </a:rPr>
-              <a:t>-41.4 -132.9</a:t>
-            </a:r>
-          </a:p>
-          <a:p>
-            <a:r>
-              <a:rPr lang="en-US" dirty="0">
-                <a:ea typeface="+mn-lt"/>
-                <a:cs typeface="+mn-lt"/>
-              </a:rPr>
-              <a:t>-107.7 182.8</a:t>
-            </a:r>
-            <a:endParaRPr lang="ko-KR" dirty="0">
-              <a:ea typeface="+mn-lt"/>
               <a:cs typeface="+mn-lt"/>
             </a:endParaRPr>
           </a:p>
@@ -3868,1360 +4245,6 @@
   <p:cSld>
     <p:spTree>
       <p:nvGrpSpPr>
-        <p:cNvPr id="1" name=""/>
-        <p:cNvGrpSpPr/>
-        <p:nvPr/>
-      </p:nvGrpSpPr>
-      <p:grpSpPr>
-        <a:xfrm>
-          <a:off x="0" y="0"/>
-          <a:ext cx="0" cy="0"/>
-          <a:chOff x="0" y="0"/>
-          <a:chExt cx="0" cy="0"/>
-        </a:xfrm>
-      </p:grpSpPr>
-      <p:sp>
-        <p:nvSpPr>
-          <p:cNvPr id="2" name="제목 1">
-            <a:extLst>
-              <a:ext uri="{FF2B5EF4-FFF2-40B4-BE49-F238E27FC236}">
-                <a16:creationId xmlns:a16="http://schemas.microsoft.com/office/drawing/2014/main" id="{DCD70A23-6901-3073-B4B5-15DAFBE5A9B0}"/>
-              </a:ext>
-            </a:extLst>
-          </p:cNvPr>
-          <p:cNvSpPr>
-            <a:spLocks noGrp="1"/>
-          </p:cNvSpPr>
-          <p:nvPr>
-            <p:ph type="title"/>
-          </p:nvPr>
-        </p:nvSpPr>
-        <p:spPr/>
-        <p:txBody>
-          <a:bodyPr/>
-          <a:lstStyle/>
-          <a:p>
-            <a:r>
-              <a:rPr lang="ko-KR" dirty="0" err="1">
-                <a:ea typeface="+mj-lt"/>
-                <a:cs typeface="+mj-lt"/>
-              </a:rPr>
-              <a:t>Why</a:t>
-            </a:r>
-            <a:r>
-              <a:rPr lang="ko-KR" dirty="0">
-                <a:ea typeface="+mj-lt"/>
-                <a:cs typeface="+mj-lt"/>
-              </a:rPr>
-              <a:t> </a:t>
-            </a:r>
-            <a:r>
-              <a:rPr lang="ko-KR" dirty="0" err="1">
-                <a:ea typeface="+mj-lt"/>
-                <a:cs typeface="+mj-lt"/>
-              </a:rPr>
-              <a:t>it</a:t>
-            </a:r>
-            <a:r>
-              <a:rPr lang="ko-KR" dirty="0">
-                <a:ea typeface="+mj-lt"/>
-                <a:cs typeface="+mj-lt"/>
-              </a:rPr>
-              <a:t> </a:t>
-            </a:r>
-            <a:r>
-              <a:rPr lang="ko-KR" dirty="0" err="1">
-                <a:ea typeface="+mj-lt"/>
-                <a:cs typeface="+mj-lt"/>
-              </a:rPr>
-              <a:t>works</a:t>
-            </a:r>
-            <a:endParaRPr lang="ko-KR" dirty="0" err="1"/>
-          </a:p>
-        </p:txBody>
-      </p:sp>
-      <p:sp>
-        <p:nvSpPr>
-          <p:cNvPr id="13" name="내용 개체 틀 12">
-            <a:extLst>
-              <a:ext uri="{FF2B5EF4-FFF2-40B4-BE49-F238E27FC236}">
-                <a16:creationId xmlns:a16="http://schemas.microsoft.com/office/drawing/2014/main" id="{8FD1F78D-9B1E-EE20-166F-EECA50DBFD53}"/>
-              </a:ext>
-            </a:extLst>
-          </p:cNvPr>
-          <p:cNvSpPr>
-            <a:spLocks noGrp="1"/>
-          </p:cNvSpPr>
-          <p:nvPr>
-            <p:ph idx="1"/>
-          </p:nvPr>
-        </p:nvSpPr>
-        <p:spPr/>
-        <p:txBody>
-          <a:bodyPr/>
-          <a:lstStyle/>
-          <a:p>
-            <a:endParaRPr lang="ko-KR" altLang="en-US"/>
-          </a:p>
-        </p:txBody>
-      </p:sp>
-    </p:spTree>
-    <p:extLst>
-      <p:ext uri="{BB962C8B-B14F-4D97-AF65-F5344CB8AC3E}">
-        <p14:creationId xmlns:p14="http://schemas.microsoft.com/office/powerpoint/2010/main" val="1019648976"/>
-      </p:ext>
-    </p:extLst>
-  </p:cSld>
-  <p:clrMapOvr>
-    <a:masterClrMapping/>
-  </p:clrMapOvr>
-</p:sld>
-</file>
-
-<file path=ppt/slides/slide14.xml><?xml version="1.0" encoding="utf-8"?>
-<p:sld xmlns:a="http://schemas.openxmlformats.org/drawingml/2006/main" xmlns:r="http://schemas.openxmlformats.org/officeDocument/2006/relationships" xmlns:p="http://schemas.openxmlformats.org/presentationml/2006/main">
-  <p:cSld>
-    <p:spTree>
-      <p:nvGrpSpPr>
-        <p:cNvPr id="1" name="">
-          <a:extLst>
-            <a:ext uri="{FF2B5EF4-FFF2-40B4-BE49-F238E27FC236}">
-              <a16:creationId xmlns:a16="http://schemas.microsoft.com/office/drawing/2014/main" id="{11E850EF-9854-83E0-9223-973680C26DA9}"/>
-            </a:ext>
-          </a:extLst>
-        </p:cNvPr>
-        <p:cNvGrpSpPr/>
-        <p:nvPr/>
-      </p:nvGrpSpPr>
-      <p:grpSpPr>
-        <a:xfrm>
-          <a:off x="0" y="0"/>
-          <a:ext cx="0" cy="0"/>
-          <a:chOff x="0" y="0"/>
-          <a:chExt cx="0" cy="0"/>
-        </a:xfrm>
-      </p:grpSpPr>
-      <p:sp>
-        <p:nvSpPr>
-          <p:cNvPr id="2" name="제목 1">
-            <a:extLst>
-              <a:ext uri="{FF2B5EF4-FFF2-40B4-BE49-F238E27FC236}">
-                <a16:creationId xmlns:a16="http://schemas.microsoft.com/office/drawing/2014/main" id="{BF38EB61-2967-7A89-9298-62CAB8DCBA27}"/>
-              </a:ext>
-            </a:extLst>
-          </p:cNvPr>
-          <p:cNvSpPr>
-            <a:spLocks noGrp="1"/>
-          </p:cNvSpPr>
-          <p:nvPr>
-            <p:ph type="title"/>
-          </p:nvPr>
-        </p:nvSpPr>
-        <p:spPr/>
-        <p:txBody>
-          <a:bodyPr/>
-          <a:lstStyle/>
-          <a:p>
-            <a:r>
-              <a:rPr lang="ko-KR" dirty="0" err="1">
-                <a:ea typeface="+mj-lt"/>
-                <a:cs typeface="+mj-lt"/>
-              </a:rPr>
-              <a:t>Why</a:t>
-            </a:r>
-            <a:r>
-              <a:rPr lang="ko-KR" dirty="0">
-                <a:ea typeface="+mj-lt"/>
-                <a:cs typeface="+mj-lt"/>
-              </a:rPr>
-              <a:t> </a:t>
-            </a:r>
-            <a:r>
-              <a:rPr lang="ko-KR" dirty="0" err="1">
-                <a:ea typeface="+mj-lt"/>
-                <a:cs typeface="+mj-lt"/>
-              </a:rPr>
-              <a:t>it</a:t>
-            </a:r>
-            <a:r>
-              <a:rPr lang="ko-KR" dirty="0">
-                <a:ea typeface="+mj-lt"/>
-                <a:cs typeface="+mj-lt"/>
-              </a:rPr>
-              <a:t> </a:t>
-            </a:r>
-            <a:r>
-              <a:rPr lang="ko-KR" dirty="0" err="1">
-                <a:ea typeface="+mj-lt"/>
-                <a:cs typeface="+mj-lt"/>
-              </a:rPr>
-              <a:t>works</a:t>
-            </a:r>
-            <a:endParaRPr lang="ko-KR" dirty="0" err="1"/>
-          </a:p>
-        </p:txBody>
-      </p:sp>
-      <p:sp>
-        <p:nvSpPr>
-          <p:cNvPr id="7" name="내용 개체 틀 6">
-            <a:extLst>
-              <a:ext uri="{FF2B5EF4-FFF2-40B4-BE49-F238E27FC236}">
-                <a16:creationId xmlns:a16="http://schemas.microsoft.com/office/drawing/2014/main" id="{D0C04868-99BD-1D40-DF51-9216EE404F92}"/>
-              </a:ext>
-            </a:extLst>
-          </p:cNvPr>
-          <p:cNvSpPr>
-            <a:spLocks noGrp="1"/>
-          </p:cNvSpPr>
-          <p:nvPr>
-            <p:ph idx="1"/>
-          </p:nvPr>
-        </p:nvSpPr>
-        <p:spPr/>
-        <p:txBody>
-          <a:bodyPr vert="horz" lIns="91440" tIns="45720" rIns="91440" bIns="45720" rtlCol="0" anchor="t">
-            <a:normAutofit/>
-          </a:bodyPr>
-          <a:lstStyle/>
-          <a:p>
-            <a:r>
-              <a:rPr lang="en-US" altLang="ko-KR" sz="3200" err="1">
-                <a:ea typeface="+mn-lt"/>
-                <a:cs typeface="+mn-lt"/>
-              </a:rPr>
-              <a:t>subgradient</a:t>
-            </a:r>
-            <a:r>
-              <a:rPr lang="ko-KR" sz="3200" dirty="0">
-                <a:ea typeface="+mn-lt"/>
-                <a:cs typeface="+mn-lt"/>
-              </a:rPr>
-              <a:t> </a:t>
-            </a:r>
-            <a:r>
-              <a:rPr lang="ko-KR" sz="3200" err="1">
-                <a:ea typeface="+mn-lt"/>
-                <a:cs typeface="+mn-lt"/>
-              </a:rPr>
-              <a:t>method</a:t>
-            </a:r>
-            <a:endParaRPr lang="ko-KR" sz="3200">
-              <a:ea typeface="+mn-lt"/>
-              <a:cs typeface="+mn-lt"/>
-            </a:endParaRPr>
-          </a:p>
-          <a:p>
-            <a:endParaRPr lang="ko-KR" dirty="0">
-              <a:ea typeface="맑은 고딕"/>
-            </a:endParaRPr>
-          </a:p>
-          <a:p>
-            <a:endParaRPr lang="ko-KR" dirty="0">
-              <a:ea typeface="+mn-lt"/>
-              <a:cs typeface="+mn-lt"/>
-            </a:endParaRPr>
-          </a:p>
-          <a:p>
-            <a:pPr marL="0" indent="0">
-              <a:buNone/>
-            </a:pPr>
-            <a:r>
-              <a:rPr lang="en-US" altLang="ko-KR" dirty="0">
-                <a:ea typeface="+mn-lt"/>
-                <a:cs typeface="+mn-lt"/>
-              </a:rPr>
-              <a:t>S.</a:t>
-            </a:r>
-            <a:r>
-              <a:rPr lang="ko-KR" dirty="0">
-                <a:ea typeface="+mn-lt"/>
-                <a:cs typeface="+mn-lt"/>
-              </a:rPr>
-              <a:t> </a:t>
-            </a:r>
-            <a:r>
-              <a:rPr lang="en-US" altLang="ko-KR" dirty="0">
-                <a:ea typeface="+mn-lt"/>
-                <a:cs typeface="+mn-lt"/>
-              </a:rPr>
-              <a:t>Xu,</a:t>
-            </a:r>
-            <a:r>
-              <a:rPr lang="ko-KR" dirty="0">
-                <a:ea typeface="+mn-lt"/>
-                <a:cs typeface="+mn-lt"/>
-              </a:rPr>
-              <a:t> </a:t>
-            </a:r>
-            <a:r>
-              <a:rPr lang="en-US" altLang="ko-KR" i="1" dirty="0">
-                <a:ea typeface="+mn-lt"/>
-                <a:cs typeface="+mn-lt"/>
-              </a:rPr>
-              <a:t>Solution</a:t>
-            </a:r>
-            <a:r>
-              <a:rPr lang="ko-KR" i="1" dirty="0">
-                <a:ea typeface="+mn-lt"/>
-                <a:cs typeface="+mn-lt"/>
-              </a:rPr>
-              <a:t> </a:t>
-            </a:r>
-            <a:r>
-              <a:rPr lang="en-US" altLang="ko-KR" i="1" dirty="0">
-                <a:ea typeface="+mn-lt"/>
-                <a:cs typeface="+mn-lt"/>
-              </a:rPr>
-              <a:t>Methodologies</a:t>
-            </a:r>
-            <a:r>
-              <a:rPr lang="ko-KR" i="1" dirty="0">
-                <a:ea typeface="+mn-lt"/>
-                <a:cs typeface="+mn-lt"/>
-              </a:rPr>
-              <a:t> </a:t>
-            </a:r>
-            <a:r>
-              <a:rPr lang="en-US" altLang="ko-KR" i="1" dirty="0">
-                <a:ea typeface="+mn-lt"/>
-                <a:cs typeface="+mn-lt"/>
-              </a:rPr>
-              <a:t>for</a:t>
-            </a:r>
-            <a:r>
-              <a:rPr lang="ko-KR" i="1" dirty="0">
-                <a:ea typeface="+mn-lt"/>
-                <a:cs typeface="+mn-lt"/>
-              </a:rPr>
-              <a:t> </a:t>
-            </a:r>
-            <a:r>
-              <a:rPr lang="en-US" altLang="ko-KR" i="1" dirty="0">
-                <a:ea typeface="+mn-lt"/>
-                <a:cs typeface="+mn-lt"/>
-              </a:rPr>
-              <a:t>the</a:t>
-            </a:r>
-            <a:r>
-              <a:rPr lang="ko-KR" i="1" dirty="0">
-                <a:ea typeface="+mn-lt"/>
-                <a:cs typeface="+mn-lt"/>
-              </a:rPr>
-              <a:t> </a:t>
-            </a:r>
-            <a:r>
-              <a:rPr lang="en-US" altLang="ko-KR" i="1" dirty="0">
-                <a:ea typeface="+mn-lt"/>
-                <a:cs typeface="+mn-lt"/>
-              </a:rPr>
-              <a:t>Smallest</a:t>
-            </a:r>
-            <a:r>
-              <a:rPr lang="ko-KR" i="1" dirty="0">
-                <a:ea typeface="+mn-lt"/>
-                <a:cs typeface="+mn-lt"/>
-              </a:rPr>
-              <a:t> </a:t>
-            </a:r>
-            <a:r>
-              <a:rPr lang="en-US" altLang="ko-KR" i="1" dirty="0">
-                <a:ea typeface="+mn-lt"/>
-                <a:cs typeface="+mn-lt"/>
-              </a:rPr>
-              <a:t>Enclosing</a:t>
-            </a:r>
-            <a:r>
-              <a:rPr lang="ko-KR" i="1" dirty="0">
-                <a:ea typeface="+mn-lt"/>
-                <a:cs typeface="+mn-lt"/>
-              </a:rPr>
-              <a:t> </a:t>
-            </a:r>
-            <a:r>
-              <a:rPr lang="en-US" altLang="ko-KR" i="1" dirty="0">
-                <a:ea typeface="+mn-lt"/>
-                <a:cs typeface="+mn-lt"/>
-              </a:rPr>
-              <a:t>Circle</a:t>
-            </a:r>
-            <a:r>
-              <a:rPr lang="ko-KR" i="1" dirty="0">
-                <a:ea typeface="+mn-lt"/>
-                <a:cs typeface="+mn-lt"/>
-              </a:rPr>
-              <a:t> </a:t>
-            </a:r>
-            <a:r>
-              <a:rPr lang="en-US" altLang="ko-KR" i="1" dirty="0">
-                <a:ea typeface="+mn-lt"/>
-                <a:cs typeface="+mn-lt"/>
-              </a:rPr>
-              <a:t>Problem</a:t>
-            </a:r>
-            <a:r>
-              <a:rPr lang="en-US" altLang="ko-KR" dirty="0">
-                <a:ea typeface="+mn-lt"/>
-                <a:cs typeface="+mn-lt"/>
-              </a:rPr>
-              <a:t>,</a:t>
-            </a:r>
-            <a:r>
-              <a:rPr lang="ko-KR" dirty="0">
-                <a:ea typeface="+mn-lt"/>
-                <a:cs typeface="+mn-lt"/>
-              </a:rPr>
-              <a:t> </a:t>
-            </a:r>
-            <a:r>
-              <a:rPr lang="en-US" altLang="ko-KR" dirty="0">
-                <a:ea typeface="+mn-lt"/>
-                <a:cs typeface="+mn-lt"/>
-              </a:rPr>
-              <a:t>Tech.</a:t>
-            </a:r>
-            <a:r>
-              <a:rPr lang="ko-KR" dirty="0">
-                <a:ea typeface="+mn-lt"/>
-                <a:cs typeface="+mn-lt"/>
-              </a:rPr>
-              <a:t> </a:t>
-            </a:r>
-            <a:r>
-              <a:rPr lang="en-US" altLang="ko-KR" dirty="0">
-                <a:ea typeface="+mn-lt"/>
-                <a:cs typeface="+mn-lt"/>
-              </a:rPr>
-              <a:t>Rep.</a:t>
-            </a:r>
-            <a:r>
-              <a:rPr lang="ko-KR" dirty="0">
-                <a:ea typeface="+mn-lt"/>
-                <a:cs typeface="+mn-lt"/>
-              </a:rPr>
-              <a:t> </a:t>
-            </a:r>
-            <a:r>
-              <a:rPr lang="en-US" altLang="ko-KR" dirty="0">
-                <a:ea typeface="+mn-lt"/>
-                <a:cs typeface="+mn-lt"/>
-              </a:rPr>
-              <a:t>HPCES</a:t>
-            </a:r>
-            <a:r>
-              <a:rPr lang="ko-KR" dirty="0">
-                <a:ea typeface="+mn-lt"/>
-                <a:cs typeface="+mn-lt"/>
-              </a:rPr>
-              <a:t> </a:t>
-            </a:r>
-            <a:r>
-              <a:rPr lang="en-US" altLang="ko-KR" dirty="0">
-                <a:ea typeface="+mn-lt"/>
-                <a:cs typeface="+mn-lt"/>
-              </a:rPr>
-              <a:t>024,</a:t>
-            </a:r>
-            <a:r>
-              <a:rPr lang="ko-KR" dirty="0">
-                <a:ea typeface="+mn-lt"/>
-                <a:cs typeface="+mn-lt"/>
-              </a:rPr>
-              <a:t> </a:t>
-            </a:r>
-            <a:r>
-              <a:rPr lang="en-US" altLang="ko-KR" dirty="0">
-                <a:ea typeface="+mn-lt"/>
-                <a:cs typeface="+mn-lt"/>
-              </a:rPr>
-              <a:t>Massachusetts</a:t>
-            </a:r>
-            <a:r>
-              <a:rPr lang="ko-KR" dirty="0">
-                <a:ea typeface="+mn-lt"/>
-                <a:cs typeface="+mn-lt"/>
-              </a:rPr>
-              <a:t> </a:t>
-            </a:r>
-            <a:r>
-              <a:rPr lang="en-US" altLang="ko-KR" dirty="0">
-                <a:ea typeface="+mn-lt"/>
-                <a:cs typeface="+mn-lt"/>
-              </a:rPr>
-              <a:t>Institute</a:t>
-            </a:r>
-            <a:r>
-              <a:rPr lang="ko-KR" dirty="0">
-                <a:ea typeface="+mn-lt"/>
-                <a:cs typeface="+mn-lt"/>
-              </a:rPr>
-              <a:t> </a:t>
-            </a:r>
-            <a:r>
-              <a:rPr lang="en-US" altLang="ko-KR" dirty="0">
-                <a:ea typeface="+mn-lt"/>
-                <a:cs typeface="+mn-lt"/>
-              </a:rPr>
-              <a:t>of</a:t>
-            </a:r>
-            <a:r>
-              <a:rPr lang="ko-KR" dirty="0">
-                <a:ea typeface="+mn-lt"/>
-                <a:cs typeface="+mn-lt"/>
-              </a:rPr>
-              <a:t> </a:t>
-            </a:r>
-            <a:r>
-              <a:rPr lang="en-US" altLang="ko-KR" dirty="0">
-                <a:ea typeface="+mn-lt"/>
-                <a:cs typeface="+mn-lt"/>
-              </a:rPr>
-              <a:t>Technology,</a:t>
-            </a:r>
-            <a:r>
-              <a:rPr lang="ko-KR" dirty="0">
-                <a:ea typeface="+mn-lt"/>
-                <a:cs typeface="+mn-lt"/>
-              </a:rPr>
-              <a:t> </a:t>
-            </a:r>
-            <a:r>
-              <a:rPr lang="en-US" altLang="ko-KR" dirty="0">
-                <a:ea typeface="+mn-lt"/>
-                <a:cs typeface="+mn-lt"/>
-              </a:rPr>
-              <a:t>2002.</a:t>
-            </a:r>
-            <a:r>
-              <a:rPr lang="ko-KR" dirty="0">
-                <a:ea typeface="+mn-lt"/>
-                <a:cs typeface="+mn-lt"/>
-              </a:rPr>
-              <a:t> </a:t>
-            </a:r>
-            <a:r>
-              <a:rPr lang="en-US" altLang="ko-KR" dirty="0">
-                <a:ea typeface="+mn-lt"/>
-                <a:cs typeface="+mn-lt"/>
-              </a:rPr>
-              <a:t>[Online].</a:t>
-            </a:r>
-            <a:r>
-              <a:rPr lang="ko-KR" dirty="0">
-                <a:ea typeface="+mn-lt"/>
-                <a:cs typeface="+mn-lt"/>
-              </a:rPr>
-              <a:t> </a:t>
-            </a:r>
-            <a:r>
-              <a:rPr lang="en-US" altLang="ko-KR" dirty="0">
-                <a:ea typeface="+mn-lt"/>
-                <a:cs typeface="+mn-lt"/>
-              </a:rPr>
-              <a:t>Available:</a:t>
-            </a:r>
-            <a:r>
-              <a:rPr lang="ko-KR" dirty="0">
-                <a:ea typeface="+mn-lt"/>
-                <a:cs typeface="+mn-lt"/>
-              </a:rPr>
-              <a:t> </a:t>
-            </a:r>
-            <a:r>
-              <a:rPr lang="en-US" altLang="ko-KR" dirty="0">
-                <a:ea typeface="+mn-lt"/>
-                <a:cs typeface="+mn-lt"/>
-                <a:hlinkClick r:id="rId2"/>
-              </a:rPr>
-              <a:t>https://dspace.mit.edu/bitstream/handle/1721.1/4015/HPCES024.pdf?sequence=2</a:t>
-            </a:r>
-            <a:endParaRPr lang="ko-KR" altLang="en-US">
-              <a:ea typeface="+mn-lt"/>
-              <a:cs typeface="+mn-lt"/>
-            </a:endParaRPr>
-          </a:p>
-          <a:p>
-            <a:pPr marL="0" indent="0">
-              <a:buNone/>
-            </a:pPr>
-            <a:endParaRPr lang="en-US" altLang="ko-KR" dirty="0">
-              <a:ea typeface="+mn-lt"/>
-              <a:cs typeface="+mn-lt"/>
-            </a:endParaRPr>
-          </a:p>
-        </p:txBody>
-      </p:sp>
-    </p:spTree>
-    <p:extLst>
-      <p:ext uri="{BB962C8B-B14F-4D97-AF65-F5344CB8AC3E}">
-        <p14:creationId xmlns:p14="http://schemas.microsoft.com/office/powerpoint/2010/main" val="2959019380"/>
-      </p:ext>
-    </p:extLst>
-  </p:cSld>
-  <p:clrMapOvr>
-    <a:masterClrMapping/>
-  </p:clrMapOvr>
-</p:sld>
-</file>
-
-<file path=ppt/slides/slide15.xml><?xml version="1.0" encoding="utf-8"?>
-<p:sld xmlns:a="http://schemas.openxmlformats.org/drawingml/2006/main" xmlns:r="http://schemas.openxmlformats.org/officeDocument/2006/relationships" xmlns:p="http://schemas.openxmlformats.org/presentationml/2006/main">
-  <p:cSld>
-    <p:spTree>
-      <p:nvGrpSpPr>
-        <p:cNvPr id="1" name=""/>
-        <p:cNvGrpSpPr/>
-        <p:nvPr/>
-      </p:nvGrpSpPr>
-      <p:grpSpPr>
-        <a:xfrm>
-          <a:off x="0" y="0"/>
-          <a:ext cx="0" cy="0"/>
-          <a:chOff x="0" y="0"/>
-          <a:chExt cx="0" cy="0"/>
-        </a:xfrm>
-      </p:grpSpPr>
-      <p:sp>
-        <p:nvSpPr>
-          <p:cNvPr id="2" name="제목 1">
-            <a:extLst>
-              <a:ext uri="{FF2B5EF4-FFF2-40B4-BE49-F238E27FC236}">
-                <a16:creationId xmlns:a16="http://schemas.microsoft.com/office/drawing/2014/main" id="{0976A1A2-CBF0-6B42-D981-6D2CF7EC23B5}"/>
-              </a:ext>
-            </a:extLst>
-          </p:cNvPr>
-          <p:cNvSpPr>
-            <a:spLocks noGrp="1"/>
-          </p:cNvSpPr>
-          <p:nvPr>
-            <p:ph type="title"/>
-          </p:nvPr>
-        </p:nvSpPr>
-        <p:spPr/>
-        <p:txBody>
-          <a:bodyPr/>
-          <a:lstStyle/>
-          <a:p>
-            <a:r>
-              <a:rPr lang="ko-KR" altLang="en-US" dirty="0" err="1">
-                <a:ea typeface="맑은 고딕"/>
-              </a:rPr>
-              <a:t>Subgradient</a:t>
-            </a:r>
-            <a:r>
-              <a:rPr lang="ko-KR" altLang="en-US" dirty="0">
-                <a:ea typeface="맑은 고딕"/>
-              </a:rPr>
-              <a:t> </a:t>
-            </a:r>
-            <a:r>
-              <a:rPr lang="ko-KR" altLang="en-US" dirty="0" err="1">
-                <a:ea typeface="맑은 고딕"/>
-              </a:rPr>
-              <a:t>method</a:t>
-            </a:r>
-            <a:endParaRPr lang="ko-KR" altLang="en-US" dirty="0" err="1"/>
-          </a:p>
-        </p:txBody>
-      </p:sp>
-      <p:pic>
-        <p:nvPicPr>
-          <p:cNvPr id="17" name="그림 16" descr="폰트, 텍스트, 친필, 화이트이(가) 표시된 사진&#10;&#10;AI 생성 콘텐츠는 정확하지 않을 수 있습니다.">
-            <a:extLst>
-              <a:ext uri="{FF2B5EF4-FFF2-40B4-BE49-F238E27FC236}">
-                <a16:creationId xmlns:a16="http://schemas.microsoft.com/office/drawing/2014/main" id="{AAC5AF47-7A6F-2442-FC26-6636053688CD}"/>
-              </a:ext>
-            </a:extLst>
-          </p:cNvPr>
-          <p:cNvPicPr>
-            <a:picLocks noChangeAspect="1"/>
-          </p:cNvPicPr>
-          <p:nvPr/>
-        </p:nvPicPr>
-        <p:blipFill>
-          <a:blip r:embed="rId2"/>
-          <a:srcRect r="72823" b="-1250"/>
-          <a:stretch>
-            <a:fillRect/>
-          </a:stretch>
-        </p:blipFill>
-        <p:spPr>
-          <a:xfrm>
-            <a:off x="845910" y="3327627"/>
-            <a:ext cx="1482288" cy="735704"/>
-          </a:xfrm>
-          <a:prstGeom prst="rect">
-            <a:avLst/>
-          </a:prstGeom>
-        </p:spPr>
-      </p:pic>
-      <p:pic>
-        <p:nvPicPr>
-          <p:cNvPr id="18" name="그림 17" descr="폰트, 텍스트, 친필, 화이트이(가) 표시된 사진&#10;&#10;AI 생성 콘텐츠는 정확하지 않을 수 있습니다.">
-            <a:extLst>
-              <a:ext uri="{FF2B5EF4-FFF2-40B4-BE49-F238E27FC236}">
-                <a16:creationId xmlns:a16="http://schemas.microsoft.com/office/drawing/2014/main" id="{25E18817-BA0D-432E-7494-437EA0229EC2}"/>
-              </a:ext>
-            </a:extLst>
-          </p:cNvPr>
-          <p:cNvPicPr>
-            <a:picLocks noChangeAspect="1"/>
-          </p:cNvPicPr>
-          <p:nvPr/>
-        </p:nvPicPr>
-        <p:blipFill>
-          <a:blip r:embed="rId2"/>
-          <a:srcRect l="11481" r="-166" b="-1250"/>
-          <a:stretch>
-            <a:fillRect/>
-          </a:stretch>
-        </p:blipFill>
-        <p:spPr>
-          <a:xfrm>
-            <a:off x="908276" y="2338839"/>
-            <a:ext cx="4837087" cy="735704"/>
-          </a:xfrm>
-          <a:prstGeom prst="rect">
-            <a:avLst/>
-          </a:prstGeom>
-        </p:spPr>
-      </p:pic>
-    </p:spTree>
-    <p:extLst>
-      <p:ext uri="{BB962C8B-B14F-4D97-AF65-F5344CB8AC3E}">
-        <p14:creationId xmlns:p14="http://schemas.microsoft.com/office/powerpoint/2010/main" val="464220114"/>
-      </p:ext>
-    </p:extLst>
-  </p:cSld>
-  <p:clrMapOvr>
-    <a:masterClrMapping/>
-  </p:clrMapOvr>
-</p:sld>
-</file>
-
-<file path=ppt/slides/slide16.xml><?xml version="1.0" encoding="utf-8"?>
-<p:sld xmlns:a="http://schemas.openxmlformats.org/drawingml/2006/main" xmlns:r="http://schemas.openxmlformats.org/officeDocument/2006/relationships" xmlns:p="http://schemas.openxmlformats.org/presentationml/2006/main">
-  <p:cSld>
-    <p:spTree>
-      <p:nvGrpSpPr>
-        <p:cNvPr id="1" name="">
-          <a:extLst>
-            <a:ext uri="{FF2B5EF4-FFF2-40B4-BE49-F238E27FC236}">
-              <a16:creationId xmlns:a16="http://schemas.microsoft.com/office/drawing/2014/main" id="{5F65F607-C123-B537-7978-3E5F209D9661}"/>
-            </a:ext>
-          </a:extLst>
-        </p:cNvPr>
-        <p:cNvGrpSpPr/>
-        <p:nvPr/>
-      </p:nvGrpSpPr>
-      <p:grpSpPr>
-        <a:xfrm>
-          <a:off x="0" y="0"/>
-          <a:ext cx="0" cy="0"/>
-          <a:chOff x="0" y="0"/>
-          <a:chExt cx="0" cy="0"/>
-        </a:xfrm>
-      </p:grpSpPr>
-      <p:pic>
-        <p:nvPicPr>
-          <p:cNvPr id="5" name="그림 4" descr="텍스트, 라인, 도표, 그래프이(가) 표시된 사진&#10;&#10;AI 생성 콘텐츠는 정확하지 않을 수 있습니다.">
-            <a:extLst>
-              <a:ext uri="{FF2B5EF4-FFF2-40B4-BE49-F238E27FC236}">
-                <a16:creationId xmlns:a16="http://schemas.microsoft.com/office/drawing/2014/main" id="{6C80195E-ED61-3FCA-27F9-0756F49B0F20}"/>
-              </a:ext>
-            </a:extLst>
-          </p:cNvPr>
-          <p:cNvPicPr>
-            <a:picLocks noChangeAspect="1"/>
-          </p:cNvPicPr>
-          <p:nvPr/>
-        </p:nvPicPr>
-        <p:blipFill>
-          <a:blip r:embed="rId2"/>
-          <a:stretch>
-            <a:fillRect/>
-          </a:stretch>
-        </p:blipFill>
-        <p:spPr>
-          <a:xfrm>
-            <a:off x="2727428" y="2350524"/>
-            <a:ext cx="6734175" cy="4248150"/>
-          </a:xfrm>
-          <a:prstGeom prst="rect">
-            <a:avLst/>
-          </a:prstGeom>
-        </p:spPr>
-      </p:pic>
-      <p:sp>
-        <p:nvSpPr>
-          <p:cNvPr id="2" name="제목 1">
-            <a:extLst>
-              <a:ext uri="{FF2B5EF4-FFF2-40B4-BE49-F238E27FC236}">
-                <a16:creationId xmlns:a16="http://schemas.microsoft.com/office/drawing/2014/main" id="{FD986A25-94A2-8B01-962D-3A58ABCAFF08}"/>
-              </a:ext>
-            </a:extLst>
-          </p:cNvPr>
-          <p:cNvSpPr>
-            <a:spLocks noGrp="1"/>
-          </p:cNvSpPr>
-          <p:nvPr>
-            <p:ph type="title"/>
-          </p:nvPr>
-        </p:nvSpPr>
-        <p:spPr/>
-        <p:txBody>
-          <a:bodyPr/>
-          <a:lstStyle/>
-          <a:p>
-            <a:r>
-              <a:rPr lang="ko-KR" altLang="en-US" dirty="0" err="1">
-                <a:ea typeface="맑은 고딕"/>
-              </a:rPr>
-              <a:t>Gradient</a:t>
-            </a:r>
-            <a:r>
-              <a:rPr lang="ko-KR" altLang="en-US" dirty="0">
-                <a:ea typeface="맑은 고딕"/>
-              </a:rPr>
-              <a:t> </a:t>
-            </a:r>
-            <a:r>
-              <a:rPr lang="ko-KR" altLang="en-US" dirty="0" err="1">
-                <a:ea typeface="맑은 고딕"/>
-              </a:rPr>
-              <a:t>descent</a:t>
-            </a:r>
-          </a:p>
-        </p:txBody>
-      </p:sp>
-      <p:pic>
-        <p:nvPicPr>
-          <p:cNvPr id="4" name="내용 개체 틀 3" descr="폰트, 라인, 화이트, 서예이(가) 표시된 사진&#10;&#10;AI 생성 콘텐츠는 정확하지 않을 수 있습니다.">
-            <a:extLst>
-              <a:ext uri="{FF2B5EF4-FFF2-40B4-BE49-F238E27FC236}">
-                <a16:creationId xmlns:a16="http://schemas.microsoft.com/office/drawing/2014/main" id="{D8A488DE-5E73-CB89-D2BF-5FF21F737065}"/>
-              </a:ext>
-            </a:extLst>
-          </p:cNvPr>
-          <p:cNvPicPr>
-            <a:picLocks noGrp="1" noChangeAspect="1"/>
-          </p:cNvPicPr>
-          <p:nvPr>
-            <p:ph idx="1"/>
-          </p:nvPr>
-        </p:nvPicPr>
-        <p:blipFill>
-          <a:blip r:embed="rId3"/>
-          <a:stretch>
-            <a:fillRect/>
-          </a:stretch>
-        </p:blipFill>
-        <p:spPr>
-          <a:xfrm>
-            <a:off x="4628791" y="2098547"/>
-            <a:ext cx="3114675" cy="495300"/>
-          </a:xfrm>
-          <a:prstGeom prst="rect">
-            <a:avLst/>
-          </a:prstGeom>
-        </p:spPr>
-      </p:pic>
-      <p:pic>
-        <p:nvPicPr>
-          <p:cNvPr id="3" name="그림 2" descr="폰트, 타이포그래피, 서예, 텍스트이(가) 표시된 사진&#10;&#10;AI 생성 콘텐츠는 정확하지 않을 수 있습니다.">
-            <a:extLst>
-              <a:ext uri="{FF2B5EF4-FFF2-40B4-BE49-F238E27FC236}">
-                <a16:creationId xmlns:a16="http://schemas.microsoft.com/office/drawing/2014/main" id="{B86FA526-BBCF-A081-03FE-4ABF0DF5323B}"/>
-              </a:ext>
-            </a:extLst>
-          </p:cNvPr>
-          <p:cNvPicPr>
-            <a:picLocks noChangeAspect="1"/>
-          </p:cNvPicPr>
-          <p:nvPr/>
-        </p:nvPicPr>
-        <p:blipFill>
-          <a:blip r:embed="rId4"/>
-          <a:stretch>
-            <a:fillRect/>
-          </a:stretch>
-        </p:blipFill>
-        <p:spPr>
-          <a:xfrm>
-            <a:off x="6103328" y="742320"/>
-            <a:ext cx="5829300" cy="571500"/>
-          </a:xfrm>
-          <a:prstGeom prst="rect">
-            <a:avLst/>
-          </a:prstGeom>
-        </p:spPr>
-      </p:pic>
-    </p:spTree>
-    <p:extLst>
-      <p:ext uri="{BB962C8B-B14F-4D97-AF65-F5344CB8AC3E}">
-        <p14:creationId xmlns:p14="http://schemas.microsoft.com/office/powerpoint/2010/main" val="861769090"/>
-      </p:ext>
-    </p:extLst>
-  </p:cSld>
-  <p:clrMapOvr>
-    <a:masterClrMapping/>
-  </p:clrMapOvr>
-</p:sld>
-</file>
-
-<file path=ppt/slides/slide17.xml><?xml version="1.0" encoding="utf-8"?>
-<p:sld xmlns:a="http://schemas.openxmlformats.org/drawingml/2006/main" xmlns:r="http://schemas.openxmlformats.org/officeDocument/2006/relationships" xmlns:p="http://schemas.openxmlformats.org/presentationml/2006/main">
-  <p:cSld>
-    <p:spTree>
-      <p:nvGrpSpPr>
-        <p:cNvPr id="1" name="">
-          <a:extLst>
-            <a:ext uri="{FF2B5EF4-FFF2-40B4-BE49-F238E27FC236}">
-              <a16:creationId xmlns:a16="http://schemas.microsoft.com/office/drawing/2014/main" id="{A662887F-C232-E029-F094-2D1B71ECCD10}"/>
-            </a:ext>
-          </a:extLst>
-        </p:cNvPr>
-        <p:cNvGrpSpPr/>
-        <p:nvPr/>
-      </p:nvGrpSpPr>
-      <p:grpSpPr>
-        <a:xfrm>
-          <a:off x="0" y="0"/>
-          <a:ext cx="0" cy="0"/>
-          <a:chOff x="0" y="0"/>
-          <a:chExt cx="0" cy="0"/>
-        </a:xfrm>
-      </p:grpSpPr>
-      <p:sp>
-        <p:nvSpPr>
-          <p:cNvPr id="2" name="제목 1">
-            <a:extLst>
-              <a:ext uri="{FF2B5EF4-FFF2-40B4-BE49-F238E27FC236}">
-                <a16:creationId xmlns:a16="http://schemas.microsoft.com/office/drawing/2014/main" id="{275FAC99-90DC-80BA-11DC-C1283D51DD6C}"/>
-              </a:ext>
-            </a:extLst>
-          </p:cNvPr>
-          <p:cNvSpPr>
-            <a:spLocks noGrp="1"/>
-          </p:cNvSpPr>
-          <p:nvPr>
-            <p:ph type="title"/>
-          </p:nvPr>
-        </p:nvSpPr>
-        <p:spPr/>
-        <p:txBody>
-          <a:bodyPr/>
-          <a:lstStyle/>
-          <a:p>
-            <a:r>
-              <a:rPr lang="ko-KR" altLang="en-US" dirty="0" err="1">
-                <a:ea typeface="맑은 고딕"/>
-              </a:rPr>
-              <a:t>Subgradient</a:t>
-            </a:r>
-            <a:r>
-              <a:rPr lang="ko-KR" altLang="en-US" dirty="0">
-                <a:ea typeface="맑은 고딕"/>
-              </a:rPr>
-              <a:t> </a:t>
-            </a:r>
-            <a:r>
-              <a:rPr lang="ko-KR" altLang="en-US" dirty="0" err="1">
-                <a:ea typeface="맑은 고딕"/>
-              </a:rPr>
-              <a:t>method</a:t>
-            </a:r>
-            <a:endParaRPr lang="ko-KR" altLang="en-US" dirty="0" err="1"/>
-          </a:p>
-        </p:txBody>
-      </p:sp>
-      <p:pic>
-        <p:nvPicPr>
-          <p:cNvPr id="10" name="그림 9" descr="폰트, 텍스트, 친필, 라인이(가) 표시된 사진&#10;&#10;AI 생성 콘텐츠는 정확하지 않을 수 있습니다.">
-            <a:extLst>
-              <a:ext uri="{FF2B5EF4-FFF2-40B4-BE49-F238E27FC236}">
-                <a16:creationId xmlns:a16="http://schemas.microsoft.com/office/drawing/2014/main" id="{DA52586D-A1C1-1864-A2A6-1F679770B850}"/>
-              </a:ext>
-            </a:extLst>
-          </p:cNvPr>
-          <p:cNvPicPr>
-            <a:picLocks noChangeAspect="1"/>
-          </p:cNvPicPr>
-          <p:nvPr/>
-        </p:nvPicPr>
-        <p:blipFill>
-          <a:blip r:embed="rId2"/>
-          <a:stretch>
-            <a:fillRect/>
-          </a:stretch>
-        </p:blipFill>
-        <p:spPr>
-          <a:xfrm>
-            <a:off x="937035" y="2684052"/>
-            <a:ext cx="5467350" cy="752475"/>
-          </a:xfrm>
-          <a:prstGeom prst="rect">
-            <a:avLst/>
-          </a:prstGeom>
-        </p:spPr>
-      </p:pic>
-      <p:pic>
-        <p:nvPicPr>
-          <p:cNvPr id="12" name="그림 11" descr="텍스트, 폰트, 라인, 화이트이(가) 표시된 사진&#10;&#10;AI 생성 콘텐츠는 정확하지 않을 수 있습니다.">
-            <a:extLst>
-              <a:ext uri="{FF2B5EF4-FFF2-40B4-BE49-F238E27FC236}">
-                <a16:creationId xmlns:a16="http://schemas.microsoft.com/office/drawing/2014/main" id="{04888EA6-D32D-BAD1-8D47-BF3206DB377D}"/>
-              </a:ext>
-            </a:extLst>
-          </p:cNvPr>
-          <p:cNvPicPr>
-            <a:picLocks noChangeAspect="1"/>
-          </p:cNvPicPr>
-          <p:nvPr/>
-        </p:nvPicPr>
-        <p:blipFill>
-          <a:blip r:embed="rId3"/>
-          <a:stretch>
-            <a:fillRect/>
-          </a:stretch>
-        </p:blipFill>
-        <p:spPr>
-          <a:xfrm>
-            <a:off x="938673" y="1716446"/>
-            <a:ext cx="4857750" cy="704850"/>
-          </a:xfrm>
-          <a:prstGeom prst="rect">
-            <a:avLst/>
-          </a:prstGeom>
-        </p:spPr>
-      </p:pic>
-      <p:pic>
-        <p:nvPicPr>
-          <p:cNvPr id="13" name="그림 12" descr="폰트, 텍스트, 라인, 친필이(가) 표시된 사진&#10;&#10;AI 생성 콘텐츠는 정확하지 않을 수 있습니다.">
-            <a:extLst>
-              <a:ext uri="{FF2B5EF4-FFF2-40B4-BE49-F238E27FC236}">
-                <a16:creationId xmlns:a16="http://schemas.microsoft.com/office/drawing/2014/main" id="{C2C86CF3-D586-BF08-066C-AD5782F4312B}"/>
-              </a:ext>
-            </a:extLst>
-          </p:cNvPr>
-          <p:cNvPicPr>
-            <a:picLocks noChangeAspect="1"/>
-          </p:cNvPicPr>
-          <p:nvPr/>
-        </p:nvPicPr>
-        <p:blipFill>
-          <a:blip r:embed="rId4"/>
-          <a:stretch>
-            <a:fillRect/>
-          </a:stretch>
-        </p:blipFill>
-        <p:spPr>
-          <a:xfrm>
-            <a:off x="938929" y="3629588"/>
-            <a:ext cx="8429625" cy="1057275"/>
-          </a:xfrm>
-          <a:prstGeom prst="rect">
-            <a:avLst/>
-          </a:prstGeom>
-        </p:spPr>
-      </p:pic>
-      <p:pic>
-        <p:nvPicPr>
-          <p:cNvPr id="14" name="그림 13" descr="폰트, 도표, 친필, 화이트이(가) 표시된 사진&#10;&#10;AI 생성 콘텐츠는 정확하지 않을 수 있습니다.">
-            <a:extLst>
-              <a:ext uri="{FF2B5EF4-FFF2-40B4-BE49-F238E27FC236}">
-                <a16:creationId xmlns:a16="http://schemas.microsoft.com/office/drawing/2014/main" id="{E5AFF17E-5DDF-36E0-F9FE-464182AE9F30}"/>
-              </a:ext>
-            </a:extLst>
-          </p:cNvPr>
-          <p:cNvPicPr>
-            <a:picLocks noChangeAspect="1"/>
-          </p:cNvPicPr>
-          <p:nvPr/>
-        </p:nvPicPr>
-        <p:blipFill>
-          <a:blip r:embed="rId5"/>
-          <a:stretch>
-            <a:fillRect/>
-          </a:stretch>
-        </p:blipFill>
-        <p:spPr>
-          <a:xfrm>
-            <a:off x="938007" y="5213247"/>
-            <a:ext cx="5629275" cy="1200150"/>
-          </a:xfrm>
-          <a:prstGeom prst="rect">
-            <a:avLst/>
-          </a:prstGeom>
-        </p:spPr>
-      </p:pic>
-      <p:pic>
-        <p:nvPicPr>
-          <p:cNvPr id="15" name="그림 14" descr="폰트, 친필, 서예, 타이포그래피이(가) 표시된 사진&#10;&#10;AI 생성 콘텐츠는 정확하지 않을 수 있습니다.">
-            <a:extLst>
-              <a:ext uri="{FF2B5EF4-FFF2-40B4-BE49-F238E27FC236}">
-                <a16:creationId xmlns:a16="http://schemas.microsoft.com/office/drawing/2014/main" id="{9D39EDD6-6CE4-DD9A-2906-FA7786357E21}"/>
-              </a:ext>
-            </a:extLst>
-          </p:cNvPr>
-          <p:cNvPicPr>
-            <a:picLocks noChangeAspect="1"/>
-          </p:cNvPicPr>
-          <p:nvPr/>
-        </p:nvPicPr>
-        <p:blipFill>
-          <a:blip r:embed="rId6"/>
-          <a:stretch>
-            <a:fillRect/>
-          </a:stretch>
-        </p:blipFill>
-        <p:spPr>
-          <a:xfrm>
-            <a:off x="6736376" y="5625127"/>
-            <a:ext cx="2619375" cy="523875"/>
-          </a:xfrm>
-          <a:prstGeom prst="rect">
-            <a:avLst/>
-          </a:prstGeom>
-        </p:spPr>
-      </p:pic>
-      <p:pic>
-        <p:nvPicPr>
-          <p:cNvPr id="4" name="그림 3" descr="폰트, 텍스트, 친필, 화이트이(가) 표시된 사진&#10;&#10;AI 생성 콘텐츠는 정확하지 않을 수 있습니다.">
-            <a:extLst>
-              <a:ext uri="{FF2B5EF4-FFF2-40B4-BE49-F238E27FC236}">
-                <a16:creationId xmlns:a16="http://schemas.microsoft.com/office/drawing/2014/main" id="{CC5B9941-26D7-22AA-28A6-00DD918FF662}"/>
-              </a:ext>
-            </a:extLst>
-          </p:cNvPr>
-          <p:cNvPicPr>
-            <a:picLocks noChangeAspect="1"/>
-          </p:cNvPicPr>
-          <p:nvPr/>
-        </p:nvPicPr>
-        <p:blipFill>
-          <a:blip r:embed="rId7"/>
-          <a:srcRect l="11481" r="-166" b="-1250"/>
-          <a:stretch>
-            <a:fillRect/>
-          </a:stretch>
-        </p:blipFill>
-        <p:spPr>
-          <a:xfrm>
-            <a:off x="1461509" y="1681223"/>
-            <a:ext cx="4837087" cy="735704"/>
-          </a:xfrm>
-          <a:prstGeom prst="rect">
-            <a:avLst/>
-          </a:prstGeom>
-        </p:spPr>
-      </p:pic>
-    </p:spTree>
-    <p:extLst>
-      <p:ext uri="{BB962C8B-B14F-4D97-AF65-F5344CB8AC3E}">
-        <p14:creationId xmlns:p14="http://schemas.microsoft.com/office/powerpoint/2010/main" val="1136358768"/>
-      </p:ext>
-    </p:extLst>
-  </p:cSld>
-  <p:clrMapOvr>
-    <a:masterClrMapping/>
-  </p:clrMapOvr>
-</p:sld>
-</file>
-
-<file path=ppt/slides/slide18.xml><?xml version="1.0" encoding="utf-8"?>
-<p:sld xmlns:a="http://schemas.openxmlformats.org/drawingml/2006/main" xmlns:r="http://schemas.openxmlformats.org/officeDocument/2006/relationships" xmlns:p="http://schemas.openxmlformats.org/presentationml/2006/main">
-  <p:cSld>
-    <p:spTree>
-      <p:nvGrpSpPr>
-        <p:cNvPr id="1" name=""/>
-        <p:cNvGrpSpPr/>
-        <p:nvPr/>
-      </p:nvGrpSpPr>
-      <p:grpSpPr>
-        <a:xfrm>
-          <a:off x="0" y="0"/>
-          <a:ext cx="0" cy="0"/>
-          <a:chOff x="0" y="0"/>
-          <a:chExt cx="0" cy="0"/>
-        </a:xfrm>
-      </p:grpSpPr>
-      <p:sp>
-        <p:nvSpPr>
-          <p:cNvPr id="2" name="제목 1">
-            <a:extLst>
-              <a:ext uri="{FF2B5EF4-FFF2-40B4-BE49-F238E27FC236}">
-                <a16:creationId xmlns:a16="http://schemas.microsoft.com/office/drawing/2014/main" id="{CDA72200-768A-356E-8C50-2D2CD9B2CFE4}"/>
-              </a:ext>
-            </a:extLst>
-          </p:cNvPr>
-          <p:cNvSpPr>
-            <a:spLocks noGrp="1"/>
-          </p:cNvSpPr>
-          <p:nvPr>
-            <p:ph type="title"/>
-          </p:nvPr>
-        </p:nvSpPr>
-        <p:spPr/>
-        <p:txBody>
-          <a:bodyPr/>
-          <a:lstStyle/>
-          <a:p>
-            <a:r>
-              <a:rPr lang="ko-KR" dirty="0" err="1">
-                <a:ea typeface="+mj-lt"/>
-                <a:cs typeface="+mj-lt"/>
-              </a:rPr>
-              <a:t>Why</a:t>
-            </a:r>
-            <a:r>
-              <a:rPr lang="ko-KR" dirty="0">
-                <a:ea typeface="+mj-lt"/>
-                <a:cs typeface="+mj-lt"/>
-              </a:rPr>
-              <a:t> </a:t>
-            </a:r>
-            <a:r>
-              <a:rPr lang="ko-KR" dirty="0" err="1">
-                <a:ea typeface="+mj-lt"/>
-                <a:cs typeface="+mj-lt"/>
-              </a:rPr>
-              <a:t>study</a:t>
-            </a:r>
-            <a:r>
-              <a:rPr lang="ko-KR" dirty="0">
-                <a:ea typeface="+mj-lt"/>
-                <a:cs typeface="+mj-lt"/>
-              </a:rPr>
-              <a:t> </a:t>
-            </a:r>
-            <a:r>
-              <a:rPr lang="ko-KR" dirty="0" err="1">
-                <a:ea typeface="+mj-lt"/>
-                <a:cs typeface="+mj-lt"/>
-              </a:rPr>
-              <a:t>this</a:t>
-            </a:r>
-            <a:r>
-              <a:rPr lang="ko-KR" dirty="0">
-                <a:ea typeface="+mj-lt"/>
-                <a:cs typeface="+mj-lt"/>
-              </a:rPr>
-              <a:t> </a:t>
-            </a:r>
-            <a:r>
-              <a:rPr lang="ko-KR" dirty="0" err="1">
-                <a:ea typeface="+mj-lt"/>
-                <a:cs typeface="+mj-lt"/>
-              </a:rPr>
-              <a:t>algorithm</a:t>
-            </a:r>
-            <a:r>
-              <a:rPr lang="ko-KR" dirty="0">
-                <a:ea typeface="+mj-lt"/>
-                <a:cs typeface="+mj-lt"/>
-              </a:rPr>
-              <a:t>?</a:t>
-            </a:r>
-          </a:p>
-        </p:txBody>
-      </p:sp>
-      <p:sp>
-        <p:nvSpPr>
-          <p:cNvPr id="3" name="내용 개체 틀 2">
-            <a:extLst>
-              <a:ext uri="{FF2B5EF4-FFF2-40B4-BE49-F238E27FC236}">
-                <a16:creationId xmlns:a16="http://schemas.microsoft.com/office/drawing/2014/main" id="{3D212CB1-B28C-5820-DA80-D4B8048312D3}"/>
-              </a:ext>
-            </a:extLst>
-          </p:cNvPr>
-          <p:cNvSpPr>
-            <a:spLocks noGrp="1"/>
-          </p:cNvSpPr>
-          <p:nvPr>
-            <p:ph idx="1"/>
-          </p:nvPr>
-        </p:nvSpPr>
-        <p:spPr/>
-        <p:txBody>
-          <a:bodyPr vert="horz" lIns="91440" tIns="45720" rIns="91440" bIns="45720" rtlCol="0" anchor="t">
-            <a:normAutofit/>
-          </a:bodyPr>
-          <a:lstStyle/>
-          <a:p>
-            <a:pPr marL="0" indent="0">
-              <a:buNone/>
-            </a:pPr>
-            <a:r>
-              <a:rPr lang="ko-KR" dirty="0">
-                <a:ea typeface="+mn-lt"/>
-                <a:cs typeface="+mn-lt"/>
-                <a:hlinkClick r:id="rId2"/>
-              </a:rPr>
-              <a:t>https://codeforces.com/gym/105699/problem/D</a:t>
-            </a:r>
-            <a:endParaRPr lang="ko-KR">
-              <a:ea typeface="맑은 고딕" panose="020B0503020000020004" pitchFamily="34" charset="-127"/>
-              <a:cs typeface="+mn-lt"/>
-            </a:endParaRPr>
-          </a:p>
-          <a:p>
-            <a:pPr marL="0" indent="0">
-              <a:buNone/>
-            </a:pPr>
-            <a:endParaRPr lang="ko-KR" dirty="0">
-              <a:ea typeface="맑은 고딕"/>
-            </a:endParaRPr>
-          </a:p>
-        </p:txBody>
-      </p:sp>
-      <p:pic>
-        <p:nvPicPr>
-          <p:cNvPr id="5" name="그림 4" descr="텍스트, 스크린샷, 번호, 폰트이(가) 표시된 사진&#10;&#10;AI 생성 콘텐츠는 정확하지 않을 수 있습니다.">
-            <a:extLst>
-              <a:ext uri="{FF2B5EF4-FFF2-40B4-BE49-F238E27FC236}">
-                <a16:creationId xmlns:a16="http://schemas.microsoft.com/office/drawing/2014/main" id="{3A342A39-B119-3E10-3CCE-ED506C317F66}"/>
-              </a:ext>
-            </a:extLst>
-          </p:cNvPr>
-          <p:cNvPicPr>
-            <a:picLocks noChangeAspect="1"/>
-          </p:cNvPicPr>
-          <p:nvPr/>
-        </p:nvPicPr>
-        <p:blipFill>
-          <a:blip r:embed="rId3"/>
-          <a:stretch>
-            <a:fillRect/>
-          </a:stretch>
-        </p:blipFill>
-        <p:spPr>
-          <a:xfrm>
-            <a:off x="1368322" y="2358524"/>
-            <a:ext cx="9684775" cy="4771081"/>
-          </a:xfrm>
-          <a:prstGeom prst="rect">
-            <a:avLst/>
-          </a:prstGeom>
-        </p:spPr>
-      </p:pic>
-    </p:spTree>
-    <p:extLst>
-      <p:ext uri="{BB962C8B-B14F-4D97-AF65-F5344CB8AC3E}">
-        <p14:creationId xmlns:p14="http://schemas.microsoft.com/office/powerpoint/2010/main" val="2063459913"/>
-      </p:ext>
-    </p:extLst>
-  </p:cSld>
-  <p:clrMapOvr>
-    <a:masterClrMapping/>
-  </p:clrMapOvr>
-</p:sld>
-</file>
-
-<file path=ppt/slides/slide19.xml><?xml version="1.0" encoding="utf-8"?>
-<p:sld xmlns:a="http://schemas.openxmlformats.org/drawingml/2006/main" xmlns:r="http://schemas.openxmlformats.org/officeDocument/2006/relationships" xmlns:p="http://schemas.openxmlformats.org/presentationml/2006/main">
-  <p:cSld>
-    <p:spTree>
-      <p:nvGrpSpPr>
         <p:cNvPr id="1" name="">
           <a:extLst>
             <a:ext uri="{FF2B5EF4-FFF2-40B4-BE49-F238E27FC236}">
@@ -5516,200 +4539,7 @@
 </p:sld>
 </file>
 
-<file path=ppt/slides/slide2.xml><?xml version="1.0" encoding="utf-8"?>
-<p:sld xmlns:a="http://schemas.openxmlformats.org/drawingml/2006/main" xmlns:r="http://schemas.openxmlformats.org/officeDocument/2006/relationships" xmlns:p="http://schemas.openxmlformats.org/presentationml/2006/main">
-  <p:cSld>
-    <p:spTree>
-      <p:nvGrpSpPr>
-        <p:cNvPr id="1" name=""/>
-        <p:cNvGrpSpPr/>
-        <p:nvPr/>
-      </p:nvGrpSpPr>
-      <p:grpSpPr>
-        <a:xfrm>
-          <a:off x="0" y="0"/>
-          <a:ext cx="0" cy="0"/>
-          <a:chOff x="0" y="0"/>
-          <a:chExt cx="0" cy="0"/>
-        </a:xfrm>
-      </p:grpSpPr>
-      <p:sp>
-        <p:nvSpPr>
-          <p:cNvPr id="2" name="제목 1">
-            <a:extLst>
-              <a:ext uri="{FF2B5EF4-FFF2-40B4-BE49-F238E27FC236}">
-                <a16:creationId xmlns:a16="http://schemas.microsoft.com/office/drawing/2014/main" id="{D21A9E78-6CF3-153A-F868-248BD0C67E58}"/>
-              </a:ext>
-            </a:extLst>
-          </p:cNvPr>
-          <p:cNvSpPr>
-            <a:spLocks noGrp="1"/>
-          </p:cNvSpPr>
-          <p:nvPr>
-            <p:ph type="title"/>
-          </p:nvPr>
-        </p:nvSpPr>
-        <p:spPr/>
-        <p:txBody>
-          <a:bodyPr/>
-          <a:lstStyle/>
-          <a:p>
-            <a:endParaRPr lang="ko-KR" altLang="en-US"/>
-          </a:p>
-        </p:txBody>
-      </p:sp>
-      <p:pic>
-        <p:nvPicPr>
-          <p:cNvPr id="4" name="그림 3" descr="텍스트, 스크린샷, 폰트, 번호이(가) 표시된 사진&#10;&#10;AI 생성 콘텐츠는 정확하지 않을 수 있습니다.">
-            <a:extLst>
-              <a:ext uri="{FF2B5EF4-FFF2-40B4-BE49-F238E27FC236}">
-                <a16:creationId xmlns:a16="http://schemas.microsoft.com/office/drawing/2014/main" id="{7B42D9F8-077A-660C-1232-D55EE7DC3CC0}"/>
-              </a:ext>
-            </a:extLst>
-          </p:cNvPr>
-          <p:cNvPicPr>
-            <a:picLocks noChangeAspect="1"/>
-          </p:cNvPicPr>
-          <p:nvPr/>
-        </p:nvPicPr>
-        <p:blipFill>
-          <a:blip r:embed="rId2"/>
-          <a:stretch>
-            <a:fillRect/>
-          </a:stretch>
-        </p:blipFill>
-        <p:spPr>
-          <a:xfrm>
-            <a:off x="2005445" y="0"/>
-            <a:ext cx="8181109" cy="6858000"/>
-          </a:xfrm>
-          <a:prstGeom prst="rect">
-            <a:avLst/>
-          </a:prstGeom>
-        </p:spPr>
-      </p:pic>
-      <p:sp>
-        <p:nvSpPr>
-          <p:cNvPr id="5" name="직사각형 4">
-            <a:extLst>
-              <a:ext uri="{FF2B5EF4-FFF2-40B4-BE49-F238E27FC236}">
-                <a16:creationId xmlns:a16="http://schemas.microsoft.com/office/drawing/2014/main" id="{8CA88493-6DB3-3606-5937-35A6AB2F7B9A}"/>
-              </a:ext>
-            </a:extLst>
-          </p:cNvPr>
-          <p:cNvSpPr/>
-          <p:nvPr/>
-        </p:nvSpPr>
-        <p:spPr>
-          <a:xfrm>
-            <a:off x="2098109" y="929012"/>
-            <a:ext cx="866383" cy="240083"/>
-          </a:xfrm>
-          <a:prstGeom prst="rect">
-            <a:avLst/>
-          </a:prstGeom>
-          <a:solidFill>
-            <a:schemeClr val="tx1"/>
-          </a:solidFill>
-          <a:ln>
-            <a:solidFill>
-              <a:schemeClr val="tx1"/>
-            </a:solidFill>
-          </a:ln>
-        </p:spPr>
-        <p:style>
-          <a:lnRef idx="2">
-            <a:schemeClr val="accent1">
-              <a:shade val="15000"/>
-            </a:schemeClr>
-          </a:lnRef>
-          <a:fillRef idx="1">
-            <a:schemeClr val="accent1"/>
-          </a:fillRef>
-          <a:effectRef idx="0">
-            <a:schemeClr val="accent1"/>
-          </a:effectRef>
-          <a:fontRef idx="minor">
-            <a:schemeClr val="lt1"/>
-          </a:fontRef>
-        </p:style>
-        <p:txBody>
-          <a:bodyPr rtlCol="0" anchor="ctr"/>
-          <a:lstStyle/>
-          <a:p>
-            <a:pPr algn="ctr"/>
-            <a:endParaRPr lang="ko-KR" altLang="en-US"/>
-          </a:p>
-        </p:txBody>
-      </p:sp>
-      <p:sp>
-        <p:nvSpPr>
-          <p:cNvPr id="6" name="직사각형 5">
-            <a:extLst>
-              <a:ext uri="{FF2B5EF4-FFF2-40B4-BE49-F238E27FC236}">
-                <a16:creationId xmlns:a16="http://schemas.microsoft.com/office/drawing/2014/main" id="{42E0196F-CE7D-8569-F41E-94E9F8C4BCE3}"/>
-              </a:ext>
-            </a:extLst>
-          </p:cNvPr>
-          <p:cNvSpPr/>
-          <p:nvPr/>
-        </p:nvSpPr>
-        <p:spPr>
-          <a:xfrm>
-            <a:off x="2098108" y="83506"/>
-            <a:ext cx="511479" cy="187892"/>
-          </a:xfrm>
-          <a:prstGeom prst="rect">
-            <a:avLst/>
-          </a:prstGeom>
-          <a:solidFill>
-            <a:schemeClr val="tx1"/>
-          </a:solidFill>
-          <a:ln>
-            <a:solidFill>
-              <a:schemeClr val="tx1"/>
-            </a:solidFill>
-          </a:ln>
-        </p:spPr>
-        <p:style>
-          <a:lnRef idx="2">
-            <a:schemeClr val="accent1">
-              <a:shade val="15000"/>
-            </a:schemeClr>
-          </a:lnRef>
-          <a:fillRef idx="1">
-            <a:schemeClr val="accent1"/>
-          </a:fillRef>
-          <a:effectRef idx="0">
-            <a:schemeClr val="accent1"/>
-          </a:effectRef>
-          <a:fontRef idx="minor">
-            <a:schemeClr val="lt1"/>
-          </a:fontRef>
-        </p:style>
-        <p:txBody>
-          <a:bodyPr rtlCol="0" anchor="ctr"/>
-          <a:lstStyle/>
-          <a:p>
-            <a:pPr algn="ctr"/>
-            <a:endParaRPr lang="ko-KR" altLang="en-US"/>
-          </a:p>
-        </p:txBody>
-      </p:sp>
-    </p:spTree>
-    <p:extLst>
-      <p:ext uri="{BB962C8B-B14F-4D97-AF65-F5344CB8AC3E}">
-        <p14:creationId xmlns:p14="http://schemas.microsoft.com/office/powerpoint/2010/main" val="2183170989"/>
-      </p:ext>
-    </p:extLst>
-  </p:cSld>
-  <p:clrMapOvr>
-    <a:masterClrMapping/>
-  </p:clrMapOvr>
-</p:sld>
-</file>
-
-<file path=ppt/slides/slide20.xml><?xml version="1.0" encoding="utf-8"?>
+<file path=ppt/slides/slide14.xml><?xml version="1.0" encoding="utf-8"?>
 <p:sld xmlns:a="http://schemas.openxmlformats.org/drawingml/2006/main" xmlns:r="http://schemas.openxmlformats.org/officeDocument/2006/relationships" xmlns:p="http://schemas.openxmlformats.org/presentationml/2006/main">
   <p:cSld>
     <p:spTree>
@@ -5855,7 +4685,7 @@
 </p:sld>
 </file>
 
-<file path=ppt/slides/slide21.xml><?xml version="1.0" encoding="utf-8"?>
+<file path=ppt/slides/slide15.xml><?xml version="1.0" encoding="utf-8"?>
 <p:sld xmlns:a="http://schemas.openxmlformats.org/drawingml/2006/main" xmlns:r="http://schemas.openxmlformats.org/officeDocument/2006/relationships" xmlns:p="http://schemas.openxmlformats.org/presentationml/2006/main">
   <p:cSld>
     <p:spTree>
@@ -5877,6 +4707,1340 @@
           <p:cNvPr id="2" name="제목 1">
             <a:extLst>
               <a:ext uri="{FF2B5EF4-FFF2-40B4-BE49-F238E27FC236}">
+                <a16:creationId xmlns:a16="http://schemas.microsoft.com/office/drawing/2014/main" id="{DCD70A23-6901-3073-B4B5-15DAFBE5A9B0}"/>
+              </a:ext>
+            </a:extLst>
+          </p:cNvPr>
+          <p:cNvSpPr>
+            <a:spLocks noGrp="1"/>
+          </p:cNvSpPr>
+          <p:nvPr>
+            <p:ph type="title"/>
+          </p:nvPr>
+        </p:nvSpPr>
+        <p:spPr/>
+        <p:txBody>
+          <a:bodyPr/>
+          <a:lstStyle/>
+          <a:p>
+            <a:r>
+              <a:rPr lang="ko-KR" dirty="0" err="1">
+                <a:ea typeface="+mj-lt"/>
+                <a:cs typeface="+mj-lt"/>
+              </a:rPr>
+              <a:t>Why</a:t>
+            </a:r>
+            <a:r>
+              <a:rPr lang="ko-KR" dirty="0">
+                <a:ea typeface="+mj-lt"/>
+                <a:cs typeface="+mj-lt"/>
+              </a:rPr>
+              <a:t> </a:t>
+            </a:r>
+            <a:r>
+              <a:rPr lang="ko-KR" dirty="0" err="1">
+                <a:ea typeface="+mj-lt"/>
+                <a:cs typeface="+mj-lt"/>
+              </a:rPr>
+              <a:t>it</a:t>
+            </a:r>
+            <a:r>
+              <a:rPr lang="ko-KR" dirty="0">
+                <a:ea typeface="+mj-lt"/>
+                <a:cs typeface="+mj-lt"/>
+              </a:rPr>
+              <a:t> </a:t>
+            </a:r>
+            <a:r>
+              <a:rPr lang="ko-KR" dirty="0" err="1">
+                <a:ea typeface="+mj-lt"/>
+                <a:cs typeface="+mj-lt"/>
+              </a:rPr>
+              <a:t>works</a:t>
+            </a:r>
+            <a:endParaRPr lang="ko-KR" dirty="0" err="1"/>
+          </a:p>
+        </p:txBody>
+      </p:sp>
+      <p:sp>
+        <p:nvSpPr>
+          <p:cNvPr id="13" name="내용 개체 틀 12">
+            <a:extLst>
+              <a:ext uri="{FF2B5EF4-FFF2-40B4-BE49-F238E27FC236}">
+                <a16:creationId xmlns:a16="http://schemas.microsoft.com/office/drawing/2014/main" id="{8FD1F78D-9B1E-EE20-166F-EECA50DBFD53}"/>
+              </a:ext>
+            </a:extLst>
+          </p:cNvPr>
+          <p:cNvSpPr>
+            <a:spLocks noGrp="1"/>
+          </p:cNvSpPr>
+          <p:nvPr>
+            <p:ph idx="1"/>
+          </p:nvPr>
+        </p:nvSpPr>
+        <p:spPr/>
+        <p:txBody>
+          <a:bodyPr/>
+          <a:lstStyle/>
+          <a:p>
+            <a:endParaRPr lang="ko-KR" altLang="en-US"/>
+          </a:p>
+        </p:txBody>
+      </p:sp>
+    </p:spTree>
+    <p:extLst>
+      <p:ext uri="{BB962C8B-B14F-4D97-AF65-F5344CB8AC3E}">
+        <p14:creationId xmlns:p14="http://schemas.microsoft.com/office/powerpoint/2010/main" val="1019648976"/>
+      </p:ext>
+    </p:extLst>
+  </p:cSld>
+  <p:clrMapOvr>
+    <a:masterClrMapping/>
+  </p:clrMapOvr>
+</p:sld>
+</file>
+
+<file path=ppt/slides/slide16.xml><?xml version="1.0" encoding="utf-8"?>
+<p:sld xmlns:a="http://schemas.openxmlformats.org/drawingml/2006/main" xmlns:r="http://schemas.openxmlformats.org/officeDocument/2006/relationships" xmlns:p="http://schemas.openxmlformats.org/presentationml/2006/main">
+  <p:cSld>
+    <p:spTree>
+      <p:nvGrpSpPr>
+        <p:cNvPr id="1" name="">
+          <a:extLst>
+            <a:ext uri="{FF2B5EF4-FFF2-40B4-BE49-F238E27FC236}">
+              <a16:creationId xmlns:a16="http://schemas.microsoft.com/office/drawing/2014/main" id="{11E850EF-9854-83E0-9223-973680C26DA9}"/>
+            </a:ext>
+          </a:extLst>
+        </p:cNvPr>
+        <p:cNvGrpSpPr/>
+        <p:nvPr/>
+      </p:nvGrpSpPr>
+      <p:grpSpPr>
+        <a:xfrm>
+          <a:off x="0" y="0"/>
+          <a:ext cx="0" cy="0"/>
+          <a:chOff x="0" y="0"/>
+          <a:chExt cx="0" cy="0"/>
+        </a:xfrm>
+      </p:grpSpPr>
+      <p:sp>
+        <p:nvSpPr>
+          <p:cNvPr id="2" name="제목 1">
+            <a:extLst>
+              <a:ext uri="{FF2B5EF4-FFF2-40B4-BE49-F238E27FC236}">
+                <a16:creationId xmlns:a16="http://schemas.microsoft.com/office/drawing/2014/main" id="{BF38EB61-2967-7A89-9298-62CAB8DCBA27}"/>
+              </a:ext>
+            </a:extLst>
+          </p:cNvPr>
+          <p:cNvSpPr>
+            <a:spLocks noGrp="1"/>
+          </p:cNvSpPr>
+          <p:nvPr>
+            <p:ph type="title"/>
+          </p:nvPr>
+        </p:nvSpPr>
+        <p:spPr/>
+        <p:txBody>
+          <a:bodyPr/>
+          <a:lstStyle/>
+          <a:p>
+            <a:r>
+              <a:rPr lang="ko-KR" dirty="0" err="1">
+                <a:ea typeface="+mj-lt"/>
+                <a:cs typeface="+mj-lt"/>
+              </a:rPr>
+              <a:t>Why</a:t>
+            </a:r>
+            <a:r>
+              <a:rPr lang="ko-KR" dirty="0">
+                <a:ea typeface="+mj-lt"/>
+                <a:cs typeface="+mj-lt"/>
+              </a:rPr>
+              <a:t> </a:t>
+            </a:r>
+            <a:r>
+              <a:rPr lang="ko-KR" dirty="0" err="1">
+                <a:ea typeface="+mj-lt"/>
+                <a:cs typeface="+mj-lt"/>
+              </a:rPr>
+              <a:t>it</a:t>
+            </a:r>
+            <a:r>
+              <a:rPr lang="ko-KR" dirty="0">
+                <a:ea typeface="+mj-lt"/>
+                <a:cs typeface="+mj-lt"/>
+              </a:rPr>
+              <a:t> </a:t>
+            </a:r>
+            <a:r>
+              <a:rPr lang="ko-KR" dirty="0" err="1">
+                <a:ea typeface="+mj-lt"/>
+                <a:cs typeface="+mj-lt"/>
+              </a:rPr>
+              <a:t>works</a:t>
+            </a:r>
+            <a:endParaRPr lang="ko-KR" dirty="0" err="1"/>
+          </a:p>
+        </p:txBody>
+      </p:sp>
+      <p:sp>
+        <p:nvSpPr>
+          <p:cNvPr id="7" name="내용 개체 틀 6">
+            <a:extLst>
+              <a:ext uri="{FF2B5EF4-FFF2-40B4-BE49-F238E27FC236}">
+                <a16:creationId xmlns:a16="http://schemas.microsoft.com/office/drawing/2014/main" id="{D0C04868-99BD-1D40-DF51-9216EE404F92}"/>
+              </a:ext>
+            </a:extLst>
+          </p:cNvPr>
+          <p:cNvSpPr>
+            <a:spLocks noGrp="1"/>
+          </p:cNvSpPr>
+          <p:nvPr>
+            <p:ph idx="1"/>
+          </p:nvPr>
+        </p:nvSpPr>
+        <p:spPr/>
+        <p:txBody>
+          <a:bodyPr vert="horz" lIns="91440" tIns="45720" rIns="91440" bIns="45720" rtlCol="0" anchor="t">
+            <a:normAutofit/>
+          </a:bodyPr>
+          <a:lstStyle/>
+          <a:p>
+            <a:r>
+              <a:rPr lang="en-US" altLang="ko-KR" sz="3200" err="1">
+                <a:ea typeface="+mn-lt"/>
+                <a:cs typeface="+mn-lt"/>
+              </a:rPr>
+              <a:t>subgradient</a:t>
+            </a:r>
+            <a:r>
+              <a:rPr lang="ko-KR" sz="3200" dirty="0">
+                <a:ea typeface="+mn-lt"/>
+                <a:cs typeface="+mn-lt"/>
+              </a:rPr>
+              <a:t> </a:t>
+            </a:r>
+            <a:r>
+              <a:rPr lang="ko-KR" sz="3200" err="1">
+                <a:ea typeface="+mn-lt"/>
+                <a:cs typeface="+mn-lt"/>
+              </a:rPr>
+              <a:t>method</a:t>
+            </a:r>
+            <a:endParaRPr lang="ko-KR" sz="3200">
+              <a:ea typeface="+mn-lt"/>
+              <a:cs typeface="+mn-lt"/>
+            </a:endParaRPr>
+          </a:p>
+          <a:p>
+            <a:endParaRPr lang="ko-KR" dirty="0">
+              <a:ea typeface="맑은 고딕"/>
+            </a:endParaRPr>
+          </a:p>
+          <a:p>
+            <a:endParaRPr lang="ko-KR" dirty="0">
+              <a:ea typeface="+mn-lt"/>
+              <a:cs typeface="+mn-lt"/>
+            </a:endParaRPr>
+          </a:p>
+          <a:p>
+            <a:pPr marL="0" indent="0">
+              <a:buNone/>
+            </a:pPr>
+            <a:r>
+              <a:rPr lang="en-US" altLang="ko-KR" dirty="0">
+                <a:ea typeface="+mn-lt"/>
+                <a:cs typeface="+mn-lt"/>
+              </a:rPr>
+              <a:t>S.</a:t>
+            </a:r>
+            <a:r>
+              <a:rPr lang="ko-KR" dirty="0">
+                <a:ea typeface="+mn-lt"/>
+                <a:cs typeface="+mn-lt"/>
+              </a:rPr>
+              <a:t> </a:t>
+            </a:r>
+            <a:r>
+              <a:rPr lang="en-US" altLang="ko-KR" dirty="0">
+                <a:ea typeface="+mn-lt"/>
+                <a:cs typeface="+mn-lt"/>
+              </a:rPr>
+              <a:t>Xu,</a:t>
+            </a:r>
+            <a:r>
+              <a:rPr lang="ko-KR" dirty="0">
+                <a:ea typeface="+mn-lt"/>
+                <a:cs typeface="+mn-lt"/>
+              </a:rPr>
+              <a:t> </a:t>
+            </a:r>
+            <a:r>
+              <a:rPr lang="en-US" altLang="ko-KR" i="1" dirty="0">
+                <a:ea typeface="+mn-lt"/>
+                <a:cs typeface="+mn-lt"/>
+              </a:rPr>
+              <a:t>Solution</a:t>
+            </a:r>
+            <a:r>
+              <a:rPr lang="ko-KR" i="1" dirty="0">
+                <a:ea typeface="+mn-lt"/>
+                <a:cs typeface="+mn-lt"/>
+              </a:rPr>
+              <a:t> </a:t>
+            </a:r>
+            <a:r>
+              <a:rPr lang="en-US" altLang="ko-KR" i="1" dirty="0">
+                <a:ea typeface="+mn-lt"/>
+                <a:cs typeface="+mn-lt"/>
+              </a:rPr>
+              <a:t>Methodologies</a:t>
+            </a:r>
+            <a:r>
+              <a:rPr lang="ko-KR" i="1" dirty="0">
+                <a:ea typeface="+mn-lt"/>
+                <a:cs typeface="+mn-lt"/>
+              </a:rPr>
+              <a:t> </a:t>
+            </a:r>
+            <a:r>
+              <a:rPr lang="en-US" altLang="ko-KR" i="1" dirty="0">
+                <a:ea typeface="+mn-lt"/>
+                <a:cs typeface="+mn-lt"/>
+              </a:rPr>
+              <a:t>for</a:t>
+            </a:r>
+            <a:r>
+              <a:rPr lang="ko-KR" i="1" dirty="0">
+                <a:ea typeface="+mn-lt"/>
+                <a:cs typeface="+mn-lt"/>
+              </a:rPr>
+              <a:t> </a:t>
+            </a:r>
+            <a:r>
+              <a:rPr lang="en-US" altLang="ko-KR" i="1" dirty="0">
+                <a:ea typeface="+mn-lt"/>
+                <a:cs typeface="+mn-lt"/>
+              </a:rPr>
+              <a:t>the</a:t>
+            </a:r>
+            <a:r>
+              <a:rPr lang="ko-KR" i="1" dirty="0">
+                <a:ea typeface="+mn-lt"/>
+                <a:cs typeface="+mn-lt"/>
+              </a:rPr>
+              <a:t> </a:t>
+            </a:r>
+            <a:r>
+              <a:rPr lang="en-US" altLang="ko-KR" i="1" dirty="0">
+                <a:ea typeface="+mn-lt"/>
+                <a:cs typeface="+mn-lt"/>
+              </a:rPr>
+              <a:t>Smallest</a:t>
+            </a:r>
+            <a:r>
+              <a:rPr lang="ko-KR" i="1" dirty="0">
+                <a:ea typeface="+mn-lt"/>
+                <a:cs typeface="+mn-lt"/>
+              </a:rPr>
+              <a:t> </a:t>
+            </a:r>
+            <a:r>
+              <a:rPr lang="en-US" altLang="ko-KR" i="1" dirty="0">
+                <a:ea typeface="+mn-lt"/>
+                <a:cs typeface="+mn-lt"/>
+              </a:rPr>
+              <a:t>Enclosing</a:t>
+            </a:r>
+            <a:r>
+              <a:rPr lang="ko-KR" i="1" dirty="0">
+                <a:ea typeface="+mn-lt"/>
+                <a:cs typeface="+mn-lt"/>
+              </a:rPr>
+              <a:t> </a:t>
+            </a:r>
+            <a:r>
+              <a:rPr lang="en-US" altLang="ko-KR" i="1" dirty="0">
+                <a:ea typeface="+mn-lt"/>
+                <a:cs typeface="+mn-lt"/>
+              </a:rPr>
+              <a:t>Circle</a:t>
+            </a:r>
+            <a:r>
+              <a:rPr lang="ko-KR" i="1" dirty="0">
+                <a:ea typeface="+mn-lt"/>
+                <a:cs typeface="+mn-lt"/>
+              </a:rPr>
+              <a:t> </a:t>
+            </a:r>
+            <a:r>
+              <a:rPr lang="en-US" altLang="ko-KR" i="1" dirty="0">
+                <a:ea typeface="+mn-lt"/>
+                <a:cs typeface="+mn-lt"/>
+              </a:rPr>
+              <a:t>Problem</a:t>
+            </a:r>
+            <a:r>
+              <a:rPr lang="en-US" altLang="ko-KR" dirty="0">
+                <a:ea typeface="+mn-lt"/>
+                <a:cs typeface="+mn-lt"/>
+              </a:rPr>
+              <a:t>,</a:t>
+            </a:r>
+            <a:r>
+              <a:rPr lang="ko-KR" dirty="0">
+                <a:ea typeface="+mn-lt"/>
+                <a:cs typeface="+mn-lt"/>
+              </a:rPr>
+              <a:t> </a:t>
+            </a:r>
+            <a:r>
+              <a:rPr lang="en-US" altLang="ko-KR" dirty="0">
+                <a:ea typeface="+mn-lt"/>
+                <a:cs typeface="+mn-lt"/>
+              </a:rPr>
+              <a:t>Tech.</a:t>
+            </a:r>
+            <a:r>
+              <a:rPr lang="ko-KR" dirty="0">
+                <a:ea typeface="+mn-lt"/>
+                <a:cs typeface="+mn-lt"/>
+              </a:rPr>
+              <a:t> </a:t>
+            </a:r>
+            <a:r>
+              <a:rPr lang="en-US" altLang="ko-KR" dirty="0">
+                <a:ea typeface="+mn-lt"/>
+                <a:cs typeface="+mn-lt"/>
+              </a:rPr>
+              <a:t>Rep.</a:t>
+            </a:r>
+            <a:r>
+              <a:rPr lang="ko-KR" dirty="0">
+                <a:ea typeface="+mn-lt"/>
+                <a:cs typeface="+mn-lt"/>
+              </a:rPr>
+              <a:t> </a:t>
+            </a:r>
+            <a:r>
+              <a:rPr lang="en-US" altLang="ko-KR" dirty="0">
+                <a:ea typeface="+mn-lt"/>
+                <a:cs typeface="+mn-lt"/>
+              </a:rPr>
+              <a:t>HPCES</a:t>
+            </a:r>
+            <a:r>
+              <a:rPr lang="ko-KR" dirty="0">
+                <a:ea typeface="+mn-lt"/>
+                <a:cs typeface="+mn-lt"/>
+              </a:rPr>
+              <a:t> </a:t>
+            </a:r>
+            <a:r>
+              <a:rPr lang="en-US" altLang="ko-KR" dirty="0">
+                <a:ea typeface="+mn-lt"/>
+                <a:cs typeface="+mn-lt"/>
+              </a:rPr>
+              <a:t>024,</a:t>
+            </a:r>
+            <a:r>
+              <a:rPr lang="ko-KR" dirty="0">
+                <a:ea typeface="+mn-lt"/>
+                <a:cs typeface="+mn-lt"/>
+              </a:rPr>
+              <a:t> </a:t>
+            </a:r>
+            <a:r>
+              <a:rPr lang="en-US" altLang="ko-KR" dirty="0">
+                <a:ea typeface="+mn-lt"/>
+                <a:cs typeface="+mn-lt"/>
+              </a:rPr>
+              <a:t>Massachusetts</a:t>
+            </a:r>
+            <a:r>
+              <a:rPr lang="ko-KR" dirty="0">
+                <a:ea typeface="+mn-lt"/>
+                <a:cs typeface="+mn-lt"/>
+              </a:rPr>
+              <a:t> </a:t>
+            </a:r>
+            <a:r>
+              <a:rPr lang="en-US" altLang="ko-KR" dirty="0">
+                <a:ea typeface="+mn-lt"/>
+                <a:cs typeface="+mn-lt"/>
+              </a:rPr>
+              <a:t>Institute</a:t>
+            </a:r>
+            <a:r>
+              <a:rPr lang="ko-KR" dirty="0">
+                <a:ea typeface="+mn-lt"/>
+                <a:cs typeface="+mn-lt"/>
+              </a:rPr>
+              <a:t> </a:t>
+            </a:r>
+            <a:r>
+              <a:rPr lang="en-US" altLang="ko-KR" dirty="0">
+                <a:ea typeface="+mn-lt"/>
+                <a:cs typeface="+mn-lt"/>
+              </a:rPr>
+              <a:t>of</a:t>
+            </a:r>
+            <a:r>
+              <a:rPr lang="ko-KR" dirty="0">
+                <a:ea typeface="+mn-lt"/>
+                <a:cs typeface="+mn-lt"/>
+              </a:rPr>
+              <a:t> </a:t>
+            </a:r>
+            <a:r>
+              <a:rPr lang="en-US" altLang="ko-KR" dirty="0">
+                <a:ea typeface="+mn-lt"/>
+                <a:cs typeface="+mn-lt"/>
+              </a:rPr>
+              <a:t>Technology,</a:t>
+            </a:r>
+            <a:r>
+              <a:rPr lang="ko-KR" dirty="0">
+                <a:ea typeface="+mn-lt"/>
+                <a:cs typeface="+mn-lt"/>
+              </a:rPr>
+              <a:t> </a:t>
+            </a:r>
+            <a:r>
+              <a:rPr lang="en-US" altLang="ko-KR" dirty="0">
+                <a:ea typeface="+mn-lt"/>
+                <a:cs typeface="+mn-lt"/>
+              </a:rPr>
+              <a:t>2002.</a:t>
+            </a:r>
+            <a:r>
+              <a:rPr lang="ko-KR" dirty="0">
+                <a:ea typeface="+mn-lt"/>
+                <a:cs typeface="+mn-lt"/>
+              </a:rPr>
+              <a:t> </a:t>
+            </a:r>
+            <a:r>
+              <a:rPr lang="en-US" altLang="ko-KR" dirty="0">
+                <a:ea typeface="+mn-lt"/>
+                <a:cs typeface="+mn-lt"/>
+              </a:rPr>
+              <a:t>[Online].</a:t>
+            </a:r>
+            <a:r>
+              <a:rPr lang="ko-KR" dirty="0">
+                <a:ea typeface="+mn-lt"/>
+                <a:cs typeface="+mn-lt"/>
+              </a:rPr>
+              <a:t> </a:t>
+            </a:r>
+            <a:r>
+              <a:rPr lang="en-US" altLang="ko-KR" dirty="0">
+                <a:ea typeface="+mn-lt"/>
+                <a:cs typeface="+mn-lt"/>
+              </a:rPr>
+              <a:t>Available:</a:t>
+            </a:r>
+            <a:r>
+              <a:rPr lang="ko-KR" dirty="0">
+                <a:ea typeface="+mn-lt"/>
+                <a:cs typeface="+mn-lt"/>
+              </a:rPr>
+              <a:t> </a:t>
+            </a:r>
+            <a:r>
+              <a:rPr lang="en-US" altLang="ko-KR" dirty="0">
+                <a:ea typeface="+mn-lt"/>
+                <a:cs typeface="+mn-lt"/>
+                <a:hlinkClick r:id="rId2"/>
+              </a:rPr>
+              <a:t>https://dspace.mit.edu/bitstream/handle/1721.1/4015/HPCES024.pdf?sequence=2</a:t>
+            </a:r>
+            <a:endParaRPr lang="ko-KR" altLang="en-US">
+              <a:ea typeface="+mn-lt"/>
+              <a:cs typeface="+mn-lt"/>
+            </a:endParaRPr>
+          </a:p>
+          <a:p>
+            <a:pPr marL="0" indent="0">
+              <a:buNone/>
+            </a:pPr>
+            <a:endParaRPr lang="en-US" altLang="ko-KR" dirty="0">
+              <a:ea typeface="+mn-lt"/>
+              <a:cs typeface="+mn-lt"/>
+            </a:endParaRPr>
+          </a:p>
+        </p:txBody>
+      </p:sp>
+    </p:spTree>
+    <p:extLst>
+      <p:ext uri="{BB962C8B-B14F-4D97-AF65-F5344CB8AC3E}">
+        <p14:creationId xmlns:p14="http://schemas.microsoft.com/office/powerpoint/2010/main" val="2959019380"/>
+      </p:ext>
+    </p:extLst>
+  </p:cSld>
+  <p:clrMapOvr>
+    <a:masterClrMapping/>
+  </p:clrMapOvr>
+</p:sld>
+</file>
+
+<file path=ppt/slides/slide17.xml><?xml version="1.0" encoding="utf-8"?>
+<p:sld xmlns:a="http://schemas.openxmlformats.org/drawingml/2006/main" xmlns:r="http://schemas.openxmlformats.org/officeDocument/2006/relationships" xmlns:p="http://schemas.openxmlformats.org/presentationml/2006/main">
+  <p:cSld>
+    <p:spTree>
+      <p:nvGrpSpPr>
+        <p:cNvPr id="1" name=""/>
+        <p:cNvGrpSpPr/>
+        <p:nvPr/>
+      </p:nvGrpSpPr>
+      <p:grpSpPr>
+        <a:xfrm>
+          <a:off x="0" y="0"/>
+          <a:ext cx="0" cy="0"/>
+          <a:chOff x="0" y="0"/>
+          <a:chExt cx="0" cy="0"/>
+        </a:xfrm>
+      </p:grpSpPr>
+      <p:sp>
+        <p:nvSpPr>
+          <p:cNvPr id="2" name="제목 1">
+            <a:extLst>
+              <a:ext uri="{FF2B5EF4-FFF2-40B4-BE49-F238E27FC236}">
+                <a16:creationId xmlns:a16="http://schemas.microsoft.com/office/drawing/2014/main" id="{0976A1A2-CBF0-6B42-D981-6D2CF7EC23B5}"/>
+              </a:ext>
+            </a:extLst>
+          </p:cNvPr>
+          <p:cNvSpPr>
+            <a:spLocks noGrp="1"/>
+          </p:cNvSpPr>
+          <p:nvPr>
+            <p:ph type="title"/>
+          </p:nvPr>
+        </p:nvSpPr>
+        <p:spPr/>
+        <p:txBody>
+          <a:bodyPr/>
+          <a:lstStyle/>
+          <a:p>
+            <a:r>
+              <a:rPr lang="ko-KR" altLang="en-US" dirty="0" err="1">
+                <a:ea typeface="맑은 고딕"/>
+              </a:rPr>
+              <a:t>Subgradient</a:t>
+            </a:r>
+            <a:r>
+              <a:rPr lang="ko-KR" altLang="en-US" dirty="0">
+                <a:ea typeface="맑은 고딕"/>
+              </a:rPr>
+              <a:t> </a:t>
+            </a:r>
+            <a:r>
+              <a:rPr lang="ko-KR" altLang="en-US" dirty="0" err="1">
+                <a:ea typeface="맑은 고딕"/>
+              </a:rPr>
+              <a:t>method</a:t>
+            </a:r>
+            <a:endParaRPr lang="ko-KR" altLang="en-US" dirty="0" err="1"/>
+          </a:p>
+        </p:txBody>
+      </p:sp>
+      <p:pic>
+        <p:nvPicPr>
+          <p:cNvPr id="17" name="그림 16" descr="폰트, 텍스트, 친필, 화이트이(가) 표시된 사진&#10;&#10;AI 생성 콘텐츠는 정확하지 않을 수 있습니다.">
+            <a:extLst>
+              <a:ext uri="{FF2B5EF4-FFF2-40B4-BE49-F238E27FC236}">
+                <a16:creationId xmlns:a16="http://schemas.microsoft.com/office/drawing/2014/main" id="{AAC5AF47-7A6F-2442-FC26-6636053688CD}"/>
+              </a:ext>
+            </a:extLst>
+          </p:cNvPr>
+          <p:cNvPicPr>
+            <a:picLocks noChangeAspect="1"/>
+          </p:cNvPicPr>
+          <p:nvPr/>
+        </p:nvPicPr>
+        <p:blipFill>
+          <a:blip r:embed="rId2"/>
+          <a:srcRect r="72823" b="-1250"/>
+          <a:stretch>
+            <a:fillRect/>
+          </a:stretch>
+        </p:blipFill>
+        <p:spPr>
+          <a:xfrm>
+            <a:off x="845910" y="3327627"/>
+            <a:ext cx="1482288" cy="735704"/>
+          </a:xfrm>
+          <a:prstGeom prst="rect">
+            <a:avLst/>
+          </a:prstGeom>
+        </p:spPr>
+      </p:pic>
+      <p:pic>
+        <p:nvPicPr>
+          <p:cNvPr id="18" name="그림 17" descr="폰트, 텍스트, 친필, 화이트이(가) 표시된 사진&#10;&#10;AI 생성 콘텐츠는 정확하지 않을 수 있습니다.">
+            <a:extLst>
+              <a:ext uri="{FF2B5EF4-FFF2-40B4-BE49-F238E27FC236}">
+                <a16:creationId xmlns:a16="http://schemas.microsoft.com/office/drawing/2014/main" id="{25E18817-BA0D-432E-7494-437EA0229EC2}"/>
+              </a:ext>
+            </a:extLst>
+          </p:cNvPr>
+          <p:cNvPicPr>
+            <a:picLocks noChangeAspect="1"/>
+          </p:cNvPicPr>
+          <p:nvPr/>
+        </p:nvPicPr>
+        <p:blipFill>
+          <a:blip r:embed="rId2"/>
+          <a:srcRect l="11481" r="-166" b="-1250"/>
+          <a:stretch>
+            <a:fillRect/>
+          </a:stretch>
+        </p:blipFill>
+        <p:spPr>
+          <a:xfrm>
+            <a:off x="908276" y="2338839"/>
+            <a:ext cx="4837087" cy="735704"/>
+          </a:xfrm>
+          <a:prstGeom prst="rect">
+            <a:avLst/>
+          </a:prstGeom>
+        </p:spPr>
+      </p:pic>
+    </p:spTree>
+    <p:extLst>
+      <p:ext uri="{BB962C8B-B14F-4D97-AF65-F5344CB8AC3E}">
+        <p14:creationId xmlns:p14="http://schemas.microsoft.com/office/powerpoint/2010/main" val="464220114"/>
+      </p:ext>
+    </p:extLst>
+  </p:cSld>
+  <p:clrMapOvr>
+    <a:masterClrMapping/>
+  </p:clrMapOvr>
+</p:sld>
+</file>
+
+<file path=ppt/slides/slide18.xml><?xml version="1.0" encoding="utf-8"?>
+<p:sld xmlns:a="http://schemas.openxmlformats.org/drawingml/2006/main" xmlns:r="http://schemas.openxmlformats.org/officeDocument/2006/relationships" xmlns:p="http://schemas.openxmlformats.org/presentationml/2006/main">
+  <p:cSld>
+    <p:spTree>
+      <p:nvGrpSpPr>
+        <p:cNvPr id="1" name="">
+          <a:extLst>
+            <a:ext uri="{FF2B5EF4-FFF2-40B4-BE49-F238E27FC236}">
+              <a16:creationId xmlns:a16="http://schemas.microsoft.com/office/drawing/2014/main" id="{5F65F607-C123-B537-7978-3E5F209D9661}"/>
+            </a:ext>
+          </a:extLst>
+        </p:cNvPr>
+        <p:cNvGrpSpPr/>
+        <p:nvPr/>
+      </p:nvGrpSpPr>
+      <p:grpSpPr>
+        <a:xfrm>
+          <a:off x="0" y="0"/>
+          <a:ext cx="0" cy="0"/>
+          <a:chOff x="0" y="0"/>
+          <a:chExt cx="0" cy="0"/>
+        </a:xfrm>
+      </p:grpSpPr>
+      <p:pic>
+        <p:nvPicPr>
+          <p:cNvPr id="5" name="그림 4" descr="텍스트, 라인, 도표, 그래프이(가) 표시된 사진&#10;&#10;AI 생성 콘텐츠는 정확하지 않을 수 있습니다.">
+            <a:extLst>
+              <a:ext uri="{FF2B5EF4-FFF2-40B4-BE49-F238E27FC236}">
+                <a16:creationId xmlns:a16="http://schemas.microsoft.com/office/drawing/2014/main" id="{6C80195E-ED61-3FCA-27F9-0756F49B0F20}"/>
+              </a:ext>
+            </a:extLst>
+          </p:cNvPr>
+          <p:cNvPicPr>
+            <a:picLocks noChangeAspect="1"/>
+          </p:cNvPicPr>
+          <p:nvPr/>
+        </p:nvPicPr>
+        <p:blipFill>
+          <a:blip r:embed="rId2"/>
+          <a:stretch>
+            <a:fillRect/>
+          </a:stretch>
+        </p:blipFill>
+        <p:spPr>
+          <a:xfrm>
+            <a:off x="2727428" y="2350524"/>
+            <a:ext cx="6734175" cy="4248150"/>
+          </a:xfrm>
+          <a:prstGeom prst="rect">
+            <a:avLst/>
+          </a:prstGeom>
+        </p:spPr>
+      </p:pic>
+      <p:sp>
+        <p:nvSpPr>
+          <p:cNvPr id="2" name="제목 1">
+            <a:extLst>
+              <a:ext uri="{FF2B5EF4-FFF2-40B4-BE49-F238E27FC236}">
+                <a16:creationId xmlns:a16="http://schemas.microsoft.com/office/drawing/2014/main" id="{FD986A25-94A2-8B01-962D-3A58ABCAFF08}"/>
+              </a:ext>
+            </a:extLst>
+          </p:cNvPr>
+          <p:cNvSpPr>
+            <a:spLocks noGrp="1"/>
+          </p:cNvSpPr>
+          <p:nvPr>
+            <p:ph type="title"/>
+          </p:nvPr>
+        </p:nvSpPr>
+        <p:spPr/>
+        <p:txBody>
+          <a:bodyPr/>
+          <a:lstStyle/>
+          <a:p>
+            <a:r>
+              <a:rPr lang="ko-KR" altLang="en-US" dirty="0" err="1">
+                <a:ea typeface="맑은 고딕"/>
+              </a:rPr>
+              <a:t>Subgradient</a:t>
+            </a:r>
+            <a:r>
+              <a:rPr lang="ko-KR" altLang="en-US" dirty="0">
+                <a:ea typeface="맑은 고딕"/>
+              </a:rPr>
+              <a:t> </a:t>
+            </a:r>
+            <a:r>
+              <a:rPr lang="ko-KR" altLang="en-US" dirty="0" err="1">
+                <a:ea typeface="맑은 고딕"/>
+              </a:rPr>
+              <a:t>method</a:t>
+            </a:r>
+            <a:endParaRPr lang="ko-KR" dirty="0" err="1"/>
+          </a:p>
+        </p:txBody>
+      </p:sp>
+      <p:pic>
+        <p:nvPicPr>
+          <p:cNvPr id="4" name="내용 개체 틀 3" descr="폰트, 라인, 화이트, 서예이(가) 표시된 사진&#10;&#10;AI 생성 콘텐츠는 정확하지 않을 수 있습니다.">
+            <a:extLst>
+              <a:ext uri="{FF2B5EF4-FFF2-40B4-BE49-F238E27FC236}">
+                <a16:creationId xmlns:a16="http://schemas.microsoft.com/office/drawing/2014/main" id="{D8A488DE-5E73-CB89-D2BF-5FF21F737065}"/>
+              </a:ext>
+            </a:extLst>
+          </p:cNvPr>
+          <p:cNvPicPr>
+            <a:picLocks noGrp="1" noChangeAspect="1"/>
+          </p:cNvPicPr>
+          <p:nvPr>
+            <p:ph idx="1"/>
+          </p:nvPr>
+        </p:nvPicPr>
+        <p:blipFill>
+          <a:blip r:embed="rId3"/>
+          <a:stretch>
+            <a:fillRect/>
+          </a:stretch>
+        </p:blipFill>
+        <p:spPr>
+          <a:xfrm>
+            <a:off x="4628791" y="2098547"/>
+            <a:ext cx="3114675" cy="495300"/>
+          </a:xfrm>
+          <a:prstGeom prst="rect">
+            <a:avLst/>
+          </a:prstGeom>
+        </p:spPr>
+      </p:pic>
+      <p:pic>
+        <p:nvPicPr>
+          <p:cNvPr id="3" name="그림 2" descr="폰트, 타이포그래피, 서예, 텍스트이(가) 표시된 사진&#10;&#10;AI 생성 콘텐츠는 정확하지 않을 수 있습니다.">
+            <a:extLst>
+              <a:ext uri="{FF2B5EF4-FFF2-40B4-BE49-F238E27FC236}">
+                <a16:creationId xmlns:a16="http://schemas.microsoft.com/office/drawing/2014/main" id="{B86FA526-BBCF-A081-03FE-4ABF0DF5323B}"/>
+              </a:ext>
+            </a:extLst>
+          </p:cNvPr>
+          <p:cNvPicPr>
+            <a:picLocks noChangeAspect="1"/>
+          </p:cNvPicPr>
+          <p:nvPr/>
+        </p:nvPicPr>
+        <p:blipFill>
+          <a:blip r:embed="rId4"/>
+          <a:stretch>
+            <a:fillRect/>
+          </a:stretch>
+        </p:blipFill>
+        <p:spPr>
+          <a:xfrm>
+            <a:off x="6362120" y="756697"/>
+            <a:ext cx="5829300" cy="571500"/>
+          </a:xfrm>
+          <a:prstGeom prst="rect">
+            <a:avLst/>
+          </a:prstGeom>
+        </p:spPr>
+      </p:pic>
+    </p:spTree>
+    <p:extLst>
+      <p:ext uri="{BB962C8B-B14F-4D97-AF65-F5344CB8AC3E}">
+        <p14:creationId xmlns:p14="http://schemas.microsoft.com/office/powerpoint/2010/main" val="861769090"/>
+      </p:ext>
+    </p:extLst>
+  </p:cSld>
+  <p:clrMapOvr>
+    <a:masterClrMapping/>
+  </p:clrMapOvr>
+</p:sld>
+</file>
+
+<file path=ppt/slides/slide19.xml><?xml version="1.0" encoding="utf-8"?>
+<p:sld xmlns:a="http://schemas.openxmlformats.org/drawingml/2006/main" xmlns:r="http://schemas.openxmlformats.org/officeDocument/2006/relationships" xmlns:p="http://schemas.openxmlformats.org/presentationml/2006/main">
+  <p:cSld>
+    <p:spTree>
+      <p:nvGrpSpPr>
+        <p:cNvPr id="1" name="">
+          <a:extLst>
+            <a:ext uri="{FF2B5EF4-FFF2-40B4-BE49-F238E27FC236}">
+              <a16:creationId xmlns:a16="http://schemas.microsoft.com/office/drawing/2014/main" id="{A662887F-C232-E029-F094-2D1B71ECCD10}"/>
+            </a:ext>
+          </a:extLst>
+        </p:cNvPr>
+        <p:cNvGrpSpPr/>
+        <p:nvPr/>
+      </p:nvGrpSpPr>
+      <p:grpSpPr>
+        <a:xfrm>
+          <a:off x="0" y="0"/>
+          <a:ext cx="0" cy="0"/>
+          <a:chOff x="0" y="0"/>
+          <a:chExt cx="0" cy="0"/>
+        </a:xfrm>
+      </p:grpSpPr>
+      <p:sp>
+        <p:nvSpPr>
+          <p:cNvPr id="2" name="제목 1">
+            <a:extLst>
+              <a:ext uri="{FF2B5EF4-FFF2-40B4-BE49-F238E27FC236}">
+                <a16:creationId xmlns:a16="http://schemas.microsoft.com/office/drawing/2014/main" id="{275FAC99-90DC-80BA-11DC-C1283D51DD6C}"/>
+              </a:ext>
+            </a:extLst>
+          </p:cNvPr>
+          <p:cNvSpPr>
+            <a:spLocks noGrp="1"/>
+          </p:cNvSpPr>
+          <p:nvPr>
+            <p:ph type="title"/>
+          </p:nvPr>
+        </p:nvSpPr>
+        <p:spPr/>
+        <p:txBody>
+          <a:bodyPr/>
+          <a:lstStyle/>
+          <a:p>
+            <a:r>
+              <a:rPr lang="ko-KR" altLang="en-US" dirty="0" err="1">
+                <a:ea typeface="맑은 고딕"/>
+              </a:rPr>
+              <a:t>Subgradient</a:t>
+            </a:r>
+            <a:r>
+              <a:rPr lang="ko-KR" altLang="en-US" dirty="0">
+                <a:ea typeface="맑은 고딕"/>
+              </a:rPr>
+              <a:t> </a:t>
+            </a:r>
+            <a:r>
+              <a:rPr lang="ko-KR" altLang="en-US" dirty="0" err="1">
+                <a:ea typeface="맑은 고딕"/>
+              </a:rPr>
+              <a:t>method</a:t>
+            </a:r>
+            <a:endParaRPr lang="ko-KR" altLang="en-US" dirty="0" err="1"/>
+          </a:p>
+        </p:txBody>
+      </p:sp>
+      <p:pic>
+        <p:nvPicPr>
+          <p:cNvPr id="10" name="그림 9" descr="폰트, 텍스트, 친필, 라인이(가) 표시된 사진&#10;&#10;AI 생성 콘텐츠는 정확하지 않을 수 있습니다.">
+            <a:extLst>
+              <a:ext uri="{FF2B5EF4-FFF2-40B4-BE49-F238E27FC236}">
+                <a16:creationId xmlns:a16="http://schemas.microsoft.com/office/drawing/2014/main" id="{DA52586D-A1C1-1864-A2A6-1F679770B850}"/>
+              </a:ext>
+            </a:extLst>
+          </p:cNvPr>
+          <p:cNvPicPr>
+            <a:picLocks noChangeAspect="1"/>
+          </p:cNvPicPr>
+          <p:nvPr/>
+        </p:nvPicPr>
+        <p:blipFill>
+          <a:blip r:embed="rId2"/>
+          <a:stretch>
+            <a:fillRect/>
+          </a:stretch>
+        </p:blipFill>
+        <p:spPr>
+          <a:xfrm>
+            <a:off x="937035" y="2684052"/>
+            <a:ext cx="5467350" cy="752475"/>
+          </a:xfrm>
+          <a:prstGeom prst="rect">
+            <a:avLst/>
+          </a:prstGeom>
+        </p:spPr>
+      </p:pic>
+      <p:pic>
+        <p:nvPicPr>
+          <p:cNvPr id="12" name="그림 11" descr="텍스트, 폰트, 라인, 화이트이(가) 표시된 사진&#10;&#10;AI 생성 콘텐츠는 정확하지 않을 수 있습니다.">
+            <a:extLst>
+              <a:ext uri="{FF2B5EF4-FFF2-40B4-BE49-F238E27FC236}">
+                <a16:creationId xmlns:a16="http://schemas.microsoft.com/office/drawing/2014/main" id="{04888EA6-D32D-BAD1-8D47-BF3206DB377D}"/>
+              </a:ext>
+            </a:extLst>
+          </p:cNvPr>
+          <p:cNvPicPr>
+            <a:picLocks noChangeAspect="1"/>
+          </p:cNvPicPr>
+          <p:nvPr/>
+        </p:nvPicPr>
+        <p:blipFill>
+          <a:blip r:embed="rId3"/>
+          <a:stretch>
+            <a:fillRect/>
+          </a:stretch>
+        </p:blipFill>
+        <p:spPr>
+          <a:xfrm>
+            <a:off x="938673" y="1716446"/>
+            <a:ext cx="4857750" cy="704850"/>
+          </a:xfrm>
+          <a:prstGeom prst="rect">
+            <a:avLst/>
+          </a:prstGeom>
+        </p:spPr>
+      </p:pic>
+      <p:pic>
+        <p:nvPicPr>
+          <p:cNvPr id="13" name="그림 12" descr="폰트, 텍스트, 라인, 친필이(가) 표시된 사진&#10;&#10;AI 생성 콘텐츠는 정확하지 않을 수 있습니다.">
+            <a:extLst>
+              <a:ext uri="{FF2B5EF4-FFF2-40B4-BE49-F238E27FC236}">
+                <a16:creationId xmlns:a16="http://schemas.microsoft.com/office/drawing/2014/main" id="{C2C86CF3-D586-BF08-066C-AD5782F4312B}"/>
+              </a:ext>
+            </a:extLst>
+          </p:cNvPr>
+          <p:cNvPicPr>
+            <a:picLocks noChangeAspect="1"/>
+          </p:cNvPicPr>
+          <p:nvPr/>
+        </p:nvPicPr>
+        <p:blipFill>
+          <a:blip r:embed="rId4"/>
+          <a:stretch>
+            <a:fillRect/>
+          </a:stretch>
+        </p:blipFill>
+        <p:spPr>
+          <a:xfrm>
+            <a:off x="938929" y="3629588"/>
+            <a:ext cx="8429625" cy="1057275"/>
+          </a:xfrm>
+          <a:prstGeom prst="rect">
+            <a:avLst/>
+          </a:prstGeom>
+        </p:spPr>
+      </p:pic>
+      <p:pic>
+        <p:nvPicPr>
+          <p:cNvPr id="14" name="그림 13" descr="폰트, 도표, 친필, 화이트이(가) 표시된 사진&#10;&#10;AI 생성 콘텐츠는 정확하지 않을 수 있습니다.">
+            <a:extLst>
+              <a:ext uri="{FF2B5EF4-FFF2-40B4-BE49-F238E27FC236}">
+                <a16:creationId xmlns:a16="http://schemas.microsoft.com/office/drawing/2014/main" id="{E5AFF17E-5DDF-36E0-F9FE-464182AE9F30}"/>
+              </a:ext>
+            </a:extLst>
+          </p:cNvPr>
+          <p:cNvPicPr>
+            <a:picLocks noChangeAspect="1"/>
+          </p:cNvPicPr>
+          <p:nvPr/>
+        </p:nvPicPr>
+        <p:blipFill>
+          <a:blip r:embed="rId5"/>
+          <a:stretch>
+            <a:fillRect/>
+          </a:stretch>
+        </p:blipFill>
+        <p:spPr>
+          <a:xfrm>
+            <a:off x="938007" y="5213247"/>
+            <a:ext cx="5629275" cy="1200150"/>
+          </a:xfrm>
+          <a:prstGeom prst="rect">
+            <a:avLst/>
+          </a:prstGeom>
+        </p:spPr>
+      </p:pic>
+      <p:pic>
+        <p:nvPicPr>
+          <p:cNvPr id="15" name="그림 14" descr="폰트, 친필, 서예, 타이포그래피이(가) 표시된 사진&#10;&#10;AI 생성 콘텐츠는 정확하지 않을 수 있습니다.">
+            <a:extLst>
+              <a:ext uri="{FF2B5EF4-FFF2-40B4-BE49-F238E27FC236}">
+                <a16:creationId xmlns:a16="http://schemas.microsoft.com/office/drawing/2014/main" id="{9D39EDD6-6CE4-DD9A-2906-FA7786357E21}"/>
+              </a:ext>
+            </a:extLst>
+          </p:cNvPr>
+          <p:cNvPicPr>
+            <a:picLocks noChangeAspect="1"/>
+          </p:cNvPicPr>
+          <p:nvPr/>
+        </p:nvPicPr>
+        <p:blipFill>
+          <a:blip r:embed="rId6"/>
+          <a:stretch>
+            <a:fillRect/>
+          </a:stretch>
+        </p:blipFill>
+        <p:spPr>
+          <a:xfrm>
+            <a:off x="6736376" y="5625127"/>
+            <a:ext cx="2619375" cy="523875"/>
+          </a:xfrm>
+          <a:prstGeom prst="rect">
+            <a:avLst/>
+          </a:prstGeom>
+        </p:spPr>
+      </p:pic>
+      <p:pic>
+        <p:nvPicPr>
+          <p:cNvPr id="4" name="그림 3" descr="폰트, 텍스트, 친필, 화이트이(가) 표시된 사진&#10;&#10;AI 생성 콘텐츠는 정확하지 않을 수 있습니다.">
+            <a:extLst>
+              <a:ext uri="{FF2B5EF4-FFF2-40B4-BE49-F238E27FC236}">
+                <a16:creationId xmlns:a16="http://schemas.microsoft.com/office/drawing/2014/main" id="{CC5B9941-26D7-22AA-28A6-00DD918FF662}"/>
+              </a:ext>
+            </a:extLst>
+          </p:cNvPr>
+          <p:cNvPicPr>
+            <a:picLocks noChangeAspect="1"/>
+          </p:cNvPicPr>
+          <p:nvPr/>
+        </p:nvPicPr>
+        <p:blipFill>
+          <a:blip r:embed="rId7"/>
+          <a:srcRect l="11481" r="-166" b="-1250"/>
+          <a:stretch>
+            <a:fillRect/>
+          </a:stretch>
+        </p:blipFill>
+        <p:spPr>
+          <a:xfrm>
+            <a:off x="1461509" y="1681223"/>
+            <a:ext cx="4837087" cy="735704"/>
+          </a:xfrm>
+          <a:prstGeom prst="rect">
+            <a:avLst/>
+          </a:prstGeom>
+        </p:spPr>
+      </p:pic>
+    </p:spTree>
+    <p:extLst>
+      <p:ext uri="{BB962C8B-B14F-4D97-AF65-F5344CB8AC3E}">
+        <p14:creationId xmlns:p14="http://schemas.microsoft.com/office/powerpoint/2010/main" val="1136358768"/>
+      </p:ext>
+    </p:extLst>
+  </p:cSld>
+  <p:clrMapOvr>
+    <a:masterClrMapping/>
+  </p:clrMapOvr>
+</p:sld>
+</file>
+
+<file path=ppt/slides/slide2.xml><?xml version="1.0" encoding="utf-8"?>
+<p:sld xmlns:a="http://schemas.openxmlformats.org/drawingml/2006/main" xmlns:r="http://schemas.openxmlformats.org/officeDocument/2006/relationships" xmlns:p="http://schemas.openxmlformats.org/presentationml/2006/main">
+  <p:cSld>
+    <p:spTree>
+      <p:nvGrpSpPr>
+        <p:cNvPr id="1" name=""/>
+        <p:cNvGrpSpPr/>
+        <p:nvPr/>
+      </p:nvGrpSpPr>
+      <p:grpSpPr>
+        <a:xfrm>
+          <a:off x="0" y="0"/>
+          <a:ext cx="0" cy="0"/>
+          <a:chOff x="0" y="0"/>
+          <a:chExt cx="0" cy="0"/>
+        </a:xfrm>
+      </p:grpSpPr>
+      <p:pic>
+        <p:nvPicPr>
+          <p:cNvPr id="4" name="그림 3" descr="텍스트, 스크린샷, 폰트, 번호이(가) 표시된 사진&#10;&#10;AI 생성 콘텐츠는 정확하지 않을 수 있습니다.">
+            <a:extLst>
+              <a:ext uri="{FF2B5EF4-FFF2-40B4-BE49-F238E27FC236}">
+                <a16:creationId xmlns:a16="http://schemas.microsoft.com/office/drawing/2014/main" id="{7B42D9F8-077A-660C-1232-D55EE7DC3CC0}"/>
+              </a:ext>
+            </a:extLst>
+          </p:cNvPr>
+          <p:cNvPicPr>
+            <a:picLocks noChangeAspect="1"/>
+          </p:cNvPicPr>
+          <p:nvPr/>
+        </p:nvPicPr>
+        <p:blipFill>
+          <a:blip r:embed="rId2"/>
+          <a:stretch>
+            <a:fillRect/>
+          </a:stretch>
+        </p:blipFill>
+        <p:spPr>
+          <a:xfrm>
+            <a:off x="2005445" y="0"/>
+            <a:ext cx="8181109" cy="6858000"/>
+          </a:xfrm>
+          <a:prstGeom prst="rect">
+            <a:avLst/>
+          </a:prstGeom>
+        </p:spPr>
+      </p:pic>
+      <p:sp>
+        <p:nvSpPr>
+          <p:cNvPr id="5" name="직사각형 4">
+            <a:extLst>
+              <a:ext uri="{FF2B5EF4-FFF2-40B4-BE49-F238E27FC236}">
+                <a16:creationId xmlns:a16="http://schemas.microsoft.com/office/drawing/2014/main" id="{8CA88493-6DB3-3606-5937-35A6AB2F7B9A}"/>
+              </a:ext>
+            </a:extLst>
+          </p:cNvPr>
+          <p:cNvSpPr/>
+          <p:nvPr/>
+        </p:nvSpPr>
+        <p:spPr>
+          <a:xfrm>
+            <a:off x="2098109" y="929012"/>
+            <a:ext cx="866383" cy="240083"/>
+          </a:xfrm>
+          <a:prstGeom prst="rect">
+            <a:avLst/>
+          </a:prstGeom>
+          <a:solidFill>
+            <a:schemeClr val="tx1"/>
+          </a:solidFill>
+          <a:ln>
+            <a:solidFill>
+              <a:schemeClr val="tx1"/>
+            </a:solidFill>
+          </a:ln>
+        </p:spPr>
+        <p:style>
+          <a:lnRef idx="2">
+            <a:schemeClr val="accent1">
+              <a:shade val="15000"/>
+            </a:schemeClr>
+          </a:lnRef>
+          <a:fillRef idx="1">
+            <a:schemeClr val="accent1"/>
+          </a:fillRef>
+          <a:effectRef idx="0">
+            <a:schemeClr val="accent1"/>
+          </a:effectRef>
+          <a:fontRef idx="minor">
+            <a:schemeClr val="lt1"/>
+          </a:fontRef>
+        </p:style>
+        <p:txBody>
+          <a:bodyPr rtlCol="0" anchor="ctr"/>
+          <a:lstStyle/>
+          <a:p>
+            <a:pPr algn="ctr"/>
+            <a:endParaRPr lang="ko-KR" altLang="en-US"/>
+          </a:p>
+        </p:txBody>
+      </p:sp>
+      <p:sp>
+        <p:nvSpPr>
+          <p:cNvPr id="6" name="직사각형 5">
+            <a:extLst>
+              <a:ext uri="{FF2B5EF4-FFF2-40B4-BE49-F238E27FC236}">
+                <a16:creationId xmlns:a16="http://schemas.microsoft.com/office/drawing/2014/main" id="{42E0196F-CE7D-8569-F41E-94E9F8C4BCE3}"/>
+              </a:ext>
+            </a:extLst>
+          </p:cNvPr>
+          <p:cNvSpPr/>
+          <p:nvPr/>
+        </p:nvSpPr>
+        <p:spPr>
+          <a:xfrm>
+            <a:off x="2098108" y="83506"/>
+            <a:ext cx="511479" cy="187892"/>
+          </a:xfrm>
+          <a:prstGeom prst="rect">
+            <a:avLst/>
+          </a:prstGeom>
+          <a:solidFill>
+            <a:schemeClr val="tx1"/>
+          </a:solidFill>
+          <a:ln>
+            <a:solidFill>
+              <a:schemeClr val="tx1"/>
+            </a:solidFill>
+          </a:ln>
+        </p:spPr>
+        <p:style>
+          <a:lnRef idx="2">
+            <a:schemeClr val="accent1">
+              <a:shade val="15000"/>
+            </a:schemeClr>
+          </a:lnRef>
+          <a:fillRef idx="1">
+            <a:schemeClr val="accent1"/>
+          </a:fillRef>
+          <a:effectRef idx="0">
+            <a:schemeClr val="accent1"/>
+          </a:effectRef>
+          <a:fontRef idx="minor">
+            <a:schemeClr val="lt1"/>
+          </a:fontRef>
+        </p:style>
+        <p:txBody>
+          <a:bodyPr rtlCol="0" anchor="ctr"/>
+          <a:lstStyle/>
+          <a:p>
+            <a:pPr algn="ctr"/>
+            <a:endParaRPr lang="ko-KR" altLang="en-US"/>
+          </a:p>
+        </p:txBody>
+      </p:sp>
+    </p:spTree>
+    <p:extLst>
+      <p:ext uri="{BB962C8B-B14F-4D97-AF65-F5344CB8AC3E}">
+        <p14:creationId xmlns:p14="http://schemas.microsoft.com/office/powerpoint/2010/main" val="2183170989"/>
+      </p:ext>
+    </p:extLst>
+  </p:cSld>
+  <p:clrMapOvr>
+    <a:masterClrMapping/>
+  </p:clrMapOvr>
+</p:sld>
+</file>
+
+<file path=ppt/slides/slide20.xml><?xml version="1.0" encoding="utf-8"?>
+<p:sld xmlns:a="http://schemas.openxmlformats.org/drawingml/2006/main" xmlns:r="http://schemas.openxmlformats.org/officeDocument/2006/relationships" xmlns:p="http://schemas.openxmlformats.org/presentationml/2006/main">
+  <p:cSld>
+    <p:spTree>
+      <p:nvGrpSpPr>
+        <p:cNvPr id="1" name=""/>
+        <p:cNvGrpSpPr/>
+        <p:nvPr/>
+      </p:nvGrpSpPr>
+      <p:grpSpPr>
+        <a:xfrm>
+          <a:off x="0" y="0"/>
+          <a:ext cx="0" cy="0"/>
+          <a:chOff x="0" y="0"/>
+          <a:chExt cx="0" cy="0"/>
+        </a:xfrm>
+      </p:grpSpPr>
+      <p:sp>
+        <p:nvSpPr>
+          <p:cNvPr id="2" name="제목 1">
+            <a:extLst>
+              <a:ext uri="{FF2B5EF4-FFF2-40B4-BE49-F238E27FC236}">
                 <a16:creationId xmlns:a16="http://schemas.microsoft.com/office/drawing/2014/main" id="{E3D8F614-7CB9-7995-823F-7AF883AF8A7B}"/>
               </a:ext>
             </a:extLst>
@@ -6019,7 +6183,7 @@
           <p:nvPr/>
         </p:nvPicPr>
         <p:blipFill>
-          <a:blip r:embed="rId2"/>
+          <a:blip r:embed="rId3"/>
           <a:stretch>
             <a:fillRect/>
           </a:stretch>
@@ -6047,7 +6211,7 @@
 </p:sld>
 </file>
 
-<file path=ppt/slides/slide22.xml><?xml version="1.0" encoding="utf-8"?>
+<file path=ppt/slides/slide21.xml><?xml version="1.0" encoding="utf-8"?>
 <p:sld xmlns:a="http://schemas.openxmlformats.org/drawingml/2006/main" xmlns:r="http://schemas.openxmlformats.org/officeDocument/2006/relationships" xmlns:p="http://schemas.openxmlformats.org/presentationml/2006/main">
   <p:cSld>
     <p:spTree>
@@ -8751,35 +8915,6 @@
               </a:rPr>
               <a:t>?</a:t>
             </a:r>
-          </a:p>
-        </p:txBody>
-      </p:sp>
-      <p:sp>
-        <p:nvSpPr>
-          <p:cNvPr id="3" name="내용 개체 틀 2">
-            <a:extLst>
-              <a:ext uri="{FF2B5EF4-FFF2-40B4-BE49-F238E27FC236}">
-                <a16:creationId xmlns:a16="http://schemas.microsoft.com/office/drawing/2014/main" id="{CE04BA8C-10CE-0FF9-5BA0-33CF9310B026}"/>
-              </a:ext>
-            </a:extLst>
-          </p:cNvPr>
-          <p:cNvSpPr>
-            <a:spLocks noGrp="1"/>
-          </p:cNvSpPr>
-          <p:nvPr>
-            <p:ph idx="1"/>
-          </p:nvPr>
-        </p:nvSpPr>
-        <p:spPr/>
-        <p:txBody>
-          <a:bodyPr vert="horz" lIns="91440" tIns="45720" rIns="91440" bIns="45720" rtlCol="0" anchor="t">
-            <a:normAutofit/>
-          </a:bodyPr>
-          <a:lstStyle/>
-          <a:p>
-            <a:endParaRPr lang="en-US" altLang="ko-KR" dirty="0">
-              <a:ea typeface="맑은 고딕"/>
-            </a:endParaRPr>
           </a:p>
         </p:txBody>
       </p:sp>
@@ -9075,4 +9210,299 @@
     </a:ext>
   </a:extLst>
 </a:theme>
+</file>
+
+<file path=ppt/theme/theme2.xml><?xml version="1.0" encoding="utf-8"?>
+<a:theme xmlns:a="http://schemas.openxmlformats.org/drawingml/2006/main" name="Office 테마">
+  <a:themeElements>
+    <a:clrScheme name="Office">
+      <a:dk1>
+        <a:sysClr val="windowText" lastClr="000000"/>
+      </a:dk1>
+      <a:lt1>
+        <a:sysClr val="window" lastClr="FFFFFF"/>
+      </a:lt1>
+      <a:dk2>
+        <a:srgbClr val="44546A"/>
+      </a:dk2>
+      <a:lt2>
+        <a:srgbClr val="E7E6E6"/>
+      </a:lt2>
+      <a:accent1>
+        <a:srgbClr val="4472C4"/>
+      </a:accent1>
+      <a:accent2>
+        <a:srgbClr val="ED7D31"/>
+      </a:accent2>
+      <a:accent3>
+        <a:srgbClr val="A5A5A5"/>
+      </a:accent3>
+      <a:accent4>
+        <a:srgbClr val="FFC000"/>
+      </a:accent4>
+      <a:accent5>
+        <a:srgbClr val="5B9BD5"/>
+      </a:accent5>
+      <a:accent6>
+        <a:srgbClr val="70AD47"/>
+      </a:accent6>
+      <a:hlink>
+        <a:srgbClr val="0563C1"/>
+      </a:hlink>
+      <a:folHlink>
+        <a:srgbClr val="954F72"/>
+      </a:folHlink>
+    </a:clrScheme>
+    <a:fontScheme name="Office">
+      <a:majorFont>
+        <a:latin typeface="맑은 고딕" panose="020F0302020204030204"/>
+        <a:ea typeface=""/>
+        <a:cs typeface=""/>
+        <a:font script="Jpan" typeface="游ゴシック Light"/>
+        <a:font script="Hang" typeface="맑은 고딕"/>
+        <a:font script="Hans" typeface="等线 Light"/>
+        <a:font script="Hant" typeface="新細明體"/>
+        <a:font script="Arab" typeface="Times New Roman"/>
+        <a:font script="Hebr" typeface="Times New Roman"/>
+        <a:font script="Thai" typeface="Angsana New"/>
+        <a:font script="Ethi" typeface="Nyala"/>
+        <a:font script="Beng" typeface="Vrinda"/>
+        <a:font script="Gujr" typeface="Shruti"/>
+        <a:font script="Khmr" typeface="MoolBoran"/>
+        <a:font script="Knda" typeface="Tunga"/>
+        <a:font script="Guru" typeface="Raavi"/>
+        <a:font script="Cans" typeface="Euphemia"/>
+        <a:font script="Cher" typeface="Plantagenet Cherokee"/>
+        <a:font script="Yiii" typeface="Microsoft Yi Baiti"/>
+        <a:font script="Tibt" typeface="Microsoft Himalaya"/>
+        <a:font script="Thaa" typeface="MV Boli"/>
+        <a:font script="Deva" typeface="Mangal"/>
+        <a:font script="Telu" typeface="Gautami"/>
+        <a:font script="Taml" typeface="Latha"/>
+        <a:font script="Syrc" typeface="Estrangelo Edessa"/>
+        <a:font script="Orya" typeface="Kalinga"/>
+        <a:font script="Mlym" typeface="Kartika"/>
+        <a:font script="Laoo" typeface="DokChampa"/>
+        <a:font script="Sinh" typeface="Iskoola Pota"/>
+        <a:font script="Mong" typeface="Mongolian Baiti"/>
+        <a:font script="Viet" typeface="Times New Roman"/>
+        <a:font script="Uigh" typeface="Microsoft Uighur"/>
+        <a:font script="Geor" typeface="Sylfaen"/>
+        <a:font script="Armn" typeface="Arial"/>
+        <a:font script="Bugi" typeface="Leelawadee UI"/>
+        <a:font script="Bopo" typeface="Microsoft JhengHei"/>
+        <a:font script="Java" typeface="Javanese Text"/>
+        <a:font script="Lisu" typeface="Segoe UI"/>
+        <a:font script="Mymr" typeface="Myanmar Text"/>
+        <a:font script="Nkoo" typeface="Ebrima"/>
+        <a:font script="Olck" typeface="Nirmala UI"/>
+        <a:font script="Osma" typeface="Ebrima"/>
+        <a:font script="Phag" typeface="Phagspa"/>
+        <a:font script="Syrn" typeface="Estrangelo Edessa"/>
+        <a:font script="Syrj" typeface="Estrangelo Edessa"/>
+        <a:font script="Syre" typeface="Estrangelo Edessa"/>
+        <a:font script="Sora" typeface="Nirmala UI"/>
+        <a:font script="Tale" typeface="Microsoft Tai Le"/>
+        <a:font script="Talu" typeface="Microsoft New Tai Lue"/>
+        <a:font script="Tfng" typeface="Ebrima"/>
+      </a:majorFont>
+      <a:minorFont>
+        <a:latin typeface="맑은 고딕" panose="020F0502020204030204"/>
+        <a:ea typeface=""/>
+        <a:cs typeface=""/>
+        <a:font script="Jpan" typeface="游ゴシック"/>
+        <a:font script="Hang" typeface="맑은 고딕"/>
+        <a:font script="Hans" typeface="等线"/>
+        <a:font script="Hant" typeface="新細明體"/>
+        <a:font script="Arab" typeface="Arial"/>
+        <a:font script="Hebr" typeface="Arial"/>
+        <a:font script="Thai" typeface="Cordia New"/>
+        <a:font script="Ethi" typeface="Nyala"/>
+        <a:font script="Beng" typeface="Vrinda"/>
+        <a:font script="Gujr" typeface="Shruti"/>
+        <a:font script="Khmr" typeface="DaunPenh"/>
+        <a:font script="Knda" typeface="Tunga"/>
+        <a:font script="Guru" typeface="Raavi"/>
+        <a:font script="Cans" typeface="Euphemia"/>
+        <a:font script="Cher" typeface="Plantagenet Cherokee"/>
+        <a:font script="Yiii" typeface="Microsoft Yi Baiti"/>
+        <a:font script="Tibt" typeface="Microsoft Himalaya"/>
+        <a:font script="Thaa" typeface="MV Boli"/>
+        <a:font script="Deva" typeface="Mangal"/>
+        <a:font script="Telu" typeface="Gautami"/>
+        <a:font script="Taml" typeface="Latha"/>
+        <a:font script="Syrc" typeface="Estrangelo Edessa"/>
+        <a:font script="Orya" typeface="Kalinga"/>
+        <a:font script="Mlym" typeface="Kartika"/>
+        <a:font script="Laoo" typeface="DokChampa"/>
+        <a:font script="Sinh" typeface="Iskoola Pota"/>
+        <a:font script="Mong" typeface="Mongolian Baiti"/>
+        <a:font script="Viet" typeface="Arial"/>
+        <a:font script="Uigh" typeface="Microsoft Uighur"/>
+        <a:font script="Geor" typeface="Sylfaen"/>
+        <a:font script="Armn" typeface="Arial"/>
+        <a:font script="Bugi" typeface="Leelawadee UI"/>
+        <a:font script="Bopo" typeface="Microsoft JhengHei"/>
+        <a:font script="Java" typeface="Javanese Text"/>
+        <a:font script="Lisu" typeface="Segoe UI"/>
+        <a:font script="Mymr" typeface="Myanmar Text"/>
+        <a:font script="Nkoo" typeface="Ebrima"/>
+        <a:font script="Olck" typeface="Nirmala UI"/>
+        <a:font script="Osma" typeface="Ebrima"/>
+        <a:font script="Phag" typeface="Phagspa"/>
+        <a:font script="Syrn" typeface="Estrangelo Edessa"/>
+        <a:font script="Syrj" typeface="Estrangelo Edessa"/>
+        <a:font script="Syre" typeface="Estrangelo Edessa"/>
+        <a:font script="Sora" typeface="Nirmala UI"/>
+        <a:font script="Tale" typeface="Microsoft Tai Le"/>
+        <a:font script="Talu" typeface="Microsoft New Tai Lue"/>
+        <a:font script="Tfng" typeface="Ebrima"/>
+      </a:minorFont>
+    </a:fontScheme>
+    <a:fmtScheme name="Office">
+      <a:fillStyleLst>
+        <a:solidFill>
+          <a:schemeClr val="phClr"/>
+        </a:solidFill>
+        <a:gradFill rotWithShape="1">
+          <a:gsLst>
+            <a:gs pos="0">
+              <a:schemeClr val="phClr">
+                <a:lumMod val="110000"/>
+                <a:satMod val="105000"/>
+                <a:tint val="67000"/>
+              </a:schemeClr>
+            </a:gs>
+            <a:gs pos="50000">
+              <a:schemeClr val="phClr">
+                <a:lumMod val="105000"/>
+                <a:satMod val="103000"/>
+                <a:tint val="73000"/>
+              </a:schemeClr>
+            </a:gs>
+            <a:gs pos="100000">
+              <a:schemeClr val="phClr">
+                <a:lumMod val="105000"/>
+                <a:satMod val="109000"/>
+                <a:tint val="81000"/>
+              </a:schemeClr>
+            </a:gs>
+          </a:gsLst>
+          <a:lin ang="5400000" scaled="0"/>
+        </a:gradFill>
+        <a:gradFill rotWithShape="1">
+          <a:gsLst>
+            <a:gs pos="0">
+              <a:schemeClr val="phClr">
+                <a:satMod val="103000"/>
+                <a:lumMod val="102000"/>
+                <a:tint val="94000"/>
+              </a:schemeClr>
+            </a:gs>
+            <a:gs pos="50000">
+              <a:schemeClr val="phClr">
+                <a:satMod val="110000"/>
+                <a:lumMod val="100000"/>
+                <a:shade val="100000"/>
+              </a:schemeClr>
+            </a:gs>
+            <a:gs pos="100000">
+              <a:schemeClr val="phClr">
+                <a:lumMod val="99000"/>
+                <a:satMod val="120000"/>
+                <a:shade val="78000"/>
+              </a:schemeClr>
+            </a:gs>
+          </a:gsLst>
+          <a:lin ang="5400000" scaled="0"/>
+        </a:gradFill>
+      </a:fillStyleLst>
+      <a:lnStyleLst>
+        <a:ln w="6350" cap="flat" cmpd="sng" algn="ctr">
+          <a:solidFill>
+            <a:schemeClr val="phClr"/>
+          </a:solidFill>
+          <a:prstDash val="solid"/>
+          <a:miter lim="800000"/>
+        </a:ln>
+        <a:ln w="12700" cap="flat" cmpd="sng" algn="ctr">
+          <a:solidFill>
+            <a:schemeClr val="phClr"/>
+          </a:solidFill>
+          <a:prstDash val="solid"/>
+          <a:miter lim="800000"/>
+        </a:ln>
+        <a:ln w="19050" cap="flat" cmpd="sng" algn="ctr">
+          <a:solidFill>
+            <a:schemeClr val="phClr"/>
+          </a:solidFill>
+          <a:prstDash val="solid"/>
+          <a:miter lim="800000"/>
+        </a:ln>
+      </a:lnStyleLst>
+      <a:effectStyleLst>
+        <a:effectStyle>
+          <a:effectLst/>
+        </a:effectStyle>
+        <a:effectStyle>
+          <a:effectLst/>
+        </a:effectStyle>
+        <a:effectStyle>
+          <a:effectLst>
+            <a:outerShdw blurRad="57150" dist="19050" dir="5400000" algn="ctr" rotWithShape="0">
+              <a:srgbClr val="000000">
+                <a:alpha val="63000"/>
+              </a:srgbClr>
+            </a:outerShdw>
+          </a:effectLst>
+        </a:effectStyle>
+      </a:effectStyleLst>
+      <a:bgFillStyleLst>
+        <a:solidFill>
+          <a:schemeClr val="phClr"/>
+        </a:solidFill>
+        <a:solidFill>
+          <a:schemeClr val="phClr">
+            <a:tint val="95000"/>
+            <a:satMod val="170000"/>
+          </a:schemeClr>
+        </a:solidFill>
+        <a:gradFill rotWithShape="1">
+          <a:gsLst>
+            <a:gs pos="0">
+              <a:schemeClr val="phClr">
+                <a:tint val="93000"/>
+                <a:satMod val="150000"/>
+                <a:shade val="98000"/>
+                <a:lumMod val="102000"/>
+              </a:schemeClr>
+            </a:gs>
+            <a:gs pos="50000">
+              <a:schemeClr val="phClr">
+                <a:tint val="98000"/>
+                <a:satMod val="130000"/>
+                <a:shade val="90000"/>
+                <a:lumMod val="103000"/>
+              </a:schemeClr>
+            </a:gs>
+            <a:gs pos="100000">
+              <a:schemeClr val="phClr">
+                <a:shade val="63000"/>
+                <a:satMod val="120000"/>
+              </a:schemeClr>
+            </a:gs>
+          </a:gsLst>
+          <a:lin ang="5400000" scaled="0"/>
+        </a:gradFill>
+      </a:bgFillStyleLst>
+    </a:fmtScheme>
+  </a:themeElements>
+  <a:objectDefaults/>
+  <a:extraClrSchemeLst/>
+  <a:extLst>
+    <a:ext uri="{05A4C25C-085E-4340-85A3-A5531E510DB2}">
+      <thm15:themeFamily xmlns:thm15="http://schemas.microsoft.com/office/thememl/2012/main" name="Office Theme" id="{62F939B6-93AF-4DB8-9C6B-D6C7DFDC589F}" vid="{4A3C46E8-61CC-4603-A589-7422A47A8E4A}"/>
+    </a:ext>
+  </a:extLst>
+</a:theme>
 </file>
--- a/slides/GPS최소외접원.pptx
+++ b/slides/GPS최소외접원.pptx
@@ -5,7 +5,7 @@
     <p:sldMasterId id="2147483648" r:id="rId1"/>
   </p:sldMasterIdLst>
   <p:notesMasterIdLst>
-    <p:notesMasterId r:id="rId23"/>
+    <p:notesMasterId r:id="rId29"/>
   </p:notesMasterIdLst>
   <p:sldIdLst>
     <p:sldId id="256" r:id="rId2"/>
@@ -18,17 +18,23 @@
     <p:sldId id="263" r:id="rId9"/>
     <p:sldId id="265" r:id="rId10"/>
     <p:sldId id="267" r:id="rId11"/>
-    <p:sldId id="270" r:id="rId12"/>
-    <p:sldId id="266" r:id="rId13"/>
-    <p:sldId id="277" r:id="rId14"/>
-    <p:sldId id="278" r:id="rId15"/>
-    <p:sldId id="271" r:id="rId16"/>
-    <p:sldId id="273" r:id="rId17"/>
-    <p:sldId id="282" r:id="rId18"/>
-    <p:sldId id="284" r:id="rId19"/>
-    <p:sldId id="283" r:id="rId20"/>
-    <p:sldId id="279" r:id="rId21"/>
-    <p:sldId id="280" r:id="rId22"/>
+    <p:sldId id="286" r:id="rId12"/>
+    <p:sldId id="289" r:id="rId13"/>
+    <p:sldId id="287" r:id="rId14"/>
+    <p:sldId id="291" r:id="rId15"/>
+    <p:sldId id="292" r:id="rId16"/>
+    <p:sldId id="288" r:id="rId17"/>
+    <p:sldId id="270" r:id="rId18"/>
+    <p:sldId id="266" r:id="rId19"/>
+    <p:sldId id="277" r:id="rId20"/>
+    <p:sldId id="278" r:id="rId21"/>
+    <p:sldId id="271" r:id="rId22"/>
+    <p:sldId id="273" r:id="rId23"/>
+    <p:sldId id="282" r:id="rId24"/>
+    <p:sldId id="284" r:id="rId25"/>
+    <p:sldId id="283" r:id="rId26"/>
+    <p:sldId id="279" r:id="rId27"/>
+    <p:sldId id="280" r:id="rId28"/>
   </p:sldIdLst>
   <p:sldSz cx="12192000" cy="6858000"/>
   <p:notesSz cx="6858000" cy="9144000"/>
@@ -138,11 +144,7 @@
 <file path=ppt/revisionInfo.xml><?xml version="1.0" encoding="utf-8"?>
 <p1510:revInfo xmlns:a="http://schemas.openxmlformats.org/drawingml/2006/main" xmlns:r="http://schemas.openxmlformats.org/officeDocument/2006/relationships" xmlns:p1510="http://schemas.microsoft.com/office/powerpoint/2015/10/main">
   <p1510:revLst>
-    <p1510:client id="{0D5F90AB-6368-CA4B-B7B7-A84511356576}" v="4" dt="2025-10-28T03:37:21.783"/>
-    <p1510:client id="{181B1806-7E30-5B32-F797-1FDA66B60D9D}" v="10" dt="2025-10-26T18:47:23.407"/>
-    <p1510:client id="{8408600A-75C0-5006-5383-97DA4BF452AB}" v="636" dt="2025-10-27T11:40:59.804"/>
-    <p1510:client id="{BB7B28C5-6F0D-2E58-DCE4-E4BC7B61CEF8}" v="57" dt="2025-10-27T11:59:47.136"/>
-    <p1510:client id="{D3CBD985-1841-CD13-2B06-D0C18C3EC7EE}" v="26" dt="2025-10-28T02:09:56.665"/>
+    <p1510:client id="{0228A66A-6BD1-435A-D9D6-02DED01E3B26}" v="377" dt="2025-11-02T11:50:18.358"/>
   </p1510:revLst>
 </p1510:revInfo>
 </file>
@@ -228,7 +230,7 @@
           </a:lstStyle>
           <a:p>
             <a:fld id="{F4ADF756-7473-43E5-9C62-423E168F5AE2}" type="datetimeFigureOut">
-              <a:t>2025-10-27</a:t>
+              <a:t>2025-11-02</a:t>
             </a:fld>
             <a:endParaRPr lang="ko-KR" altLang="en-US"/>
           </a:p>
@@ -595,7 +597,7 @@
           <a:lstStyle/>
           <a:p>
             <a:fld id="{9B579577-8D08-44D3-8148-8C2AA7D60F3F}" type="slidenum">
-              <a:t>21</a:t>
+              <a:t>20</a:t>
             </a:fld>
             <a:endParaRPr lang="ko-KR" altLang="en-US"/>
           </a:p>
@@ -743,7 +745,7 @@
           <a:p>
             <a:fld id="{2566825D-2B69-4989-8861-A6901ABADB6C}" type="datetimeFigureOut">
               <a:rPr lang="ko-KR" altLang="en-US" smtClean="0"/>
-              <a:t>2025-10-27</a:t>
+              <a:t>2025-11-02</a:t>
             </a:fld>
             <a:endParaRPr lang="ko-KR" altLang="en-US"/>
           </a:p>
@@ -911,7 +913,7 @@
           <a:p>
             <a:fld id="{2566825D-2B69-4989-8861-A6901ABADB6C}" type="datetimeFigureOut">
               <a:rPr lang="ko-KR" altLang="en-US" smtClean="0"/>
-              <a:t>2025-10-27</a:t>
+              <a:t>2025-11-02</a:t>
             </a:fld>
             <a:endParaRPr lang="ko-KR" altLang="en-US"/>
           </a:p>
@@ -1089,7 +1091,7 @@
           <a:p>
             <a:fld id="{2566825D-2B69-4989-8861-A6901ABADB6C}" type="datetimeFigureOut">
               <a:rPr lang="ko-KR" altLang="en-US" smtClean="0"/>
-              <a:t>2025-10-27</a:t>
+              <a:t>2025-11-02</a:t>
             </a:fld>
             <a:endParaRPr lang="ko-KR" altLang="en-US"/>
           </a:p>
@@ -1257,7 +1259,7 @@
           <a:p>
             <a:fld id="{2566825D-2B69-4989-8861-A6901ABADB6C}" type="datetimeFigureOut">
               <a:rPr lang="ko-KR" altLang="en-US" smtClean="0"/>
-              <a:t>2025-10-27</a:t>
+              <a:t>2025-11-02</a:t>
             </a:fld>
             <a:endParaRPr lang="ko-KR" altLang="en-US"/>
           </a:p>
@@ -1502,7 +1504,7 @@
           <a:p>
             <a:fld id="{2566825D-2B69-4989-8861-A6901ABADB6C}" type="datetimeFigureOut">
               <a:rPr lang="ko-KR" altLang="en-US" smtClean="0"/>
-              <a:t>2025-10-27</a:t>
+              <a:t>2025-11-02</a:t>
             </a:fld>
             <a:endParaRPr lang="ko-KR" altLang="en-US"/>
           </a:p>
@@ -1731,7 +1733,7 @@
           <a:p>
             <a:fld id="{2566825D-2B69-4989-8861-A6901ABADB6C}" type="datetimeFigureOut">
               <a:rPr lang="ko-KR" altLang="en-US" smtClean="0"/>
-              <a:t>2025-10-27</a:t>
+              <a:t>2025-11-02</a:t>
             </a:fld>
             <a:endParaRPr lang="ko-KR" altLang="en-US"/>
           </a:p>
@@ -2095,7 +2097,7 @@
           <a:p>
             <a:fld id="{2566825D-2B69-4989-8861-A6901ABADB6C}" type="datetimeFigureOut">
               <a:rPr lang="ko-KR" altLang="en-US" smtClean="0"/>
-              <a:t>2025-10-27</a:t>
+              <a:t>2025-11-02</a:t>
             </a:fld>
             <a:endParaRPr lang="ko-KR" altLang="en-US"/>
           </a:p>
@@ -2212,7 +2214,7 @@
           <a:p>
             <a:fld id="{2566825D-2B69-4989-8861-A6901ABADB6C}" type="datetimeFigureOut">
               <a:rPr lang="ko-KR" altLang="en-US" smtClean="0"/>
-              <a:t>2025-10-27</a:t>
+              <a:t>2025-11-02</a:t>
             </a:fld>
             <a:endParaRPr lang="ko-KR" altLang="en-US"/>
           </a:p>
@@ -2307,7 +2309,7 @@
           <a:p>
             <a:fld id="{2566825D-2B69-4989-8861-A6901ABADB6C}" type="datetimeFigureOut">
               <a:rPr lang="ko-KR" altLang="en-US" smtClean="0"/>
-              <a:t>2025-10-27</a:t>
+              <a:t>2025-11-02</a:t>
             </a:fld>
             <a:endParaRPr lang="ko-KR" altLang="en-US"/>
           </a:p>
@@ -2582,7 +2584,7 @@
           <a:p>
             <a:fld id="{2566825D-2B69-4989-8861-A6901ABADB6C}" type="datetimeFigureOut">
               <a:rPr lang="ko-KR" altLang="en-US" smtClean="0"/>
-              <a:t>2025-10-27</a:t>
+              <a:t>2025-11-02</a:t>
             </a:fld>
             <a:endParaRPr lang="ko-KR" altLang="en-US"/>
           </a:p>
@@ -2834,7 +2836,7 @@
           <a:p>
             <a:fld id="{2566825D-2B69-4989-8861-A6901ABADB6C}" type="datetimeFigureOut">
               <a:rPr lang="ko-KR" altLang="en-US" smtClean="0"/>
-              <a:t>2025-10-27</a:t>
+              <a:t>2025-11-02</a:t>
             </a:fld>
             <a:endParaRPr lang="ko-KR" altLang="en-US"/>
           </a:p>
@@ -3045,7 +3047,7 @@
           <a:p>
             <a:fld id="{2566825D-2B69-4989-8861-A6901ABADB6C}" type="datetimeFigureOut">
               <a:rPr lang="ko-KR" altLang="en-US" smtClean="0"/>
-              <a:t>2025-10-27</a:t>
+              <a:t>2025-11-02</a:t>
             </a:fld>
             <a:endParaRPr lang="ko-KR" altLang="en-US"/>
           </a:p>
@@ -3765,7 +3767,7 @@
         <p:cNvPr id="1" name="">
           <a:extLst>
             <a:ext uri="{FF2B5EF4-FFF2-40B4-BE49-F238E27FC236}">
-              <a16:creationId xmlns:a16="http://schemas.microsoft.com/office/drawing/2014/main" id="{EFAB27B9-AF29-3E0E-6FD5-501E032141B9}"/>
+              <a16:creationId xmlns:a16="http://schemas.microsoft.com/office/drawing/2014/main" id="{D3430E58-0CDF-D10D-9AE8-27C707D23119}"/>
             </a:ext>
           </a:extLst>
         </p:cNvPr>
@@ -3782,109 +3784,332 @@
       </p:grpSpPr>
       <p:sp>
         <p:nvSpPr>
-          <p:cNvPr id="2" name="제목 1">
-            <a:extLst>
-              <a:ext uri="{FF2B5EF4-FFF2-40B4-BE49-F238E27FC236}">
-                <a16:creationId xmlns:a16="http://schemas.microsoft.com/office/drawing/2014/main" id="{C078FF60-CC06-D479-0E7F-6A6DBC770A11}"/>
-              </a:ext>
-            </a:extLst>
-          </p:cNvPr>
-          <p:cNvSpPr>
-            <a:spLocks noGrp="1"/>
-          </p:cNvSpPr>
-          <p:nvPr>
-            <p:ph type="title"/>
-          </p:nvPr>
-        </p:nvSpPr>
-        <p:spPr/>
-        <p:txBody>
-          <a:bodyPr/>
-          <a:lstStyle/>
-          <a:p>
-            <a:r>
-              <a:rPr lang="ko-KR" altLang="en-US" dirty="0" err="1">
-                <a:ea typeface="맑은 고딕"/>
-              </a:rPr>
-              <a:t>How</a:t>
-            </a:r>
-            <a:r>
-              <a:rPr lang="ko-KR" altLang="en-US" dirty="0">
-                <a:ea typeface="맑은 고딕"/>
-              </a:rPr>
-              <a:t> </a:t>
-            </a:r>
-            <a:r>
-              <a:rPr lang="ko-KR" altLang="en-US" dirty="0" err="1">
-                <a:ea typeface="맑은 고딕"/>
-              </a:rPr>
-              <a:t>to</a:t>
-            </a:r>
-            <a:r>
-              <a:rPr lang="ko-KR" altLang="en-US" dirty="0">
-                <a:ea typeface="맑은 고딕"/>
-              </a:rPr>
-              <a:t> </a:t>
-            </a:r>
-            <a:r>
-              <a:rPr lang="ko-KR" altLang="en-US" dirty="0" err="1">
-                <a:ea typeface="맑은 고딕"/>
-              </a:rPr>
-              <a:t>solve</a:t>
-            </a:r>
-            <a:r>
-              <a:rPr lang="ko-KR" altLang="en-US" dirty="0">
-                <a:ea typeface="맑은 고딕"/>
-              </a:rPr>
-              <a:t>?</a:t>
-            </a:r>
-          </a:p>
-        </p:txBody>
-      </p:sp>
-      <p:sp>
-        <p:nvSpPr>
-          <p:cNvPr id="3" name="내용 개체 틀 2">
-            <a:extLst>
-              <a:ext uri="{FF2B5EF4-FFF2-40B4-BE49-F238E27FC236}">
-                <a16:creationId xmlns:a16="http://schemas.microsoft.com/office/drawing/2014/main" id="{08A2EB5D-26B1-A9F7-2E4D-8F9912750F38}"/>
-              </a:ext>
-            </a:extLst>
-          </p:cNvPr>
-          <p:cNvSpPr>
-            <a:spLocks noGrp="1"/>
-          </p:cNvSpPr>
-          <p:nvPr>
-            <p:ph idx="1"/>
-          </p:nvPr>
-        </p:nvSpPr>
-        <p:spPr/>
-        <p:txBody>
-          <a:bodyPr vert="horz" lIns="91440" tIns="45720" rIns="91440" bIns="45720" rtlCol="0" anchor="t">
-            <a:normAutofit/>
-          </a:bodyPr>
-          <a:lstStyle/>
-          <a:p>
-            <a:pPr marL="0" indent="0">
-              <a:buNone/>
-            </a:pPr>
-            <a:r>
-              <a:rPr lang="en-US" dirty="0">
-                <a:ea typeface="+mn-lt"/>
-                <a:cs typeface="+mn-lt"/>
-                <a:hlinkClick r:id="rId2"/>
-              </a:rPr>
-              <a:t>https://simta1.github.io/Smallest-Enclosing-Circle/</a:t>
-            </a:r>
-            <a:endParaRPr lang="ko-KR" altLang="en-US">
-              <a:ea typeface="맑은 고딕" panose="020B0503020000020004" pitchFamily="34" charset="-127"/>
-              <a:cs typeface="+mn-lt"/>
-            </a:endParaRPr>
+          <p:cNvPr id="4" name="타원 3">
+            <a:extLst>
+              <a:ext uri="{FF2B5EF4-FFF2-40B4-BE49-F238E27FC236}">
+                <a16:creationId xmlns:a16="http://schemas.microsoft.com/office/drawing/2014/main" id="{6FE7299F-FA17-3450-A608-B5501585A210}"/>
+              </a:ext>
+            </a:extLst>
+          </p:cNvPr>
+          <p:cNvSpPr/>
+          <p:nvPr/>
+        </p:nvSpPr>
+        <p:spPr>
+          <a:xfrm>
+            <a:off x="3200400" y="1574799"/>
+            <a:ext cx="140920" cy="141963"/>
+          </a:xfrm>
+          <a:prstGeom prst="ellipse">
+            <a:avLst/>
+          </a:prstGeom>
+          <a:solidFill>
+            <a:schemeClr val="tx1"/>
+          </a:solidFill>
+          <a:ln>
+            <a:solidFill>
+              <a:schemeClr val="tx1"/>
+            </a:solidFill>
+          </a:ln>
+        </p:spPr>
+        <p:style>
+          <a:lnRef idx="2">
+            <a:schemeClr val="accent1">
+              <a:shade val="15000"/>
+            </a:schemeClr>
+          </a:lnRef>
+          <a:fillRef idx="1">
+            <a:schemeClr val="accent1"/>
+          </a:fillRef>
+          <a:effectRef idx="0">
+            <a:schemeClr val="accent1"/>
+          </a:effectRef>
+          <a:fontRef idx="minor">
+            <a:schemeClr val="lt1"/>
+          </a:fontRef>
+        </p:style>
+        <p:txBody>
+          <a:bodyPr rtlCol="0" anchor="ctr"/>
+          <a:lstStyle/>
+          <a:p>
+            <a:pPr algn="ctr"/>
+            <a:endParaRPr lang="ko-KR" altLang="en-US"/>
+          </a:p>
+        </p:txBody>
+      </p:sp>
+      <p:sp>
+        <p:nvSpPr>
+          <p:cNvPr id="5" name="타원 4">
+            <a:extLst>
+              <a:ext uri="{FF2B5EF4-FFF2-40B4-BE49-F238E27FC236}">
+                <a16:creationId xmlns:a16="http://schemas.microsoft.com/office/drawing/2014/main" id="{9970AC82-C7E7-64F9-BEF9-C16DF5DBAB6D}"/>
+              </a:ext>
+            </a:extLst>
+          </p:cNvPr>
+          <p:cNvSpPr/>
+          <p:nvPr/>
+        </p:nvSpPr>
+        <p:spPr>
+          <a:xfrm>
+            <a:off x="4776591" y="1272086"/>
+            <a:ext cx="140920" cy="141963"/>
+          </a:xfrm>
+          <a:prstGeom prst="ellipse">
+            <a:avLst/>
+          </a:prstGeom>
+          <a:solidFill>
+            <a:schemeClr val="tx1"/>
+          </a:solidFill>
+          <a:ln>
+            <a:solidFill>
+              <a:schemeClr val="tx1"/>
+            </a:solidFill>
+          </a:ln>
+        </p:spPr>
+        <p:style>
+          <a:lnRef idx="2">
+            <a:schemeClr val="accent1">
+              <a:shade val="15000"/>
+            </a:schemeClr>
+          </a:lnRef>
+          <a:fillRef idx="1">
+            <a:schemeClr val="accent1"/>
+          </a:fillRef>
+          <a:effectRef idx="0">
+            <a:schemeClr val="accent1"/>
+          </a:effectRef>
+          <a:fontRef idx="minor">
+            <a:schemeClr val="lt1"/>
+          </a:fontRef>
+        </p:style>
+        <p:txBody>
+          <a:bodyPr rtlCol="0" anchor="ctr"/>
+          <a:lstStyle/>
+          <a:p>
+            <a:pPr algn="ctr"/>
+            <a:endParaRPr lang="ko-KR" altLang="en-US"/>
+          </a:p>
+        </p:txBody>
+      </p:sp>
+      <p:sp>
+        <p:nvSpPr>
+          <p:cNvPr id="6" name="타원 5">
+            <a:extLst>
+              <a:ext uri="{FF2B5EF4-FFF2-40B4-BE49-F238E27FC236}">
+                <a16:creationId xmlns:a16="http://schemas.microsoft.com/office/drawing/2014/main" id="{55A39DB3-CFAB-964D-D934-311F2695B859}"/>
+              </a:ext>
+            </a:extLst>
+          </p:cNvPr>
+          <p:cNvSpPr/>
+          <p:nvPr/>
+        </p:nvSpPr>
+        <p:spPr>
+          <a:xfrm>
+            <a:off x="3680564" y="2931785"/>
+            <a:ext cx="140920" cy="141963"/>
+          </a:xfrm>
+          <a:prstGeom prst="ellipse">
+            <a:avLst/>
+          </a:prstGeom>
+          <a:solidFill>
+            <a:schemeClr val="tx1"/>
+          </a:solidFill>
+          <a:ln>
+            <a:solidFill>
+              <a:schemeClr val="tx1"/>
+            </a:solidFill>
+          </a:ln>
+        </p:spPr>
+        <p:style>
+          <a:lnRef idx="2">
+            <a:schemeClr val="accent1">
+              <a:shade val="15000"/>
+            </a:schemeClr>
+          </a:lnRef>
+          <a:fillRef idx="1">
+            <a:schemeClr val="accent1"/>
+          </a:fillRef>
+          <a:effectRef idx="0">
+            <a:schemeClr val="accent1"/>
+          </a:effectRef>
+          <a:fontRef idx="minor">
+            <a:schemeClr val="lt1"/>
+          </a:fontRef>
+        </p:style>
+        <p:txBody>
+          <a:bodyPr rtlCol="0" anchor="ctr"/>
+          <a:lstStyle/>
+          <a:p>
+            <a:pPr algn="ctr"/>
+            <a:endParaRPr lang="ko-KR" altLang="en-US"/>
+          </a:p>
+        </p:txBody>
+      </p:sp>
+      <p:sp>
+        <p:nvSpPr>
+          <p:cNvPr id="8" name="타원 7">
+            <a:extLst>
+              <a:ext uri="{FF2B5EF4-FFF2-40B4-BE49-F238E27FC236}">
+                <a16:creationId xmlns:a16="http://schemas.microsoft.com/office/drawing/2014/main" id="{0E15297C-132E-D7EE-5392-058F7818DD27}"/>
+              </a:ext>
+            </a:extLst>
+          </p:cNvPr>
+          <p:cNvSpPr/>
+          <p:nvPr/>
+        </p:nvSpPr>
+        <p:spPr>
+          <a:xfrm>
+            <a:off x="5215001" y="2869154"/>
+            <a:ext cx="140920" cy="141963"/>
+          </a:xfrm>
+          <a:prstGeom prst="ellipse">
+            <a:avLst/>
+          </a:prstGeom>
+          <a:solidFill>
+            <a:schemeClr val="tx1"/>
+          </a:solidFill>
+          <a:ln>
+            <a:solidFill>
+              <a:schemeClr val="tx1"/>
+            </a:solidFill>
+          </a:ln>
+        </p:spPr>
+        <p:style>
+          <a:lnRef idx="2">
+            <a:schemeClr val="accent1">
+              <a:shade val="15000"/>
+            </a:schemeClr>
+          </a:lnRef>
+          <a:fillRef idx="1">
+            <a:schemeClr val="accent1"/>
+          </a:fillRef>
+          <a:effectRef idx="0">
+            <a:schemeClr val="accent1"/>
+          </a:effectRef>
+          <a:fontRef idx="minor">
+            <a:schemeClr val="lt1"/>
+          </a:fontRef>
+        </p:style>
+        <p:txBody>
+          <a:bodyPr rtlCol="0" anchor="ctr"/>
+          <a:lstStyle/>
+          <a:p>
+            <a:pPr algn="ctr"/>
+            <a:endParaRPr lang="ko-KR" altLang="en-US"/>
+          </a:p>
+        </p:txBody>
+      </p:sp>
+      <p:sp>
+        <p:nvSpPr>
+          <p:cNvPr id="9" name="타원 8">
+            <a:extLst>
+              <a:ext uri="{FF2B5EF4-FFF2-40B4-BE49-F238E27FC236}">
+                <a16:creationId xmlns:a16="http://schemas.microsoft.com/office/drawing/2014/main" id="{E60E6777-41E7-5CE4-3356-CC3D05023EA4}"/>
+              </a:ext>
+            </a:extLst>
+          </p:cNvPr>
+          <p:cNvSpPr/>
+          <p:nvPr/>
+        </p:nvSpPr>
+        <p:spPr>
+          <a:xfrm>
+            <a:off x="4713959" y="4664550"/>
+            <a:ext cx="140920" cy="141963"/>
+          </a:xfrm>
+          <a:prstGeom prst="ellipse">
+            <a:avLst/>
+          </a:prstGeom>
+          <a:solidFill>
+            <a:schemeClr val="tx1"/>
+          </a:solidFill>
+          <a:ln>
+            <a:solidFill>
+              <a:schemeClr val="tx1"/>
+            </a:solidFill>
+          </a:ln>
+        </p:spPr>
+        <p:style>
+          <a:lnRef idx="2">
+            <a:schemeClr val="accent1">
+              <a:shade val="15000"/>
+            </a:schemeClr>
+          </a:lnRef>
+          <a:fillRef idx="1">
+            <a:schemeClr val="accent1"/>
+          </a:fillRef>
+          <a:effectRef idx="0">
+            <a:schemeClr val="accent1"/>
+          </a:effectRef>
+          <a:fontRef idx="minor">
+            <a:schemeClr val="lt1"/>
+          </a:fontRef>
+        </p:style>
+        <p:txBody>
+          <a:bodyPr rtlCol="0" anchor="ctr"/>
+          <a:lstStyle/>
+          <a:p>
+            <a:pPr algn="ctr"/>
+            <a:endParaRPr lang="ko-KR" altLang="en-US"/>
+          </a:p>
+        </p:txBody>
+      </p:sp>
+      <p:sp>
+        <p:nvSpPr>
+          <p:cNvPr id="10" name="타원 9">
+            <a:extLst>
+              <a:ext uri="{FF2B5EF4-FFF2-40B4-BE49-F238E27FC236}">
+                <a16:creationId xmlns:a16="http://schemas.microsoft.com/office/drawing/2014/main" id="{6A107BA6-43E8-1BBC-1C0A-737ECB3167CE}"/>
+              </a:ext>
+            </a:extLst>
+          </p:cNvPr>
+          <p:cNvSpPr/>
+          <p:nvPr/>
+        </p:nvSpPr>
+        <p:spPr>
+          <a:xfrm>
+            <a:off x="7240041" y="2576879"/>
+            <a:ext cx="140920" cy="141963"/>
+          </a:xfrm>
+          <a:prstGeom prst="ellipse">
+            <a:avLst/>
+          </a:prstGeom>
+          <a:solidFill>
+            <a:schemeClr val="tx1"/>
+          </a:solidFill>
+          <a:ln>
+            <a:solidFill>
+              <a:schemeClr val="tx1"/>
+            </a:solidFill>
+          </a:ln>
+        </p:spPr>
+        <p:style>
+          <a:lnRef idx="2">
+            <a:schemeClr val="accent1">
+              <a:shade val="15000"/>
+            </a:schemeClr>
+          </a:lnRef>
+          <a:fillRef idx="1">
+            <a:schemeClr val="accent1"/>
+          </a:fillRef>
+          <a:effectRef idx="0">
+            <a:schemeClr val="accent1"/>
+          </a:effectRef>
+          <a:fontRef idx="minor">
+            <a:schemeClr val="lt1"/>
+          </a:fontRef>
+        </p:style>
+        <p:txBody>
+          <a:bodyPr rtlCol="0" anchor="ctr"/>
+          <a:lstStyle/>
+          <a:p>
+            <a:pPr algn="ctr"/>
+            <a:endParaRPr lang="ko-KR" altLang="en-US"/>
           </a:p>
         </p:txBody>
       </p:sp>
     </p:spTree>
     <p:extLst>
       <p:ext uri="{BB962C8B-B14F-4D97-AF65-F5344CB8AC3E}">
-        <p14:creationId xmlns:p14="http://schemas.microsoft.com/office/powerpoint/2010/main" val="3976671270"/>
+        <p14:creationId xmlns:p14="http://schemas.microsoft.com/office/powerpoint/2010/main" val="3558612030"/>
       </p:ext>
     </p:extLst>
   </p:cSld>
@@ -3902,7 +4127,7 @@
         <p:cNvPr id="1" name="">
           <a:extLst>
             <a:ext uri="{FF2B5EF4-FFF2-40B4-BE49-F238E27FC236}">
-              <a16:creationId xmlns:a16="http://schemas.microsoft.com/office/drawing/2014/main" id="{5529C853-1206-805B-7B9B-045068B36BEA}"/>
+              <a16:creationId xmlns:a16="http://schemas.microsoft.com/office/drawing/2014/main" id="{51051219-9CAA-F68C-F47D-4F51786D127F}"/>
             </a:ext>
           </a:extLst>
         </p:cNvPr>
@@ -3919,142 +4144,388 @@
       </p:grpSpPr>
       <p:sp>
         <p:nvSpPr>
-          <p:cNvPr id="2" name="제목 1">
-            <a:extLst>
-              <a:ext uri="{FF2B5EF4-FFF2-40B4-BE49-F238E27FC236}">
-                <a16:creationId xmlns:a16="http://schemas.microsoft.com/office/drawing/2014/main" id="{4E91C1FB-BF1C-03EA-427D-5F3218DF2B66}"/>
-              </a:ext>
-            </a:extLst>
-          </p:cNvPr>
-          <p:cNvSpPr>
-            <a:spLocks noGrp="1"/>
-          </p:cNvSpPr>
-          <p:nvPr>
-            <p:ph type="title"/>
-          </p:nvPr>
-        </p:nvSpPr>
-        <p:spPr/>
-        <p:txBody>
-          <a:bodyPr/>
-          <a:lstStyle/>
-          <a:p>
-            <a:r>
-              <a:rPr lang="ko-KR" altLang="en-US" dirty="0" err="1">
-                <a:ea typeface="맑은 고딕"/>
-              </a:rPr>
-              <a:t>How</a:t>
-            </a:r>
-            <a:r>
-              <a:rPr lang="ko-KR" altLang="en-US" dirty="0">
-                <a:ea typeface="맑은 고딕"/>
-              </a:rPr>
-              <a:t> </a:t>
-            </a:r>
-            <a:r>
-              <a:rPr lang="ko-KR" altLang="en-US" dirty="0" err="1">
-                <a:ea typeface="맑은 고딕"/>
-              </a:rPr>
-              <a:t>to</a:t>
-            </a:r>
-            <a:r>
-              <a:rPr lang="ko-KR" altLang="en-US" dirty="0">
-                <a:ea typeface="맑은 고딕"/>
-              </a:rPr>
-              <a:t> </a:t>
-            </a:r>
-            <a:r>
-              <a:rPr lang="ko-KR" altLang="en-US" dirty="0" err="1">
-                <a:ea typeface="맑은 고딕"/>
-              </a:rPr>
-              <a:t>solve</a:t>
-            </a:r>
-            <a:r>
-              <a:rPr lang="ko-KR" altLang="en-US" dirty="0">
-                <a:ea typeface="맑은 고딕"/>
-              </a:rPr>
-              <a:t>?</a:t>
-            </a:r>
-          </a:p>
-        </p:txBody>
-      </p:sp>
-      <p:pic>
-        <p:nvPicPr>
-          <p:cNvPr id="4" name="내용 개체 틀 3" descr="텍스트, 스크린샷, 폰트, 문서이(가) 표시된 사진&#10;&#10;AI 생성 콘텐츠는 정확하지 않을 수 있습니다.">
-            <a:extLst>
-              <a:ext uri="{FF2B5EF4-FFF2-40B4-BE49-F238E27FC236}">
-                <a16:creationId xmlns:a16="http://schemas.microsoft.com/office/drawing/2014/main" id="{6A68209F-2FA5-3F6E-C70D-D31706280288}"/>
-              </a:ext>
-            </a:extLst>
-          </p:cNvPr>
-          <p:cNvPicPr>
-            <a:picLocks noGrp="1" noChangeAspect="1"/>
-          </p:cNvPicPr>
-          <p:nvPr>
-            <p:ph idx="1"/>
-          </p:nvPr>
-        </p:nvPicPr>
-        <p:blipFill>
-          <a:blip r:embed="rId2"/>
-          <a:stretch>
-            <a:fillRect/>
-          </a:stretch>
-        </p:blipFill>
-        <p:spPr>
-          <a:xfrm>
-            <a:off x="204225" y="1377601"/>
-            <a:ext cx="5995628" cy="5408305"/>
-          </a:xfrm>
-          <a:prstGeom prst="rect">
-            <a:avLst/>
-          </a:prstGeom>
+          <p:cNvPr id="4" name="타원 3">
+            <a:extLst>
+              <a:ext uri="{FF2B5EF4-FFF2-40B4-BE49-F238E27FC236}">
+                <a16:creationId xmlns:a16="http://schemas.microsoft.com/office/drawing/2014/main" id="{04BFDA31-16B4-4E03-9C07-F4FBB6B70C03}"/>
+              </a:ext>
+            </a:extLst>
+          </p:cNvPr>
+          <p:cNvSpPr/>
+          <p:nvPr/>
+        </p:nvSpPr>
+        <p:spPr>
+          <a:xfrm>
+            <a:off x="3200400" y="1574799"/>
+            <a:ext cx="140920" cy="141963"/>
+          </a:xfrm>
+          <a:prstGeom prst="ellipse">
+            <a:avLst/>
+          </a:prstGeom>
+          <a:solidFill>
+            <a:schemeClr val="tx1"/>
+          </a:solidFill>
           <a:ln>
             <a:solidFill>
-              <a:srgbClr val="00B050"/>
+              <a:schemeClr val="tx1"/>
             </a:solidFill>
           </a:ln>
         </p:spPr>
-      </p:pic>
-      <p:pic>
-        <p:nvPicPr>
-          <p:cNvPr id="5" name="그림 4" descr="텍스트, 스크린샷, 폰트, 문서이(가) 표시된 사진&#10;&#10;AI 생성 콘텐츠는 정확하지 않을 수 있습니다.">
-            <a:extLst>
-              <a:ext uri="{FF2B5EF4-FFF2-40B4-BE49-F238E27FC236}">
-                <a16:creationId xmlns:a16="http://schemas.microsoft.com/office/drawing/2014/main" id="{F325C612-24C5-31FB-75F4-0ED521D2F4FE}"/>
-              </a:ext>
-            </a:extLst>
-          </p:cNvPr>
-          <p:cNvPicPr>
-            <a:picLocks noChangeAspect="1"/>
-          </p:cNvPicPr>
+        <p:style>
+          <a:lnRef idx="2">
+            <a:schemeClr val="accent1">
+              <a:shade val="15000"/>
+            </a:schemeClr>
+          </a:lnRef>
+          <a:fillRef idx="1">
+            <a:schemeClr val="accent1"/>
+          </a:fillRef>
+          <a:effectRef idx="0">
+            <a:schemeClr val="accent1"/>
+          </a:effectRef>
+          <a:fontRef idx="minor">
+            <a:schemeClr val="lt1"/>
+          </a:fontRef>
+        </p:style>
+        <p:txBody>
+          <a:bodyPr rtlCol="0" anchor="ctr"/>
+          <a:lstStyle/>
+          <a:p>
+            <a:pPr algn="ctr"/>
+            <a:endParaRPr lang="ko-KR" altLang="en-US"/>
+          </a:p>
+        </p:txBody>
+      </p:sp>
+      <p:sp>
+        <p:nvSpPr>
+          <p:cNvPr id="5" name="타원 4">
+            <a:extLst>
+              <a:ext uri="{FF2B5EF4-FFF2-40B4-BE49-F238E27FC236}">
+                <a16:creationId xmlns:a16="http://schemas.microsoft.com/office/drawing/2014/main" id="{510443B0-03E2-E18A-EFE9-1C47A89507A5}"/>
+              </a:ext>
+            </a:extLst>
+          </p:cNvPr>
+          <p:cNvSpPr/>
           <p:nvPr/>
-        </p:nvPicPr>
-        <p:blipFill>
-          <a:blip r:embed="rId3"/>
-          <a:stretch>
-            <a:fillRect/>
-          </a:stretch>
-        </p:blipFill>
-        <p:spPr>
-          <a:xfrm>
-            <a:off x="6544527" y="1376680"/>
-            <a:ext cx="5491046" cy="4546600"/>
-          </a:xfrm>
-          <a:prstGeom prst="rect">
-            <a:avLst/>
-          </a:prstGeom>
+        </p:nvSpPr>
+        <p:spPr>
+          <a:xfrm>
+            <a:off x="4776591" y="1272086"/>
+            <a:ext cx="140920" cy="141963"/>
+          </a:xfrm>
+          <a:prstGeom prst="ellipse">
+            <a:avLst/>
+          </a:prstGeom>
+          <a:solidFill>
+            <a:schemeClr val="tx1"/>
+          </a:solidFill>
           <a:ln>
             <a:solidFill>
-              <a:srgbClr val="00B050"/>
+              <a:schemeClr val="tx1"/>
             </a:solidFill>
           </a:ln>
         </p:spPr>
-      </p:pic>
-      <p:sp>
-        <p:nvSpPr>
-          <p:cNvPr id="6" name="TextBox 5">
-            <a:extLst>
-              <a:ext uri="{FF2B5EF4-FFF2-40B4-BE49-F238E27FC236}">
-                <a16:creationId xmlns:a16="http://schemas.microsoft.com/office/drawing/2014/main" id="{20DBAB17-9AC3-0A0A-B946-9DFE36832A11}"/>
+        <p:style>
+          <a:lnRef idx="2">
+            <a:schemeClr val="accent1">
+              <a:shade val="15000"/>
+            </a:schemeClr>
+          </a:lnRef>
+          <a:fillRef idx="1">
+            <a:schemeClr val="accent1"/>
+          </a:fillRef>
+          <a:effectRef idx="0">
+            <a:schemeClr val="accent1"/>
+          </a:effectRef>
+          <a:fontRef idx="minor">
+            <a:schemeClr val="lt1"/>
+          </a:fontRef>
+        </p:style>
+        <p:txBody>
+          <a:bodyPr rtlCol="0" anchor="ctr"/>
+          <a:lstStyle/>
+          <a:p>
+            <a:pPr algn="ctr"/>
+            <a:endParaRPr lang="ko-KR" altLang="en-US"/>
+          </a:p>
+        </p:txBody>
+      </p:sp>
+      <p:sp>
+        <p:nvSpPr>
+          <p:cNvPr id="6" name="타원 5">
+            <a:extLst>
+              <a:ext uri="{FF2B5EF4-FFF2-40B4-BE49-F238E27FC236}">
+                <a16:creationId xmlns:a16="http://schemas.microsoft.com/office/drawing/2014/main" id="{DE0332DF-82BC-2F16-2F97-ADB1FAD17FCD}"/>
+              </a:ext>
+            </a:extLst>
+          </p:cNvPr>
+          <p:cNvSpPr/>
+          <p:nvPr/>
+        </p:nvSpPr>
+        <p:spPr>
+          <a:xfrm>
+            <a:off x="3680564" y="2931785"/>
+            <a:ext cx="140920" cy="141963"/>
+          </a:xfrm>
+          <a:prstGeom prst="ellipse">
+            <a:avLst/>
+          </a:prstGeom>
+          <a:solidFill>
+            <a:schemeClr val="tx1"/>
+          </a:solidFill>
+          <a:ln>
+            <a:solidFill>
+              <a:schemeClr val="tx1"/>
+            </a:solidFill>
+          </a:ln>
+        </p:spPr>
+        <p:style>
+          <a:lnRef idx="2">
+            <a:schemeClr val="accent1">
+              <a:shade val="15000"/>
+            </a:schemeClr>
+          </a:lnRef>
+          <a:fillRef idx="1">
+            <a:schemeClr val="accent1"/>
+          </a:fillRef>
+          <a:effectRef idx="0">
+            <a:schemeClr val="accent1"/>
+          </a:effectRef>
+          <a:fontRef idx="minor">
+            <a:schemeClr val="lt1"/>
+          </a:fontRef>
+        </p:style>
+        <p:txBody>
+          <a:bodyPr rtlCol="0" anchor="ctr"/>
+          <a:lstStyle/>
+          <a:p>
+            <a:pPr algn="ctr"/>
+            <a:endParaRPr lang="ko-KR" altLang="en-US"/>
+          </a:p>
+        </p:txBody>
+      </p:sp>
+      <p:sp>
+        <p:nvSpPr>
+          <p:cNvPr id="8" name="타원 7">
+            <a:extLst>
+              <a:ext uri="{FF2B5EF4-FFF2-40B4-BE49-F238E27FC236}">
+                <a16:creationId xmlns:a16="http://schemas.microsoft.com/office/drawing/2014/main" id="{0D096632-B186-E9F0-2C0E-A9A75125571B}"/>
+              </a:ext>
+            </a:extLst>
+          </p:cNvPr>
+          <p:cNvSpPr/>
+          <p:nvPr/>
+        </p:nvSpPr>
+        <p:spPr>
+          <a:xfrm>
+            <a:off x="5215001" y="2869154"/>
+            <a:ext cx="140920" cy="141963"/>
+          </a:xfrm>
+          <a:prstGeom prst="ellipse">
+            <a:avLst/>
+          </a:prstGeom>
+          <a:solidFill>
+            <a:schemeClr val="tx1"/>
+          </a:solidFill>
+          <a:ln>
+            <a:solidFill>
+              <a:schemeClr val="tx1"/>
+            </a:solidFill>
+          </a:ln>
+        </p:spPr>
+        <p:style>
+          <a:lnRef idx="2">
+            <a:schemeClr val="accent1">
+              <a:shade val="15000"/>
+            </a:schemeClr>
+          </a:lnRef>
+          <a:fillRef idx="1">
+            <a:schemeClr val="accent1"/>
+          </a:fillRef>
+          <a:effectRef idx="0">
+            <a:schemeClr val="accent1"/>
+          </a:effectRef>
+          <a:fontRef idx="minor">
+            <a:schemeClr val="lt1"/>
+          </a:fontRef>
+        </p:style>
+        <p:txBody>
+          <a:bodyPr rtlCol="0" anchor="ctr"/>
+          <a:lstStyle/>
+          <a:p>
+            <a:pPr algn="ctr"/>
+            <a:endParaRPr lang="ko-KR" altLang="en-US"/>
+          </a:p>
+        </p:txBody>
+      </p:sp>
+      <p:sp>
+        <p:nvSpPr>
+          <p:cNvPr id="9" name="타원 8">
+            <a:extLst>
+              <a:ext uri="{FF2B5EF4-FFF2-40B4-BE49-F238E27FC236}">
+                <a16:creationId xmlns:a16="http://schemas.microsoft.com/office/drawing/2014/main" id="{CE37A3A2-2852-BB13-F1FA-3B65023E0A1D}"/>
+              </a:ext>
+            </a:extLst>
+          </p:cNvPr>
+          <p:cNvSpPr/>
+          <p:nvPr/>
+        </p:nvSpPr>
+        <p:spPr>
+          <a:xfrm>
+            <a:off x="4713959" y="4664550"/>
+            <a:ext cx="140920" cy="141963"/>
+          </a:xfrm>
+          <a:prstGeom prst="ellipse">
+            <a:avLst/>
+          </a:prstGeom>
+          <a:solidFill>
+            <a:schemeClr val="tx1"/>
+          </a:solidFill>
+          <a:ln>
+            <a:solidFill>
+              <a:schemeClr val="tx1"/>
+            </a:solidFill>
+          </a:ln>
+        </p:spPr>
+        <p:style>
+          <a:lnRef idx="2">
+            <a:schemeClr val="accent1">
+              <a:shade val="15000"/>
+            </a:schemeClr>
+          </a:lnRef>
+          <a:fillRef idx="1">
+            <a:schemeClr val="accent1"/>
+          </a:fillRef>
+          <a:effectRef idx="0">
+            <a:schemeClr val="accent1"/>
+          </a:effectRef>
+          <a:fontRef idx="minor">
+            <a:schemeClr val="lt1"/>
+          </a:fontRef>
+        </p:style>
+        <p:txBody>
+          <a:bodyPr rtlCol="0" anchor="ctr"/>
+          <a:lstStyle/>
+          <a:p>
+            <a:pPr algn="ctr"/>
+            <a:endParaRPr lang="ko-KR" altLang="en-US"/>
+          </a:p>
+        </p:txBody>
+      </p:sp>
+      <p:sp>
+        <p:nvSpPr>
+          <p:cNvPr id="10" name="타원 9">
+            <a:extLst>
+              <a:ext uri="{FF2B5EF4-FFF2-40B4-BE49-F238E27FC236}">
+                <a16:creationId xmlns:a16="http://schemas.microsoft.com/office/drawing/2014/main" id="{88FFD5CB-52E7-1E67-39C6-C560C625A1F1}"/>
+              </a:ext>
+            </a:extLst>
+          </p:cNvPr>
+          <p:cNvSpPr/>
+          <p:nvPr/>
+        </p:nvSpPr>
+        <p:spPr>
+          <a:xfrm>
+            <a:off x="7240041" y="2576879"/>
+            <a:ext cx="140920" cy="141963"/>
+          </a:xfrm>
+          <a:prstGeom prst="ellipse">
+            <a:avLst/>
+          </a:prstGeom>
+          <a:solidFill>
+            <a:schemeClr val="tx1"/>
+          </a:solidFill>
+          <a:ln>
+            <a:solidFill>
+              <a:schemeClr val="tx1"/>
+            </a:solidFill>
+          </a:ln>
+        </p:spPr>
+        <p:style>
+          <a:lnRef idx="2">
+            <a:schemeClr val="accent1">
+              <a:shade val="15000"/>
+            </a:schemeClr>
+          </a:lnRef>
+          <a:fillRef idx="1">
+            <a:schemeClr val="accent1"/>
+          </a:fillRef>
+          <a:effectRef idx="0">
+            <a:schemeClr val="accent1"/>
+          </a:effectRef>
+          <a:fontRef idx="minor">
+            <a:schemeClr val="lt1"/>
+          </a:fontRef>
+        </p:style>
+        <p:txBody>
+          <a:bodyPr rtlCol="0" anchor="ctr"/>
+          <a:lstStyle/>
+          <a:p>
+            <a:pPr algn="ctr"/>
+            <a:endParaRPr lang="ko-KR" altLang="en-US"/>
+          </a:p>
+        </p:txBody>
+      </p:sp>
+      <p:sp>
+        <p:nvSpPr>
+          <p:cNvPr id="13" name="타원 12">
+            <a:extLst>
+              <a:ext uri="{FF2B5EF4-FFF2-40B4-BE49-F238E27FC236}">
+                <a16:creationId xmlns:a16="http://schemas.microsoft.com/office/drawing/2014/main" id="{3ACF3B1C-8CFD-689C-DA19-B969775A2F95}"/>
+              </a:ext>
+            </a:extLst>
+          </p:cNvPr>
+          <p:cNvSpPr/>
+          <p:nvPr/>
+        </p:nvSpPr>
+        <p:spPr>
+          <a:xfrm>
+            <a:off x="5181600" y="3388659"/>
+            <a:ext cx="143436" cy="143436"/>
+          </a:xfrm>
+          <a:prstGeom prst="ellipse">
+            <a:avLst/>
+          </a:prstGeom>
+          <a:solidFill>
+            <a:srgbClr val="FF0000"/>
+          </a:solidFill>
+          <a:ln>
+            <a:solidFill>
+              <a:srgbClr val="FF0000"/>
+            </a:solidFill>
+          </a:ln>
+        </p:spPr>
+        <p:style>
+          <a:lnRef idx="2">
+            <a:schemeClr val="accent1">
+              <a:shade val="15000"/>
+            </a:schemeClr>
+          </a:lnRef>
+          <a:fillRef idx="1">
+            <a:schemeClr val="accent1"/>
+          </a:fillRef>
+          <a:effectRef idx="0">
+            <a:schemeClr val="accent1"/>
+          </a:effectRef>
+          <a:fontRef idx="minor">
+            <a:schemeClr val="lt1"/>
+          </a:fontRef>
+        </p:style>
+        <p:txBody>
+          <a:bodyPr rtlCol="0" anchor="ctr"/>
+          <a:lstStyle/>
+          <a:p>
+            <a:pPr algn="ctr"/>
+            <a:endParaRPr lang="ko-KR" altLang="en-US"/>
+          </a:p>
+        </p:txBody>
+      </p:sp>
+      <p:sp>
+        <p:nvSpPr>
+          <p:cNvPr id="12" name="TextBox 10">
+            <a:extLst>
+              <a:ext uri="{FF2B5EF4-FFF2-40B4-BE49-F238E27FC236}">
+                <a16:creationId xmlns:a16="http://schemas.microsoft.com/office/drawing/2014/main" id="{6B65BA7D-F95F-5F9C-C001-FE569CF269E5}"/>
               </a:ext>
             </a:extLst>
           </p:cNvPr>
@@ -4063,51 +4534,8 @@
         </p:nvSpPr>
         <p:spPr>
           <a:xfrm>
-            <a:off x="6403340" y="6075680"/>
-            <a:ext cx="5765800" cy="369332"/>
-          </a:xfrm>
-          <a:prstGeom prst="rect">
-            <a:avLst/>
-          </a:prstGeom>
-          <a:noFill/>
-        </p:spPr>
-        <p:txBody>
-          <a:bodyPr rot="0" spcFirstLastPara="0" vertOverflow="overflow" horzOverflow="overflow" vert="horz" wrap="square" lIns="91440" tIns="45720" rIns="91440" bIns="45720" numCol="1" spcCol="0" rtlCol="0" fromWordArt="0" anchor="t" anchorCtr="0" forceAA="0" compatLnSpc="1">
-            <a:prstTxWarp prst="textNoShape">
-              <a:avLst/>
-            </a:prstTxWarp>
-            <a:spAutoFit/>
-          </a:bodyPr>
-          <a:lstStyle/>
-          <a:p>
-            <a:r>
-              <a:rPr lang="en-US" dirty="0">
-                <a:hlinkClick r:id="rId4"/>
-              </a:rPr>
-              <a:t>http://boj.kr/e9171f71b0db43e3bdb48d7e0a74d69d</a:t>
-            </a:r>
-            <a:endParaRPr lang="en-US" altLang="ko-KR" dirty="0">
-              <a:ea typeface="맑은 고딕" panose="020B0503020000020004" pitchFamily="34" charset="-127"/>
-            </a:endParaRPr>
-          </a:p>
-        </p:txBody>
-      </p:sp>
-      <p:sp>
-        <p:nvSpPr>
-          <p:cNvPr id="7" name="TextBox 2">
-            <a:extLst>
-              <a:ext uri="{FF2B5EF4-FFF2-40B4-BE49-F238E27FC236}">
-                <a16:creationId xmlns:a16="http://schemas.microsoft.com/office/drawing/2014/main" id="{C3D5C91E-58DB-5974-36A3-EC233BA6DB6F}"/>
-              </a:ext>
-            </a:extLst>
-          </p:cNvPr>
-          <p:cNvSpPr txBox="1"/>
-          <p:nvPr/>
-        </p:nvSpPr>
-        <p:spPr>
-          <a:xfrm>
-            <a:off x="6400800" y="6416040"/>
-            <a:ext cx="6096000" cy="369332"/>
+            <a:off x="8121041" y="605425"/>
+            <a:ext cx="3922734" cy="400110"/>
           </a:xfrm>
           <a:prstGeom prst="rect">
             <a:avLst/>
@@ -4218,6 +4646,2666 @@
           </a:lstStyle>
           <a:p>
             <a:r>
+              <a:rPr lang="ko-KR" altLang="en-US" sz="2000">
+                <a:ea typeface="맑은 고딕"/>
+              </a:rPr>
+              <a:t>원의 중심을 고정하고 생각</a:t>
+            </a:r>
+          </a:p>
+        </p:txBody>
+      </p:sp>
+    </p:spTree>
+    <p:extLst>
+      <p:ext uri="{BB962C8B-B14F-4D97-AF65-F5344CB8AC3E}">
+        <p14:creationId xmlns:p14="http://schemas.microsoft.com/office/powerpoint/2010/main" val="1598642632"/>
+      </p:ext>
+    </p:extLst>
+  </p:cSld>
+  <p:clrMapOvr>
+    <a:masterClrMapping/>
+  </p:clrMapOvr>
+</p:sld>
+</file>
+
+<file path=ppt/slides/slide13.xml><?xml version="1.0" encoding="utf-8"?>
+<p:sld xmlns:a="http://schemas.openxmlformats.org/drawingml/2006/main" xmlns:r="http://schemas.openxmlformats.org/officeDocument/2006/relationships" xmlns:p="http://schemas.openxmlformats.org/presentationml/2006/main">
+  <p:cSld>
+    <p:spTree>
+      <p:nvGrpSpPr>
+        <p:cNvPr id="1" name="">
+          <a:extLst>
+            <a:ext uri="{FF2B5EF4-FFF2-40B4-BE49-F238E27FC236}">
+              <a16:creationId xmlns:a16="http://schemas.microsoft.com/office/drawing/2014/main" id="{B291B9F0-17C1-202B-2558-A913D7EB2710}"/>
+            </a:ext>
+          </a:extLst>
+        </p:cNvPr>
+        <p:cNvGrpSpPr/>
+        <p:nvPr/>
+      </p:nvGrpSpPr>
+      <p:grpSpPr>
+        <a:xfrm>
+          <a:off x="0" y="0"/>
+          <a:ext cx="0" cy="0"/>
+          <a:chOff x="0" y="0"/>
+          <a:chExt cx="0" cy="0"/>
+        </a:xfrm>
+      </p:grpSpPr>
+      <p:sp>
+        <p:nvSpPr>
+          <p:cNvPr id="11" name="타원 10">
+            <a:extLst>
+              <a:ext uri="{FF2B5EF4-FFF2-40B4-BE49-F238E27FC236}">
+                <a16:creationId xmlns:a16="http://schemas.microsoft.com/office/drawing/2014/main" id="{0DEBFEF9-41A7-B919-E8A9-865FC1AAC04F}"/>
+              </a:ext>
+            </a:extLst>
+          </p:cNvPr>
+          <p:cNvSpPr/>
+          <p:nvPr/>
+        </p:nvSpPr>
+        <p:spPr>
+          <a:xfrm>
+            <a:off x="2259105" y="448236"/>
+            <a:ext cx="5986810" cy="6024281"/>
+          </a:xfrm>
+          <a:prstGeom prst="ellipse">
+            <a:avLst/>
+          </a:prstGeom>
+          <a:solidFill>
+            <a:schemeClr val="bg1"/>
+          </a:solidFill>
+          <a:ln>
+            <a:solidFill>
+              <a:srgbClr val="FF0000"/>
+            </a:solidFill>
+          </a:ln>
+        </p:spPr>
+        <p:style>
+          <a:lnRef idx="2">
+            <a:schemeClr val="accent1">
+              <a:shade val="15000"/>
+            </a:schemeClr>
+          </a:lnRef>
+          <a:fillRef idx="1">
+            <a:schemeClr val="accent1"/>
+          </a:fillRef>
+          <a:effectRef idx="0">
+            <a:schemeClr val="accent1"/>
+          </a:effectRef>
+          <a:fontRef idx="minor">
+            <a:schemeClr val="lt1"/>
+          </a:fontRef>
+        </p:style>
+        <p:txBody>
+          <a:bodyPr rtlCol="0" anchor="ctr"/>
+          <a:lstStyle/>
+          <a:p>
+            <a:pPr algn="ctr"/>
+            <a:endParaRPr lang="ko-KR" altLang="en-US"/>
+          </a:p>
+        </p:txBody>
+      </p:sp>
+      <p:sp>
+        <p:nvSpPr>
+          <p:cNvPr id="4" name="타원 3">
+            <a:extLst>
+              <a:ext uri="{FF2B5EF4-FFF2-40B4-BE49-F238E27FC236}">
+                <a16:creationId xmlns:a16="http://schemas.microsoft.com/office/drawing/2014/main" id="{A32483D6-6FF5-BCB3-0053-02570297BA5E}"/>
+              </a:ext>
+            </a:extLst>
+          </p:cNvPr>
+          <p:cNvSpPr/>
+          <p:nvPr/>
+        </p:nvSpPr>
+        <p:spPr>
+          <a:xfrm>
+            <a:off x="3200400" y="1574799"/>
+            <a:ext cx="140920" cy="141963"/>
+          </a:xfrm>
+          <a:prstGeom prst="ellipse">
+            <a:avLst/>
+          </a:prstGeom>
+          <a:solidFill>
+            <a:schemeClr val="tx1"/>
+          </a:solidFill>
+          <a:ln>
+            <a:solidFill>
+              <a:schemeClr val="tx1"/>
+            </a:solidFill>
+          </a:ln>
+        </p:spPr>
+        <p:style>
+          <a:lnRef idx="2">
+            <a:schemeClr val="accent1">
+              <a:shade val="15000"/>
+            </a:schemeClr>
+          </a:lnRef>
+          <a:fillRef idx="1">
+            <a:schemeClr val="accent1"/>
+          </a:fillRef>
+          <a:effectRef idx="0">
+            <a:schemeClr val="accent1"/>
+          </a:effectRef>
+          <a:fontRef idx="minor">
+            <a:schemeClr val="lt1"/>
+          </a:fontRef>
+        </p:style>
+        <p:txBody>
+          <a:bodyPr rtlCol="0" anchor="ctr"/>
+          <a:lstStyle/>
+          <a:p>
+            <a:pPr algn="ctr"/>
+            <a:endParaRPr lang="ko-KR" altLang="en-US"/>
+          </a:p>
+        </p:txBody>
+      </p:sp>
+      <p:sp>
+        <p:nvSpPr>
+          <p:cNvPr id="5" name="타원 4">
+            <a:extLst>
+              <a:ext uri="{FF2B5EF4-FFF2-40B4-BE49-F238E27FC236}">
+                <a16:creationId xmlns:a16="http://schemas.microsoft.com/office/drawing/2014/main" id="{329148E7-7DA7-50A5-44BD-EB17025F5FFB}"/>
+              </a:ext>
+            </a:extLst>
+          </p:cNvPr>
+          <p:cNvSpPr/>
+          <p:nvPr/>
+        </p:nvSpPr>
+        <p:spPr>
+          <a:xfrm>
+            <a:off x="4776591" y="1272086"/>
+            <a:ext cx="140920" cy="141963"/>
+          </a:xfrm>
+          <a:prstGeom prst="ellipse">
+            <a:avLst/>
+          </a:prstGeom>
+          <a:solidFill>
+            <a:schemeClr val="tx1"/>
+          </a:solidFill>
+          <a:ln>
+            <a:solidFill>
+              <a:schemeClr val="tx1"/>
+            </a:solidFill>
+          </a:ln>
+        </p:spPr>
+        <p:style>
+          <a:lnRef idx="2">
+            <a:schemeClr val="accent1">
+              <a:shade val="15000"/>
+            </a:schemeClr>
+          </a:lnRef>
+          <a:fillRef idx="1">
+            <a:schemeClr val="accent1"/>
+          </a:fillRef>
+          <a:effectRef idx="0">
+            <a:schemeClr val="accent1"/>
+          </a:effectRef>
+          <a:fontRef idx="minor">
+            <a:schemeClr val="lt1"/>
+          </a:fontRef>
+        </p:style>
+        <p:txBody>
+          <a:bodyPr rtlCol="0" anchor="ctr"/>
+          <a:lstStyle/>
+          <a:p>
+            <a:pPr algn="ctr"/>
+            <a:endParaRPr lang="ko-KR" altLang="en-US"/>
+          </a:p>
+        </p:txBody>
+      </p:sp>
+      <p:sp>
+        <p:nvSpPr>
+          <p:cNvPr id="6" name="타원 5">
+            <a:extLst>
+              <a:ext uri="{FF2B5EF4-FFF2-40B4-BE49-F238E27FC236}">
+                <a16:creationId xmlns:a16="http://schemas.microsoft.com/office/drawing/2014/main" id="{6C93CA4F-7BDD-3995-FFA6-12233CC45369}"/>
+              </a:ext>
+            </a:extLst>
+          </p:cNvPr>
+          <p:cNvSpPr/>
+          <p:nvPr/>
+        </p:nvSpPr>
+        <p:spPr>
+          <a:xfrm>
+            <a:off x="3680564" y="2931785"/>
+            <a:ext cx="140920" cy="141963"/>
+          </a:xfrm>
+          <a:prstGeom prst="ellipse">
+            <a:avLst/>
+          </a:prstGeom>
+          <a:solidFill>
+            <a:schemeClr val="tx1"/>
+          </a:solidFill>
+          <a:ln>
+            <a:solidFill>
+              <a:schemeClr val="tx1"/>
+            </a:solidFill>
+          </a:ln>
+        </p:spPr>
+        <p:style>
+          <a:lnRef idx="2">
+            <a:schemeClr val="accent1">
+              <a:shade val="15000"/>
+            </a:schemeClr>
+          </a:lnRef>
+          <a:fillRef idx="1">
+            <a:schemeClr val="accent1"/>
+          </a:fillRef>
+          <a:effectRef idx="0">
+            <a:schemeClr val="accent1"/>
+          </a:effectRef>
+          <a:fontRef idx="minor">
+            <a:schemeClr val="lt1"/>
+          </a:fontRef>
+        </p:style>
+        <p:txBody>
+          <a:bodyPr rtlCol="0" anchor="ctr"/>
+          <a:lstStyle/>
+          <a:p>
+            <a:pPr algn="ctr"/>
+            <a:endParaRPr lang="ko-KR" altLang="en-US"/>
+          </a:p>
+        </p:txBody>
+      </p:sp>
+      <p:sp>
+        <p:nvSpPr>
+          <p:cNvPr id="8" name="타원 7">
+            <a:extLst>
+              <a:ext uri="{FF2B5EF4-FFF2-40B4-BE49-F238E27FC236}">
+                <a16:creationId xmlns:a16="http://schemas.microsoft.com/office/drawing/2014/main" id="{4F69730D-5CDA-FA51-960C-FBD64B986441}"/>
+              </a:ext>
+            </a:extLst>
+          </p:cNvPr>
+          <p:cNvSpPr/>
+          <p:nvPr/>
+        </p:nvSpPr>
+        <p:spPr>
+          <a:xfrm>
+            <a:off x="5215001" y="2869154"/>
+            <a:ext cx="140920" cy="141963"/>
+          </a:xfrm>
+          <a:prstGeom prst="ellipse">
+            <a:avLst/>
+          </a:prstGeom>
+          <a:solidFill>
+            <a:schemeClr val="tx1"/>
+          </a:solidFill>
+          <a:ln>
+            <a:solidFill>
+              <a:schemeClr val="tx1"/>
+            </a:solidFill>
+          </a:ln>
+        </p:spPr>
+        <p:style>
+          <a:lnRef idx="2">
+            <a:schemeClr val="accent1">
+              <a:shade val="15000"/>
+            </a:schemeClr>
+          </a:lnRef>
+          <a:fillRef idx="1">
+            <a:schemeClr val="accent1"/>
+          </a:fillRef>
+          <a:effectRef idx="0">
+            <a:schemeClr val="accent1"/>
+          </a:effectRef>
+          <a:fontRef idx="minor">
+            <a:schemeClr val="lt1"/>
+          </a:fontRef>
+        </p:style>
+        <p:txBody>
+          <a:bodyPr rtlCol="0" anchor="ctr"/>
+          <a:lstStyle/>
+          <a:p>
+            <a:pPr algn="ctr"/>
+            <a:endParaRPr lang="ko-KR" altLang="en-US"/>
+          </a:p>
+        </p:txBody>
+      </p:sp>
+      <p:sp>
+        <p:nvSpPr>
+          <p:cNvPr id="9" name="타원 8">
+            <a:extLst>
+              <a:ext uri="{FF2B5EF4-FFF2-40B4-BE49-F238E27FC236}">
+                <a16:creationId xmlns:a16="http://schemas.microsoft.com/office/drawing/2014/main" id="{67E4FBC4-8E16-CAD6-3CC4-832FE61F0144}"/>
+              </a:ext>
+            </a:extLst>
+          </p:cNvPr>
+          <p:cNvSpPr/>
+          <p:nvPr/>
+        </p:nvSpPr>
+        <p:spPr>
+          <a:xfrm>
+            <a:off x="4713959" y="4664550"/>
+            <a:ext cx="140920" cy="141963"/>
+          </a:xfrm>
+          <a:prstGeom prst="ellipse">
+            <a:avLst/>
+          </a:prstGeom>
+          <a:solidFill>
+            <a:schemeClr val="tx1"/>
+          </a:solidFill>
+          <a:ln>
+            <a:solidFill>
+              <a:schemeClr val="tx1"/>
+            </a:solidFill>
+          </a:ln>
+        </p:spPr>
+        <p:style>
+          <a:lnRef idx="2">
+            <a:schemeClr val="accent1">
+              <a:shade val="15000"/>
+            </a:schemeClr>
+          </a:lnRef>
+          <a:fillRef idx="1">
+            <a:schemeClr val="accent1"/>
+          </a:fillRef>
+          <a:effectRef idx="0">
+            <a:schemeClr val="accent1"/>
+          </a:effectRef>
+          <a:fontRef idx="minor">
+            <a:schemeClr val="lt1"/>
+          </a:fontRef>
+        </p:style>
+        <p:txBody>
+          <a:bodyPr rtlCol="0" anchor="ctr"/>
+          <a:lstStyle/>
+          <a:p>
+            <a:pPr algn="ctr"/>
+            <a:endParaRPr lang="ko-KR" altLang="en-US"/>
+          </a:p>
+        </p:txBody>
+      </p:sp>
+      <p:sp>
+        <p:nvSpPr>
+          <p:cNvPr id="10" name="타원 9">
+            <a:extLst>
+              <a:ext uri="{FF2B5EF4-FFF2-40B4-BE49-F238E27FC236}">
+                <a16:creationId xmlns:a16="http://schemas.microsoft.com/office/drawing/2014/main" id="{8DEB411C-3856-A8F4-6255-ECF6524E2648}"/>
+              </a:ext>
+            </a:extLst>
+          </p:cNvPr>
+          <p:cNvSpPr/>
+          <p:nvPr/>
+        </p:nvSpPr>
+        <p:spPr>
+          <a:xfrm>
+            <a:off x="7240041" y="2576879"/>
+            <a:ext cx="140920" cy="141963"/>
+          </a:xfrm>
+          <a:prstGeom prst="ellipse">
+            <a:avLst/>
+          </a:prstGeom>
+          <a:solidFill>
+            <a:schemeClr val="tx1"/>
+          </a:solidFill>
+          <a:ln>
+            <a:solidFill>
+              <a:schemeClr val="tx1"/>
+            </a:solidFill>
+          </a:ln>
+        </p:spPr>
+        <p:style>
+          <a:lnRef idx="2">
+            <a:schemeClr val="accent1">
+              <a:shade val="15000"/>
+            </a:schemeClr>
+          </a:lnRef>
+          <a:fillRef idx="1">
+            <a:schemeClr val="accent1"/>
+          </a:fillRef>
+          <a:effectRef idx="0">
+            <a:schemeClr val="accent1"/>
+          </a:effectRef>
+          <a:fontRef idx="minor">
+            <a:schemeClr val="lt1"/>
+          </a:fontRef>
+        </p:style>
+        <p:txBody>
+          <a:bodyPr rtlCol="0" anchor="ctr"/>
+          <a:lstStyle/>
+          <a:p>
+            <a:pPr algn="ctr"/>
+            <a:endParaRPr lang="ko-KR" altLang="en-US"/>
+          </a:p>
+        </p:txBody>
+      </p:sp>
+      <p:sp>
+        <p:nvSpPr>
+          <p:cNvPr id="3" name="타원 2">
+            <a:extLst>
+              <a:ext uri="{FF2B5EF4-FFF2-40B4-BE49-F238E27FC236}">
+                <a16:creationId xmlns:a16="http://schemas.microsoft.com/office/drawing/2014/main" id="{B80446EF-F16C-9557-9452-DC96FCA6DB2C}"/>
+              </a:ext>
+            </a:extLst>
+          </p:cNvPr>
+          <p:cNvSpPr/>
+          <p:nvPr/>
+        </p:nvSpPr>
+        <p:spPr>
+          <a:xfrm>
+            <a:off x="5181600" y="3388659"/>
+            <a:ext cx="143436" cy="143436"/>
+          </a:xfrm>
+          <a:prstGeom prst="ellipse">
+            <a:avLst/>
+          </a:prstGeom>
+          <a:solidFill>
+            <a:srgbClr val="FF0000"/>
+          </a:solidFill>
+          <a:ln>
+            <a:solidFill>
+              <a:srgbClr val="FF0000"/>
+            </a:solidFill>
+          </a:ln>
+        </p:spPr>
+        <p:style>
+          <a:lnRef idx="2">
+            <a:schemeClr val="accent1">
+              <a:shade val="15000"/>
+            </a:schemeClr>
+          </a:lnRef>
+          <a:fillRef idx="1">
+            <a:schemeClr val="accent1"/>
+          </a:fillRef>
+          <a:effectRef idx="0">
+            <a:schemeClr val="accent1"/>
+          </a:effectRef>
+          <a:fontRef idx="minor">
+            <a:schemeClr val="lt1"/>
+          </a:fontRef>
+        </p:style>
+        <p:txBody>
+          <a:bodyPr rtlCol="0" anchor="ctr"/>
+          <a:lstStyle/>
+          <a:p>
+            <a:pPr algn="ctr"/>
+            <a:endParaRPr lang="ko-KR" altLang="en-US"/>
+          </a:p>
+        </p:txBody>
+      </p:sp>
+      <p:sp>
+        <p:nvSpPr>
+          <p:cNvPr id="13" name="TextBox 12">
+            <a:extLst>
+              <a:ext uri="{FF2B5EF4-FFF2-40B4-BE49-F238E27FC236}">
+                <a16:creationId xmlns:a16="http://schemas.microsoft.com/office/drawing/2014/main" id="{FB05736E-57E8-5920-43AB-AF98CA504A89}"/>
+              </a:ext>
+            </a:extLst>
+          </p:cNvPr>
+          <p:cNvSpPr txBox="1"/>
+          <p:nvPr/>
+        </p:nvSpPr>
+        <p:spPr>
+          <a:xfrm>
+            <a:off x="8121041" y="605425"/>
+            <a:ext cx="3922734" cy="1323439"/>
+          </a:xfrm>
+          <a:prstGeom prst="rect">
+            <a:avLst/>
+          </a:prstGeom>
+          <a:noFill/>
+        </p:spPr>
+        <p:txBody>
+          <a:bodyPr rot="0" spcFirstLastPara="0" vertOverflow="overflow" horzOverflow="overflow" vert="horz" wrap="square" lIns="91440" tIns="45720" rIns="91440" bIns="45720" numCol="1" spcCol="0" rtlCol="0" fromWordArt="0" anchor="t" anchorCtr="0" forceAA="0" compatLnSpc="1">
+            <a:prstTxWarp prst="textNoShape">
+              <a:avLst/>
+            </a:prstTxWarp>
+            <a:spAutoFit/>
+          </a:bodyPr>
+          <a:lstStyle/>
+          <a:p>
+            <a:r>
+              <a:rPr lang="ko-KR" altLang="en-US" sz="2000" dirty="0">
+                <a:ea typeface="맑은 고딕"/>
+              </a:rPr>
+              <a:t>원의 중심을 고정하고 생각</a:t>
+            </a:r>
+          </a:p>
+          <a:p>
+            <a:endParaRPr lang="ko-KR" altLang="en-US" sz="2000" dirty="0">
+              <a:ea typeface="맑은 고딕"/>
+            </a:endParaRPr>
+          </a:p>
+          <a:p>
+            <a:r>
+              <a:rPr lang="ko-KR" altLang="en-US" sz="2000" dirty="0">
+                <a:ea typeface="맑은 고딕"/>
+              </a:rPr>
+              <a:t>해당 지점을 중심으로 하면서 모든 점을 포함하는 원</a:t>
+            </a:r>
+          </a:p>
+        </p:txBody>
+      </p:sp>
+    </p:spTree>
+    <p:extLst>
+      <p:ext uri="{BB962C8B-B14F-4D97-AF65-F5344CB8AC3E}">
+        <p14:creationId xmlns:p14="http://schemas.microsoft.com/office/powerpoint/2010/main" val="674311380"/>
+      </p:ext>
+    </p:extLst>
+  </p:cSld>
+  <p:clrMapOvr>
+    <a:masterClrMapping/>
+  </p:clrMapOvr>
+</p:sld>
+</file>
+
+<file path=ppt/slides/slide14.xml><?xml version="1.0" encoding="utf-8"?>
+<p:sld xmlns:a="http://schemas.openxmlformats.org/drawingml/2006/main" xmlns:r="http://schemas.openxmlformats.org/officeDocument/2006/relationships" xmlns:p="http://schemas.openxmlformats.org/presentationml/2006/main">
+  <p:cSld>
+    <p:spTree>
+      <p:nvGrpSpPr>
+        <p:cNvPr id="1" name="">
+          <a:extLst>
+            <a:ext uri="{FF2B5EF4-FFF2-40B4-BE49-F238E27FC236}">
+              <a16:creationId xmlns:a16="http://schemas.microsoft.com/office/drawing/2014/main" id="{C5E80D78-43E5-8972-F215-6930C6369337}"/>
+            </a:ext>
+          </a:extLst>
+        </p:cNvPr>
+        <p:cNvGrpSpPr/>
+        <p:nvPr/>
+      </p:nvGrpSpPr>
+      <p:grpSpPr>
+        <a:xfrm>
+          <a:off x="0" y="0"/>
+          <a:ext cx="0" cy="0"/>
+          <a:chOff x="0" y="0"/>
+          <a:chExt cx="0" cy="0"/>
+        </a:xfrm>
+      </p:grpSpPr>
+      <p:sp>
+        <p:nvSpPr>
+          <p:cNvPr id="11" name="타원 10">
+            <a:extLst>
+              <a:ext uri="{FF2B5EF4-FFF2-40B4-BE49-F238E27FC236}">
+                <a16:creationId xmlns:a16="http://schemas.microsoft.com/office/drawing/2014/main" id="{61F5DE09-77F4-171E-5644-D6BF21F2E440}"/>
+              </a:ext>
+            </a:extLst>
+          </p:cNvPr>
+          <p:cNvSpPr/>
+          <p:nvPr/>
+        </p:nvSpPr>
+        <p:spPr>
+          <a:xfrm>
+            <a:off x="2259105" y="448236"/>
+            <a:ext cx="5986810" cy="6024281"/>
+          </a:xfrm>
+          <a:prstGeom prst="ellipse">
+            <a:avLst/>
+          </a:prstGeom>
+          <a:solidFill>
+            <a:schemeClr val="bg1"/>
+          </a:solidFill>
+          <a:ln>
+            <a:solidFill>
+              <a:srgbClr val="FF0000"/>
+            </a:solidFill>
+          </a:ln>
+        </p:spPr>
+        <p:style>
+          <a:lnRef idx="2">
+            <a:schemeClr val="accent1">
+              <a:shade val="15000"/>
+            </a:schemeClr>
+          </a:lnRef>
+          <a:fillRef idx="1">
+            <a:schemeClr val="accent1"/>
+          </a:fillRef>
+          <a:effectRef idx="0">
+            <a:schemeClr val="accent1"/>
+          </a:effectRef>
+          <a:fontRef idx="minor">
+            <a:schemeClr val="lt1"/>
+          </a:fontRef>
+        </p:style>
+        <p:txBody>
+          <a:bodyPr rtlCol="0" anchor="ctr"/>
+          <a:lstStyle/>
+          <a:p>
+            <a:pPr algn="ctr"/>
+            <a:endParaRPr lang="ko-KR" altLang="en-US"/>
+          </a:p>
+        </p:txBody>
+      </p:sp>
+      <p:sp>
+        <p:nvSpPr>
+          <p:cNvPr id="4" name="타원 3">
+            <a:extLst>
+              <a:ext uri="{FF2B5EF4-FFF2-40B4-BE49-F238E27FC236}">
+                <a16:creationId xmlns:a16="http://schemas.microsoft.com/office/drawing/2014/main" id="{EBF387CA-34C2-7CC4-E228-9B428402BA9A}"/>
+              </a:ext>
+            </a:extLst>
+          </p:cNvPr>
+          <p:cNvSpPr/>
+          <p:nvPr/>
+        </p:nvSpPr>
+        <p:spPr>
+          <a:xfrm>
+            <a:off x="3200400" y="1574799"/>
+            <a:ext cx="140920" cy="141963"/>
+          </a:xfrm>
+          <a:prstGeom prst="ellipse">
+            <a:avLst/>
+          </a:prstGeom>
+          <a:solidFill>
+            <a:schemeClr val="tx1"/>
+          </a:solidFill>
+          <a:ln>
+            <a:solidFill>
+              <a:schemeClr val="tx1"/>
+            </a:solidFill>
+          </a:ln>
+        </p:spPr>
+        <p:style>
+          <a:lnRef idx="2">
+            <a:schemeClr val="accent1">
+              <a:shade val="15000"/>
+            </a:schemeClr>
+          </a:lnRef>
+          <a:fillRef idx="1">
+            <a:schemeClr val="accent1"/>
+          </a:fillRef>
+          <a:effectRef idx="0">
+            <a:schemeClr val="accent1"/>
+          </a:effectRef>
+          <a:fontRef idx="minor">
+            <a:schemeClr val="lt1"/>
+          </a:fontRef>
+        </p:style>
+        <p:txBody>
+          <a:bodyPr rtlCol="0" anchor="ctr"/>
+          <a:lstStyle/>
+          <a:p>
+            <a:pPr algn="ctr"/>
+            <a:endParaRPr lang="ko-KR" altLang="en-US"/>
+          </a:p>
+        </p:txBody>
+      </p:sp>
+      <p:sp>
+        <p:nvSpPr>
+          <p:cNvPr id="5" name="타원 4">
+            <a:extLst>
+              <a:ext uri="{FF2B5EF4-FFF2-40B4-BE49-F238E27FC236}">
+                <a16:creationId xmlns:a16="http://schemas.microsoft.com/office/drawing/2014/main" id="{87731F08-68C1-9A69-BF3C-E6111FC74BDC}"/>
+              </a:ext>
+            </a:extLst>
+          </p:cNvPr>
+          <p:cNvSpPr/>
+          <p:nvPr/>
+        </p:nvSpPr>
+        <p:spPr>
+          <a:xfrm>
+            <a:off x="4776591" y="1272086"/>
+            <a:ext cx="140920" cy="141963"/>
+          </a:xfrm>
+          <a:prstGeom prst="ellipse">
+            <a:avLst/>
+          </a:prstGeom>
+          <a:solidFill>
+            <a:schemeClr val="tx1"/>
+          </a:solidFill>
+          <a:ln>
+            <a:solidFill>
+              <a:schemeClr val="tx1"/>
+            </a:solidFill>
+          </a:ln>
+        </p:spPr>
+        <p:style>
+          <a:lnRef idx="2">
+            <a:schemeClr val="accent1">
+              <a:shade val="15000"/>
+            </a:schemeClr>
+          </a:lnRef>
+          <a:fillRef idx="1">
+            <a:schemeClr val="accent1"/>
+          </a:fillRef>
+          <a:effectRef idx="0">
+            <a:schemeClr val="accent1"/>
+          </a:effectRef>
+          <a:fontRef idx="minor">
+            <a:schemeClr val="lt1"/>
+          </a:fontRef>
+        </p:style>
+        <p:txBody>
+          <a:bodyPr rtlCol="0" anchor="ctr"/>
+          <a:lstStyle/>
+          <a:p>
+            <a:pPr algn="ctr"/>
+            <a:endParaRPr lang="ko-KR" altLang="en-US"/>
+          </a:p>
+        </p:txBody>
+      </p:sp>
+      <p:sp>
+        <p:nvSpPr>
+          <p:cNvPr id="6" name="타원 5">
+            <a:extLst>
+              <a:ext uri="{FF2B5EF4-FFF2-40B4-BE49-F238E27FC236}">
+                <a16:creationId xmlns:a16="http://schemas.microsoft.com/office/drawing/2014/main" id="{53019D61-C141-A982-31E8-305BD2893917}"/>
+              </a:ext>
+            </a:extLst>
+          </p:cNvPr>
+          <p:cNvSpPr/>
+          <p:nvPr/>
+        </p:nvSpPr>
+        <p:spPr>
+          <a:xfrm>
+            <a:off x="3680564" y="2931785"/>
+            <a:ext cx="140920" cy="141963"/>
+          </a:xfrm>
+          <a:prstGeom prst="ellipse">
+            <a:avLst/>
+          </a:prstGeom>
+          <a:solidFill>
+            <a:schemeClr val="tx1"/>
+          </a:solidFill>
+          <a:ln>
+            <a:solidFill>
+              <a:schemeClr val="tx1"/>
+            </a:solidFill>
+          </a:ln>
+        </p:spPr>
+        <p:style>
+          <a:lnRef idx="2">
+            <a:schemeClr val="accent1">
+              <a:shade val="15000"/>
+            </a:schemeClr>
+          </a:lnRef>
+          <a:fillRef idx="1">
+            <a:schemeClr val="accent1"/>
+          </a:fillRef>
+          <a:effectRef idx="0">
+            <a:schemeClr val="accent1"/>
+          </a:effectRef>
+          <a:fontRef idx="minor">
+            <a:schemeClr val="lt1"/>
+          </a:fontRef>
+        </p:style>
+        <p:txBody>
+          <a:bodyPr rtlCol="0" anchor="ctr"/>
+          <a:lstStyle/>
+          <a:p>
+            <a:pPr algn="ctr"/>
+            <a:endParaRPr lang="ko-KR" altLang="en-US"/>
+          </a:p>
+        </p:txBody>
+      </p:sp>
+      <p:sp>
+        <p:nvSpPr>
+          <p:cNvPr id="8" name="타원 7">
+            <a:extLst>
+              <a:ext uri="{FF2B5EF4-FFF2-40B4-BE49-F238E27FC236}">
+                <a16:creationId xmlns:a16="http://schemas.microsoft.com/office/drawing/2014/main" id="{7D8CB358-091A-FF93-2B0C-5D5EE054EB29}"/>
+              </a:ext>
+            </a:extLst>
+          </p:cNvPr>
+          <p:cNvSpPr/>
+          <p:nvPr/>
+        </p:nvSpPr>
+        <p:spPr>
+          <a:xfrm>
+            <a:off x="5215001" y="2869154"/>
+            <a:ext cx="140920" cy="141963"/>
+          </a:xfrm>
+          <a:prstGeom prst="ellipse">
+            <a:avLst/>
+          </a:prstGeom>
+          <a:solidFill>
+            <a:schemeClr val="tx1"/>
+          </a:solidFill>
+          <a:ln>
+            <a:solidFill>
+              <a:schemeClr val="tx1"/>
+            </a:solidFill>
+          </a:ln>
+        </p:spPr>
+        <p:style>
+          <a:lnRef idx="2">
+            <a:schemeClr val="accent1">
+              <a:shade val="15000"/>
+            </a:schemeClr>
+          </a:lnRef>
+          <a:fillRef idx="1">
+            <a:schemeClr val="accent1"/>
+          </a:fillRef>
+          <a:effectRef idx="0">
+            <a:schemeClr val="accent1"/>
+          </a:effectRef>
+          <a:fontRef idx="minor">
+            <a:schemeClr val="lt1"/>
+          </a:fontRef>
+        </p:style>
+        <p:txBody>
+          <a:bodyPr rtlCol="0" anchor="ctr"/>
+          <a:lstStyle/>
+          <a:p>
+            <a:pPr algn="ctr"/>
+            <a:endParaRPr lang="ko-KR" altLang="en-US"/>
+          </a:p>
+        </p:txBody>
+      </p:sp>
+      <p:sp>
+        <p:nvSpPr>
+          <p:cNvPr id="9" name="타원 8">
+            <a:extLst>
+              <a:ext uri="{FF2B5EF4-FFF2-40B4-BE49-F238E27FC236}">
+                <a16:creationId xmlns:a16="http://schemas.microsoft.com/office/drawing/2014/main" id="{76370A8C-DCFD-AC55-6100-F49F17413CBA}"/>
+              </a:ext>
+            </a:extLst>
+          </p:cNvPr>
+          <p:cNvSpPr/>
+          <p:nvPr/>
+        </p:nvSpPr>
+        <p:spPr>
+          <a:xfrm>
+            <a:off x="4713959" y="4664550"/>
+            <a:ext cx="140920" cy="141963"/>
+          </a:xfrm>
+          <a:prstGeom prst="ellipse">
+            <a:avLst/>
+          </a:prstGeom>
+          <a:solidFill>
+            <a:schemeClr val="tx1"/>
+          </a:solidFill>
+          <a:ln>
+            <a:solidFill>
+              <a:schemeClr val="tx1"/>
+            </a:solidFill>
+          </a:ln>
+        </p:spPr>
+        <p:style>
+          <a:lnRef idx="2">
+            <a:schemeClr val="accent1">
+              <a:shade val="15000"/>
+            </a:schemeClr>
+          </a:lnRef>
+          <a:fillRef idx="1">
+            <a:schemeClr val="accent1"/>
+          </a:fillRef>
+          <a:effectRef idx="0">
+            <a:schemeClr val="accent1"/>
+          </a:effectRef>
+          <a:fontRef idx="minor">
+            <a:schemeClr val="lt1"/>
+          </a:fontRef>
+        </p:style>
+        <p:txBody>
+          <a:bodyPr rtlCol="0" anchor="ctr"/>
+          <a:lstStyle/>
+          <a:p>
+            <a:pPr algn="ctr"/>
+            <a:endParaRPr lang="ko-KR" altLang="en-US"/>
+          </a:p>
+        </p:txBody>
+      </p:sp>
+      <p:sp>
+        <p:nvSpPr>
+          <p:cNvPr id="10" name="타원 9">
+            <a:extLst>
+              <a:ext uri="{FF2B5EF4-FFF2-40B4-BE49-F238E27FC236}">
+                <a16:creationId xmlns:a16="http://schemas.microsoft.com/office/drawing/2014/main" id="{9C79F502-D0CC-FFBA-4E4E-1EEC2C47ED21}"/>
+              </a:ext>
+            </a:extLst>
+          </p:cNvPr>
+          <p:cNvSpPr/>
+          <p:nvPr/>
+        </p:nvSpPr>
+        <p:spPr>
+          <a:xfrm>
+            <a:off x="7240041" y="2576879"/>
+            <a:ext cx="140920" cy="141963"/>
+          </a:xfrm>
+          <a:prstGeom prst="ellipse">
+            <a:avLst/>
+          </a:prstGeom>
+          <a:solidFill>
+            <a:schemeClr val="tx1"/>
+          </a:solidFill>
+          <a:ln>
+            <a:solidFill>
+              <a:schemeClr val="tx1"/>
+            </a:solidFill>
+          </a:ln>
+        </p:spPr>
+        <p:style>
+          <a:lnRef idx="2">
+            <a:schemeClr val="accent1">
+              <a:shade val="15000"/>
+            </a:schemeClr>
+          </a:lnRef>
+          <a:fillRef idx="1">
+            <a:schemeClr val="accent1"/>
+          </a:fillRef>
+          <a:effectRef idx="0">
+            <a:schemeClr val="accent1"/>
+          </a:effectRef>
+          <a:fontRef idx="minor">
+            <a:schemeClr val="lt1"/>
+          </a:fontRef>
+        </p:style>
+        <p:txBody>
+          <a:bodyPr rtlCol="0" anchor="ctr"/>
+          <a:lstStyle/>
+          <a:p>
+            <a:pPr algn="ctr"/>
+            <a:endParaRPr lang="ko-KR" altLang="en-US"/>
+          </a:p>
+        </p:txBody>
+      </p:sp>
+      <p:sp>
+        <p:nvSpPr>
+          <p:cNvPr id="3" name="타원 2">
+            <a:extLst>
+              <a:ext uri="{FF2B5EF4-FFF2-40B4-BE49-F238E27FC236}">
+                <a16:creationId xmlns:a16="http://schemas.microsoft.com/office/drawing/2014/main" id="{040E999C-92C8-D0DA-AC84-3C9283F47890}"/>
+              </a:ext>
+            </a:extLst>
+          </p:cNvPr>
+          <p:cNvSpPr/>
+          <p:nvPr/>
+        </p:nvSpPr>
+        <p:spPr>
+          <a:xfrm>
+            <a:off x="5181600" y="3388659"/>
+            <a:ext cx="143436" cy="143436"/>
+          </a:xfrm>
+          <a:prstGeom prst="ellipse">
+            <a:avLst/>
+          </a:prstGeom>
+          <a:solidFill>
+            <a:srgbClr val="FF0000"/>
+          </a:solidFill>
+          <a:ln>
+            <a:solidFill>
+              <a:srgbClr val="FF0000"/>
+            </a:solidFill>
+          </a:ln>
+        </p:spPr>
+        <p:style>
+          <a:lnRef idx="2">
+            <a:schemeClr val="accent1">
+              <a:shade val="15000"/>
+            </a:schemeClr>
+          </a:lnRef>
+          <a:fillRef idx="1">
+            <a:schemeClr val="accent1"/>
+          </a:fillRef>
+          <a:effectRef idx="0">
+            <a:schemeClr val="accent1"/>
+          </a:effectRef>
+          <a:fontRef idx="minor">
+            <a:schemeClr val="lt1"/>
+          </a:fontRef>
+        </p:style>
+        <p:txBody>
+          <a:bodyPr rtlCol="0" anchor="ctr"/>
+          <a:lstStyle/>
+          <a:p>
+            <a:pPr algn="ctr"/>
+            <a:endParaRPr lang="ko-KR" altLang="en-US"/>
+          </a:p>
+        </p:txBody>
+      </p:sp>
+      <p:sp>
+        <p:nvSpPr>
+          <p:cNvPr id="13" name="TextBox 12">
+            <a:extLst>
+              <a:ext uri="{FF2B5EF4-FFF2-40B4-BE49-F238E27FC236}">
+                <a16:creationId xmlns:a16="http://schemas.microsoft.com/office/drawing/2014/main" id="{5477812B-2E03-ACBD-4A6E-FA8203D1F884}"/>
+              </a:ext>
+            </a:extLst>
+          </p:cNvPr>
+          <p:cNvSpPr txBox="1"/>
+          <p:nvPr/>
+        </p:nvSpPr>
+        <p:spPr>
+          <a:xfrm>
+            <a:off x="8121041" y="605425"/>
+            <a:ext cx="3922734" cy="1323439"/>
+          </a:xfrm>
+          <a:prstGeom prst="rect">
+            <a:avLst/>
+          </a:prstGeom>
+          <a:noFill/>
+        </p:spPr>
+        <p:txBody>
+          <a:bodyPr rot="0" spcFirstLastPara="0" vertOverflow="overflow" horzOverflow="overflow" vert="horz" wrap="square" lIns="91440" tIns="45720" rIns="91440" bIns="45720" numCol="1" spcCol="0" rtlCol="0" fromWordArt="0" anchor="t" anchorCtr="0" forceAA="0" compatLnSpc="1">
+            <a:prstTxWarp prst="textNoShape">
+              <a:avLst/>
+            </a:prstTxWarp>
+            <a:spAutoFit/>
+          </a:bodyPr>
+          <a:lstStyle/>
+          <a:p>
+            <a:r>
+              <a:rPr lang="ko-KR" altLang="en-US" sz="2000" dirty="0">
+                <a:ea typeface="맑은 고딕"/>
+              </a:rPr>
+              <a:t>원의 중심을 고정하고 생각</a:t>
+            </a:r>
+          </a:p>
+          <a:p>
+            <a:endParaRPr lang="ko-KR" altLang="en-US" sz="2000" dirty="0">
+              <a:ea typeface="맑은 고딕"/>
+            </a:endParaRPr>
+          </a:p>
+          <a:p>
+            <a:r>
+              <a:rPr lang="ko-KR" altLang="en-US" sz="2000" dirty="0">
+                <a:ea typeface="맑은 고딕"/>
+              </a:rPr>
+              <a:t>해당 지점을 중심으로 하면서 모든 점을 포함하는 원</a:t>
+            </a:r>
+          </a:p>
+        </p:txBody>
+      </p:sp>
+      <p:sp>
+        <p:nvSpPr>
+          <p:cNvPr id="14" name="타원 13">
+            <a:extLst>
+              <a:ext uri="{FF2B5EF4-FFF2-40B4-BE49-F238E27FC236}">
+                <a16:creationId xmlns:a16="http://schemas.microsoft.com/office/drawing/2014/main" id="{187ACC6A-4733-C1EC-0FAE-8A0960EE7EB0}"/>
+              </a:ext>
+            </a:extLst>
+          </p:cNvPr>
+          <p:cNvSpPr/>
+          <p:nvPr/>
+        </p:nvSpPr>
+        <p:spPr>
+          <a:xfrm>
+            <a:off x="1904200" y="62016"/>
+            <a:ext cx="6752944" cy="6786281"/>
+          </a:xfrm>
+          <a:prstGeom prst="ellipse">
+            <a:avLst/>
+          </a:prstGeom>
+          <a:noFill/>
+          <a:ln>
+            <a:solidFill>
+              <a:srgbClr val="FF0000"/>
+            </a:solidFill>
+          </a:ln>
+        </p:spPr>
+        <p:style>
+          <a:lnRef idx="2">
+            <a:schemeClr val="accent1">
+              <a:shade val="15000"/>
+            </a:schemeClr>
+          </a:lnRef>
+          <a:fillRef idx="1">
+            <a:schemeClr val="accent1"/>
+          </a:fillRef>
+          <a:effectRef idx="0">
+            <a:schemeClr val="accent1"/>
+          </a:effectRef>
+          <a:fontRef idx="minor">
+            <a:schemeClr val="lt1"/>
+          </a:fontRef>
+        </p:style>
+        <p:txBody>
+          <a:bodyPr rtlCol="0" anchor="ctr"/>
+          <a:lstStyle/>
+          <a:p>
+            <a:pPr algn="ctr"/>
+            <a:endParaRPr lang="ko-KR" altLang="en-US"/>
+          </a:p>
+        </p:txBody>
+      </p:sp>
+    </p:spTree>
+    <p:extLst>
+      <p:ext uri="{BB962C8B-B14F-4D97-AF65-F5344CB8AC3E}">
+        <p14:creationId xmlns:p14="http://schemas.microsoft.com/office/powerpoint/2010/main" val="926812910"/>
+      </p:ext>
+    </p:extLst>
+  </p:cSld>
+  <p:clrMapOvr>
+    <a:masterClrMapping/>
+  </p:clrMapOvr>
+</p:sld>
+</file>
+
+<file path=ppt/slides/slide15.xml><?xml version="1.0" encoding="utf-8"?>
+<p:sld xmlns:a="http://schemas.openxmlformats.org/drawingml/2006/main" xmlns:r="http://schemas.openxmlformats.org/officeDocument/2006/relationships" xmlns:p="http://schemas.openxmlformats.org/presentationml/2006/main">
+  <p:cSld>
+    <p:spTree>
+      <p:nvGrpSpPr>
+        <p:cNvPr id="1" name="">
+          <a:extLst>
+            <a:ext uri="{FF2B5EF4-FFF2-40B4-BE49-F238E27FC236}">
+              <a16:creationId xmlns:a16="http://schemas.microsoft.com/office/drawing/2014/main" id="{E969168F-2282-21DF-B601-9E328B11BEF3}"/>
+            </a:ext>
+          </a:extLst>
+        </p:cNvPr>
+        <p:cNvGrpSpPr/>
+        <p:nvPr/>
+      </p:nvGrpSpPr>
+      <p:grpSpPr>
+        <a:xfrm>
+          <a:off x="0" y="0"/>
+          <a:ext cx="0" cy="0"/>
+          <a:chOff x="0" y="0"/>
+          <a:chExt cx="0" cy="0"/>
+        </a:xfrm>
+      </p:grpSpPr>
+      <p:sp>
+        <p:nvSpPr>
+          <p:cNvPr id="11" name="타원 10">
+            <a:extLst>
+              <a:ext uri="{FF2B5EF4-FFF2-40B4-BE49-F238E27FC236}">
+                <a16:creationId xmlns:a16="http://schemas.microsoft.com/office/drawing/2014/main" id="{FB5C4A9D-D799-36CA-6FE3-93AFD2C210C7}"/>
+              </a:ext>
+            </a:extLst>
+          </p:cNvPr>
+          <p:cNvSpPr/>
+          <p:nvPr/>
+        </p:nvSpPr>
+        <p:spPr>
+          <a:xfrm>
+            <a:off x="2259105" y="448236"/>
+            <a:ext cx="5986810" cy="6024281"/>
+          </a:xfrm>
+          <a:prstGeom prst="ellipse">
+            <a:avLst/>
+          </a:prstGeom>
+          <a:solidFill>
+            <a:schemeClr val="bg1"/>
+          </a:solidFill>
+          <a:ln>
+            <a:solidFill>
+              <a:srgbClr val="FF0000"/>
+            </a:solidFill>
+          </a:ln>
+        </p:spPr>
+        <p:style>
+          <a:lnRef idx="2">
+            <a:schemeClr val="accent1">
+              <a:shade val="15000"/>
+            </a:schemeClr>
+          </a:lnRef>
+          <a:fillRef idx="1">
+            <a:schemeClr val="accent1"/>
+          </a:fillRef>
+          <a:effectRef idx="0">
+            <a:schemeClr val="accent1"/>
+          </a:effectRef>
+          <a:fontRef idx="minor">
+            <a:schemeClr val="lt1"/>
+          </a:fontRef>
+        </p:style>
+        <p:txBody>
+          <a:bodyPr rtlCol="0" anchor="ctr"/>
+          <a:lstStyle/>
+          <a:p>
+            <a:pPr algn="ctr"/>
+            <a:endParaRPr lang="ko-KR" altLang="en-US"/>
+          </a:p>
+        </p:txBody>
+      </p:sp>
+      <p:sp>
+        <p:nvSpPr>
+          <p:cNvPr id="4" name="타원 3">
+            <a:extLst>
+              <a:ext uri="{FF2B5EF4-FFF2-40B4-BE49-F238E27FC236}">
+                <a16:creationId xmlns:a16="http://schemas.microsoft.com/office/drawing/2014/main" id="{17228A96-A073-4281-C010-B765D8D410EF}"/>
+              </a:ext>
+            </a:extLst>
+          </p:cNvPr>
+          <p:cNvSpPr/>
+          <p:nvPr/>
+        </p:nvSpPr>
+        <p:spPr>
+          <a:xfrm>
+            <a:off x="3200400" y="1574799"/>
+            <a:ext cx="140920" cy="141963"/>
+          </a:xfrm>
+          <a:prstGeom prst="ellipse">
+            <a:avLst/>
+          </a:prstGeom>
+          <a:solidFill>
+            <a:schemeClr val="tx1"/>
+          </a:solidFill>
+          <a:ln>
+            <a:solidFill>
+              <a:schemeClr val="tx1"/>
+            </a:solidFill>
+          </a:ln>
+        </p:spPr>
+        <p:style>
+          <a:lnRef idx="2">
+            <a:schemeClr val="accent1">
+              <a:shade val="15000"/>
+            </a:schemeClr>
+          </a:lnRef>
+          <a:fillRef idx="1">
+            <a:schemeClr val="accent1"/>
+          </a:fillRef>
+          <a:effectRef idx="0">
+            <a:schemeClr val="accent1"/>
+          </a:effectRef>
+          <a:fontRef idx="minor">
+            <a:schemeClr val="lt1"/>
+          </a:fontRef>
+        </p:style>
+        <p:txBody>
+          <a:bodyPr rtlCol="0" anchor="ctr"/>
+          <a:lstStyle/>
+          <a:p>
+            <a:pPr algn="ctr"/>
+            <a:endParaRPr lang="ko-KR" altLang="en-US"/>
+          </a:p>
+        </p:txBody>
+      </p:sp>
+      <p:sp>
+        <p:nvSpPr>
+          <p:cNvPr id="5" name="타원 4">
+            <a:extLst>
+              <a:ext uri="{FF2B5EF4-FFF2-40B4-BE49-F238E27FC236}">
+                <a16:creationId xmlns:a16="http://schemas.microsoft.com/office/drawing/2014/main" id="{E4857304-5316-6FFC-BA19-9D264806C39C}"/>
+              </a:ext>
+            </a:extLst>
+          </p:cNvPr>
+          <p:cNvSpPr/>
+          <p:nvPr/>
+        </p:nvSpPr>
+        <p:spPr>
+          <a:xfrm>
+            <a:off x="4776591" y="1272086"/>
+            <a:ext cx="140920" cy="141963"/>
+          </a:xfrm>
+          <a:prstGeom prst="ellipse">
+            <a:avLst/>
+          </a:prstGeom>
+          <a:solidFill>
+            <a:schemeClr val="tx1"/>
+          </a:solidFill>
+          <a:ln>
+            <a:solidFill>
+              <a:schemeClr val="tx1"/>
+            </a:solidFill>
+          </a:ln>
+        </p:spPr>
+        <p:style>
+          <a:lnRef idx="2">
+            <a:schemeClr val="accent1">
+              <a:shade val="15000"/>
+            </a:schemeClr>
+          </a:lnRef>
+          <a:fillRef idx="1">
+            <a:schemeClr val="accent1"/>
+          </a:fillRef>
+          <a:effectRef idx="0">
+            <a:schemeClr val="accent1"/>
+          </a:effectRef>
+          <a:fontRef idx="minor">
+            <a:schemeClr val="lt1"/>
+          </a:fontRef>
+        </p:style>
+        <p:txBody>
+          <a:bodyPr rtlCol="0" anchor="ctr"/>
+          <a:lstStyle/>
+          <a:p>
+            <a:pPr algn="ctr"/>
+            <a:endParaRPr lang="ko-KR" altLang="en-US"/>
+          </a:p>
+        </p:txBody>
+      </p:sp>
+      <p:sp>
+        <p:nvSpPr>
+          <p:cNvPr id="6" name="타원 5">
+            <a:extLst>
+              <a:ext uri="{FF2B5EF4-FFF2-40B4-BE49-F238E27FC236}">
+                <a16:creationId xmlns:a16="http://schemas.microsoft.com/office/drawing/2014/main" id="{6E6AB310-714E-06B9-EA7F-7BC533B82174}"/>
+              </a:ext>
+            </a:extLst>
+          </p:cNvPr>
+          <p:cNvSpPr/>
+          <p:nvPr/>
+        </p:nvSpPr>
+        <p:spPr>
+          <a:xfrm>
+            <a:off x="3680564" y="2931785"/>
+            <a:ext cx="140920" cy="141963"/>
+          </a:xfrm>
+          <a:prstGeom prst="ellipse">
+            <a:avLst/>
+          </a:prstGeom>
+          <a:solidFill>
+            <a:schemeClr val="tx1"/>
+          </a:solidFill>
+          <a:ln>
+            <a:solidFill>
+              <a:schemeClr val="tx1"/>
+            </a:solidFill>
+          </a:ln>
+        </p:spPr>
+        <p:style>
+          <a:lnRef idx="2">
+            <a:schemeClr val="accent1">
+              <a:shade val="15000"/>
+            </a:schemeClr>
+          </a:lnRef>
+          <a:fillRef idx="1">
+            <a:schemeClr val="accent1"/>
+          </a:fillRef>
+          <a:effectRef idx="0">
+            <a:schemeClr val="accent1"/>
+          </a:effectRef>
+          <a:fontRef idx="minor">
+            <a:schemeClr val="lt1"/>
+          </a:fontRef>
+        </p:style>
+        <p:txBody>
+          <a:bodyPr rtlCol="0" anchor="ctr"/>
+          <a:lstStyle/>
+          <a:p>
+            <a:pPr algn="ctr"/>
+            <a:endParaRPr lang="ko-KR" altLang="en-US"/>
+          </a:p>
+        </p:txBody>
+      </p:sp>
+      <p:sp>
+        <p:nvSpPr>
+          <p:cNvPr id="8" name="타원 7">
+            <a:extLst>
+              <a:ext uri="{FF2B5EF4-FFF2-40B4-BE49-F238E27FC236}">
+                <a16:creationId xmlns:a16="http://schemas.microsoft.com/office/drawing/2014/main" id="{C343B7FF-5439-9D12-FE50-2D5611259DE9}"/>
+              </a:ext>
+            </a:extLst>
+          </p:cNvPr>
+          <p:cNvSpPr/>
+          <p:nvPr/>
+        </p:nvSpPr>
+        <p:spPr>
+          <a:xfrm>
+            <a:off x="5215001" y="2869154"/>
+            <a:ext cx="140920" cy="141963"/>
+          </a:xfrm>
+          <a:prstGeom prst="ellipse">
+            <a:avLst/>
+          </a:prstGeom>
+          <a:solidFill>
+            <a:schemeClr val="tx1"/>
+          </a:solidFill>
+          <a:ln>
+            <a:solidFill>
+              <a:schemeClr val="tx1"/>
+            </a:solidFill>
+          </a:ln>
+        </p:spPr>
+        <p:style>
+          <a:lnRef idx="2">
+            <a:schemeClr val="accent1">
+              <a:shade val="15000"/>
+            </a:schemeClr>
+          </a:lnRef>
+          <a:fillRef idx="1">
+            <a:schemeClr val="accent1"/>
+          </a:fillRef>
+          <a:effectRef idx="0">
+            <a:schemeClr val="accent1"/>
+          </a:effectRef>
+          <a:fontRef idx="minor">
+            <a:schemeClr val="lt1"/>
+          </a:fontRef>
+        </p:style>
+        <p:txBody>
+          <a:bodyPr rtlCol="0" anchor="ctr"/>
+          <a:lstStyle/>
+          <a:p>
+            <a:pPr algn="ctr"/>
+            <a:endParaRPr lang="ko-KR" altLang="en-US"/>
+          </a:p>
+        </p:txBody>
+      </p:sp>
+      <p:sp>
+        <p:nvSpPr>
+          <p:cNvPr id="9" name="타원 8">
+            <a:extLst>
+              <a:ext uri="{FF2B5EF4-FFF2-40B4-BE49-F238E27FC236}">
+                <a16:creationId xmlns:a16="http://schemas.microsoft.com/office/drawing/2014/main" id="{A34A5478-31FE-9DC4-405F-281167D75112}"/>
+              </a:ext>
+            </a:extLst>
+          </p:cNvPr>
+          <p:cNvSpPr/>
+          <p:nvPr/>
+        </p:nvSpPr>
+        <p:spPr>
+          <a:xfrm>
+            <a:off x="4713959" y="4664550"/>
+            <a:ext cx="140920" cy="141963"/>
+          </a:xfrm>
+          <a:prstGeom prst="ellipse">
+            <a:avLst/>
+          </a:prstGeom>
+          <a:solidFill>
+            <a:schemeClr val="tx1"/>
+          </a:solidFill>
+          <a:ln>
+            <a:solidFill>
+              <a:schemeClr val="tx1"/>
+            </a:solidFill>
+          </a:ln>
+        </p:spPr>
+        <p:style>
+          <a:lnRef idx="2">
+            <a:schemeClr val="accent1">
+              <a:shade val="15000"/>
+            </a:schemeClr>
+          </a:lnRef>
+          <a:fillRef idx="1">
+            <a:schemeClr val="accent1"/>
+          </a:fillRef>
+          <a:effectRef idx="0">
+            <a:schemeClr val="accent1"/>
+          </a:effectRef>
+          <a:fontRef idx="minor">
+            <a:schemeClr val="lt1"/>
+          </a:fontRef>
+        </p:style>
+        <p:txBody>
+          <a:bodyPr rtlCol="0" anchor="ctr"/>
+          <a:lstStyle/>
+          <a:p>
+            <a:pPr algn="ctr"/>
+            <a:endParaRPr lang="ko-KR" altLang="en-US"/>
+          </a:p>
+        </p:txBody>
+      </p:sp>
+      <p:sp>
+        <p:nvSpPr>
+          <p:cNvPr id="10" name="타원 9">
+            <a:extLst>
+              <a:ext uri="{FF2B5EF4-FFF2-40B4-BE49-F238E27FC236}">
+                <a16:creationId xmlns:a16="http://schemas.microsoft.com/office/drawing/2014/main" id="{F9EBFC7D-5C56-78EE-3B6E-85F951381AEE}"/>
+              </a:ext>
+            </a:extLst>
+          </p:cNvPr>
+          <p:cNvSpPr/>
+          <p:nvPr/>
+        </p:nvSpPr>
+        <p:spPr>
+          <a:xfrm>
+            <a:off x="7240041" y="2576879"/>
+            <a:ext cx="140920" cy="141963"/>
+          </a:xfrm>
+          <a:prstGeom prst="ellipse">
+            <a:avLst/>
+          </a:prstGeom>
+          <a:solidFill>
+            <a:schemeClr val="tx1"/>
+          </a:solidFill>
+          <a:ln>
+            <a:solidFill>
+              <a:schemeClr val="tx1"/>
+            </a:solidFill>
+          </a:ln>
+        </p:spPr>
+        <p:style>
+          <a:lnRef idx="2">
+            <a:schemeClr val="accent1">
+              <a:shade val="15000"/>
+            </a:schemeClr>
+          </a:lnRef>
+          <a:fillRef idx="1">
+            <a:schemeClr val="accent1"/>
+          </a:fillRef>
+          <a:effectRef idx="0">
+            <a:schemeClr val="accent1"/>
+          </a:effectRef>
+          <a:fontRef idx="minor">
+            <a:schemeClr val="lt1"/>
+          </a:fontRef>
+        </p:style>
+        <p:txBody>
+          <a:bodyPr rtlCol="0" anchor="ctr"/>
+          <a:lstStyle/>
+          <a:p>
+            <a:pPr algn="ctr"/>
+            <a:endParaRPr lang="ko-KR" altLang="en-US"/>
+          </a:p>
+        </p:txBody>
+      </p:sp>
+      <p:sp>
+        <p:nvSpPr>
+          <p:cNvPr id="3" name="타원 2">
+            <a:extLst>
+              <a:ext uri="{FF2B5EF4-FFF2-40B4-BE49-F238E27FC236}">
+                <a16:creationId xmlns:a16="http://schemas.microsoft.com/office/drawing/2014/main" id="{68E12AAF-ADD5-8FBF-D01E-81CD153262A5}"/>
+              </a:ext>
+            </a:extLst>
+          </p:cNvPr>
+          <p:cNvSpPr/>
+          <p:nvPr/>
+        </p:nvSpPr>
+        <p:spPr>
+          <a:xfrm>
+            <a:off x="5181600" y="3388659"/>
+            <a:ext cx="143436" cy="143436"/>
+          </a:xfrm>
+          <a:prstGeom prst="ellipse">
+            <a:avLst/>
+          </a:prstGeom>
+          <a:solidFill>
+            <a:srgbClr val="FF0000"/>
+          </a:solidFill>
+          <a:ln>
+            <a:solidFill>
+              <a:srgbClr val="FF0000"/>
+            </a:solidFill>
+          </a:ln>
+        </p:spPr>
+        <p:style>
+          <a:lnRef idx="2">
+            <a:schemeClr val="accent1">
+              <a:shade val="15000"/>
+            </a:schemeClr>
+          </a:lnRef>
+          <a:fillRef idx="1">
+            <a:schemeClr val="accent1"/>
+          </a:fillRef>
+          <a:effectRef idx="0">
+            <a:schemeClr val="accent1"/>
+          </a:effectRef>
+          <a:fontRef idx="minor">
+            <a:schemeClr val="lt1"/>
+          </a:fontRef>
+        </p:style>
+        <p:txBody>
+          <a:bodyPr rtlCol="0" anchor="ctr"/>
+          <a:lstStyle/>
+          <a:p>
+            <a:pPr algn="ctr"/>
+            <a:endParaRPr lang="ko-KR" altLang="en-US"/>
+          </a:p>
+        </p:txBody>
+      </p:sp>
+      <p:sp>
+        <p:nvSpPr>
+          <p:cNvPr id="13" name="TextBox 12">
+            <a:extLst>
+              <a:ext uri="{FF2B5EF4-FFF2-40B4-BE49-F238E27FC236}">
+                <a16:creationId xmlns:a16="http://schemas.microsoft.com/office/drawing/2014/main" id="{F1690E9A-7881-B24E-6A54-A87FDAD889AA}"/>
+              </a:ext>
+            </a:extLst>
+          </p:cNvPr>
+          <p:cNvSpPr txBox="1"/>
+          <p:nvPr/>
+        </p:nvSpPr>
+        <p:spPr>
+          <a:xfrm>
+            <a:off x="8121041" y="605425"/>
+            <a:ext cx="3922734" cy="1938992"/>
+          </a:xfrm>
+          <a:prstGeom prst="rect">
+            <a:avLst/>
+          </a:prstGeom>
+          <a:noFill/>
+        </p:spPr>
+        <p:txBody>
+          <a:bodyPr rot="0" spcFirstLastPara="0" vertOverflow="overflow" horzOverflow="overflow" vert="horz" wrap="square" lIns="91440" tIns="45720" rIns="91440" bIns="45720" numCol="1" spcCol="0" rtlCol="0" fromWordArt="0" anchor="t" anchorCtr="0" forceAA="0" compatLnSpc="1">
+            <a:prstTxWarp prst="textNoShape">
+              <a:avLst/>
+            </a:prstTxWarp>
+            <a:spAutoFit/>
+          </a:bodyPr>
+          <a:lstStyle/>
+          <a:p>
+            <a:r>
+              <a:rPr lang="ko-KR" altLang="en-US" sz="2000" dirty="0">
+                <a:ea typeface="맑은 고딕"/>
+              </a:rPr>
+              <a:t>원의 중심을 고정하고 생각</a:t>
+            </a:r>
+          </a:p>
+          <a:p>
+            <a:endParaRPr lang="ko-KR" altLang="en-US" sz="2000" dirty="0">
+              <a:ea typeface="맑은 고딕"/>
+            </a:endParaRPr>
+          </a:p>
+          <a:p>
+            <a:r>
+              <a:rPr lang="ko-KR" altLang="en-US" sz="2000" dirty="0">
+                <a:ea typeface="맑은 고딕"/>
+              </a:rPr>
+              <a:t>해당 지점을 중심으로 하면서 모든 점을 포함하는 원</a:t>
+            </a:r>
+          </a:p>
+          <a:p>
+            <a:endParaRPr lang="ko-KR" altLang="en-US" sz="2000" dirty="0">
+              <a:ea typeface="맑은 고딕"/>
+            </a:endParaRPr>
+          </a:p>
+          <a:p>
+            <a:r>
+              <a:rPr lang="ko-KR" altLang="en-US" sz="2000" dirty="0">
+                <a:ea typeface="맑은 고딕"/>
+              </a:rPr>
+              <a:t>중에서 가장 작은 원</a:t>
+            </a:r>
+          </a:p>
+        </p:txBody>
+      </p:sp>
+    </p:spTree>
+    <p:extLst>
+      <p:ext uri="{BB962C8B-B14F-4D97-AF65-F5344CB8AC3E}">
+        <p14:creationId xmlns:p14="http://schemas.microsoft.com/office/powerpoint/2010/main" val="2873081172"/>
+      </p:ext>
+    </p:extLst>
+  </p:cSld>
+  <p:clrMapOvr>
+    <a:masterClrMapping/>
+  </p:clrMapOvr>
+</p:sld>
+</file>
+
+<file path=ppt/slides/slide16.xml><?xml version="1.0" encoding="utf-8"?>
+<p:sld xmlns:a="http://schemas.openxmlformats.org/drawingml/2006/main" xmlns:r="http://schemas.openxmlformats.org/officeDocument/2006/relationships" xmlns:p="http://schemas.openxmlformats.org/presentationml/2006/main">
+  <p:cSld>
+    <p:spTree>
+      <p:nvGrpSpPr>
+        <p:cNvPr id="1" name="">
+          <a:extLst>
+            <a:ext uri="{FF2B5EF4-FFF2-40B4-BE49-F238E27FC236}">
+              <a16:creationId xmlns:a16="http://schemas.microsoft.com/office/drawing/2014/main" id="{E16008A5-F33A-C36A-3722-4005053394F8}"/>
+            </a:ext>
+          </a:extLst>
+        </p:cNvPr>
+        <p:cNvGrpSpPr/>
+        <p:nvPr/>
+      </p:nvGrpSpPr>
+      <p:grpSpPr>
+        <a:xfrm>
+          <a:off x="0" y="0"/>
+          <a:ext cx="0" cy="0"/>
+          <a:chOff x="0" y="0"/>
+          <a:chExt cx="0" cy="0"/>
+        </a:xfrm>
+      </p:grpSpPr>
+      <p:sp>
+        <p:nvSpPr>
+          <p:cNvPr id="11" name="타원 10">
+            <a:extLst>
+              <a:ext uri="{FF2B5EF4-FFF2-40B4-BE49-F238E27FC236}">
+                <a16:creationId xmlns:a16="http://schemas.microsoft.com/office/drawing/2014/main" id="{04A1E55C-0B7D-FFE2-FDA4-6F6BA2BD99E7}"/>
+              </a:ext>
+            </a:extLst>
+          </p:cNvPr>
+          <p:cNvSpPr/>
+          <p:nvPr/>
+        </p:nvSpPr>
+        <p:spPr>
+          <a:xfrm>
+            <a:off x="2617693" y="744072"/>
+            <a:ext cx="5242740" cy="5280211"/>
+          </a:xfrm>
+          <a:prstGeom prst="ellipse">
+            <a:avLst/>
+          </a:prstGeom>
+          <a:solidFill>
+            <a:schemeClr val="bg1"/>
+          </a:solidFill>
+          <a:ln>
+            <a:solidFill>
+              <a:srgbClr val="FF0000"/>
+            </a:solidFill>
+          </a:ln>
+        </p:spPr>
+        <p:style>
+          <a:lnRef idx="2">
+            <a:schemeClr val="accent1">
+              <a:shade val="15000"/>
+            </a:schemeClr>
+          </a:lnRef>
+          <a:fillRef idx="1">
+            <a:schemeClr val="accent1"/>
+          </a:fillRef>
+          <a:effectRef idx="0">
+            <a:schemeClr val="accent1"/>
+          </a:effectRef>
+          <a:fontRef idx="minor">
+            <a:schemeClr val="lt1"/>
+          </a:fontRef>
+        </p:style>
+        <p:txBody>
+          <a:bodyPr rtlCol="0" anchor="ctr"/>
+          <a:lstStyle/>
+          <a:p>
+            <a:pPr algn="ctr"/>
+            <a:endParaRPr lang="ko-KR" altLang="en-US"/>
+          </a:p>
+        </p:txBody>
+      </p:sp>
+      <p:sp>
+        <p:nvSpPr>
+          <p:cNvPr id="4" name="타원 3">
+            <a:extLst>
+              <a:ext uri="{FF2B5EF4-FFF2-40B4-BE49-F238E27FC236}">
+                <a16:creationId xmlns:a16="http://schemas.microsoft.com/office/drawing/2014/main" id="{865FA9CB-1325-5050-09A5-549BC53ED115}"/>
+              </a:ext>
+            </a:extLst>
+          </p:cNvPr>
+          <p:cNvSpPr/>
+          <p:nvPr/>
+        </p:nvSpPr>
+        <p:spPr>
+          <a:xfrm>
+            <a:off x="3200400" y="1574799"/>
+            <a:ext cx="140920" cy="141963"/>
+          </a:xfrm>
+          <a:prstGeom prst="ellipse">
+            <a:avLst/>
+          </a:prstGeom>
+          <a:solidFill>
+            <a:schemeClr val="tx1"/>
+          </a:solidFill>
+          <a:ln>
+            <a:solidFill>
+              <a:schemeClr val="tx1"/>
+            </a:solidFill>
+          </a:ln>
+        </p:spPr>
+        <p:style>
+          <a:lnRef idx="2">
+            <a:schemeClr val="accent1">
+              <a:shade val="15000"/>
+            </a:schemeClr>
+          </a:lnRef>
+          <a:fillRef idx="1">
+            <a:schemeClr val="accent1"/>
+          </a:fillRef>
+          <a:effectRef idx="0">
+            <a:schemeClr val="accent1"/>
+          </a:effectRef>
+          <a:fontRef idx="minor">
+            <a:schemeClr val="lt1"/>
+          </a:fontRef>
+        </p:style>
+        <p:txBody>
+          <a:bodyPr rtlCol="0" anchor="ctr"/>
+          <a:lstStyle/>
+          <a:p>
+            <a:pPr algn="ctr"/>
+            <a:endParaRPr lang="ko-KR" altLang="en-US"/>
+          </a:p>
+        </p:txBody>
+      </p:sp>
+      <p:sp>
+        <p:nvSpPr>
+          <p:cNvPr id="5" name="타원 4">
+            <a:extLst>
+              <a:ext uri="{FF2B5EF4-FFF2-40B4-BE49-F238E27FC236}">
+                <a16:creationId xmlns:a16="http://schemas.microsoft.com/office/drawing/2014/main" id="{083FAF03-C793-A59D-CB6E-6D0EB959F413}"/>
+              </a:ext>
+            </a:extLst>
+          </p:cNvPr>
+          <p:cNvSpPr/>
+          <p:nvPr/>
+        </p:nvSpPr>
+        <p:spPr>
+          <a:xfrm>
+            <a:off x="4776591" y="1272086"/>
+            <a:ext cx="140920" cy="141963"/>
+          </a:xfrm>
+          <a:prstGeom prst="ellipse">
+            <a:avLst/>
+          </a:prstGeom>
+          <a:solidFill>
+            <a:schemeClr val="tx1"/>
+          </a:solidFill>
+          <a:ln>
+            <a:solidFill>
+              <a:schemeClr val="tx1"/>
+            </a:solidFill>
+          </a:ln>
+        </p:spPr>
+        <p:style>
+          <a:lnRef idx="2">
+            <a:schemeClr val="accent1">
+              <a:shade val="15000"/>
+            </a:schemeClr>
+          </a:lnRef>
+          <a:fillRef idx="1">
+            <a:schemeClr val="accent1"/>
+          </a:fillRef>
+          <a:effectRef idx="0">
+            <a:schemeClr val="accent1"/>
+          </a:effectRef>
+          <a:fontRef idx="minor">
+            <a:schemeClr val="lt1"/>
+          </a:fontRef>
+        </p:style>
+        <p:txBody>
+          <a:bodyPr rtlCol="0" anchor="ctr"/>
+          <a:lstStyle/>
+          <a:p>
+            <a:pPr algn="ctr"/>
+            <a:endParaRPr lang="ko-KR" altLang="en-US"/>
+          </a:p>
+        </p:txBody>
+      </p:sp>
+      <p:sp>
+        <p:nvSpPr>
+          <p:cNvPr id="6" name="타원 5">
+            <a:extLst>
+              <a:ext uri="{FF2B5EF4-FFF2-40B4-BE49-F238E27FC236}">
+                <a16:creationId xmlns:a16="http://schemas.microsoft.com/office/drawing/2014/main" id="{B3C41077-CA63-E1A7-FC6D-3DB87A732925}"/>
+              </a:ext>
+            </a:extLst>
+          </p:cNvPr>
+          <p:cNvSpPr/>
+          <p:nvPr/>
+        </p:nvSpPr>
+        <p:spPr>
+          <a:xfrm>
+            <a:off x="3680564" y="2931785"/>
+            <a:ext cx="140920" cy="141963"/>
+          </a:xfrm>
+          <a:prstGeom prst="ellipse">
+            <a:avLst/>
+          </a:prstGeom>
+          <a:solidFill>
+            <a:schemeClr val="tx1"/>
+          </a:solidFill>
+          <a:ln>
+            <a:solidFill>
+              <a:schemeClr val="tx1"/>
+            </a:solidFill>
+          </a:ln>
+        </p:spPr>
+        <p:style>
+          <a:lnRef idx="2">
+            <a:schemeClr val="accent1">
+              <a:shade val="15000"/>
+            </a:schemeClr>
+          </a:lnRef>
+          <a:fillRef idx="1">
+            <a:schemeClr val="accent1"/>
+          </a:fillRef>
+          <a:effectRef idx="0">
+            <a:schemeClr val="accent1"/>
+          </a:effectRef>
+          <a:fontRef idx="minor">
+            <a:schemeClr val="lt1"/>
+          </a:fontRef>
+        </p:style>
+        <p:txBody>
+          <a:bodyPr rtlCol="0" anchor="ctr"/>
+          <a:lstStyle/>
+          <a:p>
+            <a:pPr algn="ctr"/>
+            <a:endParaRPr lang="ko-KR" altLang="en-US"/>
+          </a:p>
+        </p:txBody>
+      </p:sp>
+      <p:sp>
+        <p:nvSpPr>
+          <p:cNvPr id="8" name="타원 7">
+            <a:extLst>
+              <a:ext uri="{FF2B5EF4-FFF2-40B4-BE49-F238E27FC236}">
+                <a16:creationId xmlns:a16="http://schemas.microsoft.com/office/drawing/2014/main" id="{65696443-09F5-7CC5-36F6-E22DBAC88D58}"/>
+              </a:ext>
+            </a:extLst>
+          </p:cNvPr>
+          <p:cNvSpPr/>
+          <p:nvPr/>
+        </p:nvSpPr>
+        <p:spPr>
+          <a:xfrm>
+            <a:off x="5215001" y="2869154"/>
+            <a:ext cx="140920" cy="141963"/>
+          </a:xfrm>
+          <a:prstGeom prst="ellipse">
+            <a:avLst/>
+          </a:prstGeom>
+          <a:solidFill>
+            <a:schemeClr val="tx1"/>
+          </a:solidFill>
+          <a:ln>
+            <a:solidFill>
+              <a:schemeClr val="tx1"/>
+            </a:solidFill>
+          </a:ln>
+        </p:spPr>
+        <p:style>
+          <a:lnRef idx="2">
+            <a:schemeClr val="accent1">
+              <a:shade val="15000"/>
+            </a:schemeClr>
+          </a:lnRef>
+          <a:fillRef idx="1">
+            <a:schemeClr val="accent1"/>
+          </a:fillRef>
+          <a:effectRef idx="0">
+            <a:schemeClr val="accent1"/>
+          </a:effectRef>
+          <a:fontRef idx="minor">
+            <a:schemeClr val="lt1"/>
+          </a:fontRef>
+        </p:style>
+        <p:txBody>
+          <a:bodyPr rtlCol="0" anchor="ctr"/>
+          <a:lstStyle/>
+          <a:p>
+            <a:pPr algn="ctr"/>
+            <a:endParaRPr lang="ko-KR" altLang="en-US"/>
+          </a:p>
+        </p:txBody>
+      </p:sp>
+      <p:sp>
+        <p:nvSpPr>
+          <p:cNvPr id="9" name="타원 8">
+            <a:extLst>
+              <a:ext uri="{FF2B5EF4-FFF2-40B4-BE49-F238E27FC236}">
+                <a16:creationId xmlns:a16="http://schemas.microsoft.com/office/drawing/2014/main" id="{144911FA-389B-E059-A6D7-865157B4A2CC}"/>
+              </a:ext>
+            </a:extLst>
+          </p:cNvPr>
+          <p:cNvSpPr/>
+          <p:nvPr/>
+        </p:nvSpPr>
+        <p:spPr>
+          <a:xfrm>
+            <a:off x="4713959" y="4664550"/>
+            <a:ext cx="140920" cy="141963"/>
+          </a:xfrm>
+          <a:prstGeom prst="ellipse">
+            <a:avLst/>
+          </a:prstGeom>
+          <a:solidFill>
+            <a:schemeClr val="tx1"/>
+          </a:solidFill>
+          <a:ln>
+            <a:solidFill>
+              <a:schemeClr val="tx1"/>
+            </a:solidFill>
+          </a:ln>
+        </p:spPr>
+        <p:style>
+          <a:lnRef idx="2">
+            <a:schemeClr val="accent1">
+              <a:shade val="15000"/>
+            </a:schemeClr>
+          </a:lnRef>
+          <a:fillRef idx="1">
+            <a:schemeClr val="accent1"/>
+          </a:fillRef>
+          <a:effectRef idx="0">
+            <a:schemeClr val="accent1"/>
+          </a:effectRef>
+          <a:fontRef idx="minor">
+            <a:schemeClr val="lt1"/>
+          </a:fontRef>
+        </p:style>
+        <p:txBody>
+          <a:bodyPr rtlCol="0" anchor="ctr"/>
+          <a:lstStyle/>
+          <a:p>
+            <a:pPr algn="ctr"/>
+            <a:endParaRPr lang="ko-KR" altLang="en-US"/>
+          </a:p>
+        </p:txBody>
+      </p:sp>
+      <p:sp>
+        <p:nvSpPr>
+          <p:cNvPr id="10" name="타원 9">
+            <a:extLst>
+              <a:ext uri="{FF2B5EF4-FFF2-40B4-BE49-F238E27FC236}">
+                <a16:creationId xmlns:a16="http://schemas.microsoft.com/office/drawing/2014/main" id="{8714F998-61D7-9271-5CFA-51B4D309B231}"/>
+              </a:ext>
+            </a:extLst>
+          </p:cNvPr>
+          <p:cNvSpPr/>
+          <p:nvPr/>
+        </p:nvSpPr>
+        <p:spPr>
+          <a:xfrm>
+            <a:off x="7240041" y="2576879"/>
+            <a:ext cx="140920" cy="141963"/>
+          </a:xfrm>
+          <a:prstGeom prst="ellipse">
+            <a:avLst/>
+          </a:prstGeom>
+          <a:solidFill>
+            <a:schemeClr val="tx1"/>
+          </a:solidFill>
+          <a:ln>
+            <a:solidFill>
+              <a:schemeClr val="tx1"/>
+            </a:solidFill>
+          </a:ln>
+        </p:spPr>
+        <p:style>
+          <a:lnRef idx="2">
+            <a:schemeClr val="accent1">
+              <a:shade val="15000"/>
+            </a:schemeClr>
+          </a:lnRef>
+          <a:fillRef idx="1">
+            <a:schemeClr val="accent1"/>
+          </a:fillRef>
+          <a:effectRef idx="0">
+            <a:schemeClr val="accent1"/>
+          </a:effectRef>
+          <a:fontRef idx="minor">
+            <a:schemeClr val="lt1"/>
+          </a:fontRef>
+        </p:style>
+        <p:txBody>
+          <a:bodyPr rtlCol="0" anchor="ctr"/>
+          <a:lstStyle/>
+          <a:p>
+            <a:pPr algn="ctr"/>
+            <a:endParaRPr lang="ko-KR" altLang="en-US"/>
+          </a:p>
+        </p:txBody>
+      </p:sp>
+      <p:sp>
+        <p:nvSpPr>
+          <p:cNvPr id="3" name="타원 2">
+            <a:extLst>
+              <a:ext uri="{FF2B5EF4-FFF2-40B4-BE49-F238E27FC236}">
+                <a16:creationId xmlns:a16="http://schemas.microsoft.com/office/drawing/2014/main" id="{6A529D0E-AEF7-B5AE-9E42-099E67DFEECB}"/>
+              </a:ext>
+            </a:extLst>
+          </p:cNvPr>
+          <p:cNvSpPr/>
+          <p:nvPr/>
+        </p:nvSpPr>
+        <p:spPr>
+          <a:xfrm>
+            <a:off x="5181600" y="3388659"/>
+            <a:ext cx="143436" cy="143436"/>
+          </a:xfrm>
+          <a:prstGeom prst="ellipse">
+            <a:avLst/>
+          </a:prstGeom>
+          <a:solidFill>
+            <a:srgbClr val="FF0000"/>
+          </a:solidFill>
+          <a:ln>
+            <a:solidFill>
+              <a:srgbClr val="FF0000"/>
+            </a:solidFill>
+          </a:ln>
+        </p:spPr>
+        <p:style>
+          <a:lnRef idx="2">
+            <a:schemeClr val="accent1">
+              <a:shade val="15000"/>
+            </a:schemeClr>
+          </a:lnRef>
+          <a:fillRef idx="1">
+            <a:schemeClr val="accent1"/>
+          </a:fillRef>
+          <a:effectRef idx="0">
+            <a:schemeClr val="accent1"/>
+          </a:effectRef>
+          <a:fontRef idx="minor">
+            <a:schemeClr val="lt1"/>
+          </a:fontRef>
+        </p:style>
+        <p:txBody>
+          <a:bodyPr rtlCol="0" anchor="ctr"/>
+          <a:lstStyle/>
+          <a:p>
+            <a:pPr algn="ctr"/>
+            <a:endParaRPr lang="ko-KR" altLang="en-US"/>
+          </a:p>
+        </p:txBody>
+      </p:sp>
+      <p:sp>
+        <p:nvSpPr>
+          <p:cNvPr id="2" name="TextBox 1">
+            <a:extLst>
+              <a:ext uri="{FF2B5EF4-FFF2-40B4-BE49-F238E27FC236}">
+                <a16:creationId xmlns:a16="http://schemas.microsoft.com/office/drawing/2014/main" id="{5573523D-7A37-7DF3-E118-8F686863D809}"/>
+              </a:ext>
+            </a:extLst>
+          </p:cNvPr>
+          <p:cNvSpPr txBox="1"/>
+          <p:nvPr/>
+        </p:nvSpPr>
+        <p:spPr>
+          <a:xfrm>
+            <a:off x="7860082" y="511479"/>
+            <a:ext cx="4068870" cy="2677656"/>
+          </a:xfrm>
+          <a:prstGeom prst="rect">
+            <a:avLst/>
+          </a:prstGeom>
+          <a:noFill/>
+        </p:spPr>
+        <p:txBody>
+          <a:bodyPr rot="0" spcFirstLastPara="0" vertOverflow="overflow" horzOverflow="overflow" vert="horz" wrap="square" lIns="91440" tIns="45720" rIns="91440" bIns="45720" numCol="1" spcCol="0" rtlCol="0" fromWordArt="0" anchor="t" anchorCtr="0" forceAA="0" compatLnSpc="1">
+            <a:prstTxWarp prst="textNoShape">
+              <a:avLst/>
+            </a:prstTxWarp>
+            <a:spAutoFit/>
+          </a:bodyPr>
+          <a:lstStyle/>
+          <a:p>
+            <a:r>
+              <a:rPr lang="ko-KR" altLang="en-US" sz="2400" dirty="0">
+                <a:ea typeface="맑은 고딕"/>
+              </a:rPr>
+              <a:t>원을 </a:t>
+            </a:r>
+            <a:r>
+              <a:rPr lang="ko-KR" altLang="en-US" sz="2400" dirty="0" err="1">
+                <a:ea typeface="맑은 고딕"/>
+              </a:rPr>
+              <a:t>줄이다보면</a:t>
+            </a:r>
+            <a:r>
+              <a:rPr lang="ko-KR" altLang="en-US" sz="2400" dirty="0">
+                <a:ea typeface="맑은 고딕"/>
+              </a:rPr>
+              <a:t> 어떤 점과 만나서 더 이상 줄일 수 없게 되는 순간이 온다.</a:t>
+            </a:r>
+          </a:p>
+          <a:p>
+            <a:endParaRPr lang="ko-KR" altLang="en-US" sz="2400" dirty="0">
+              <a:ea typeface="맑은 고딕"/>
+            </a:endParaRPr>
+          </a:p>
+          <a:p>
+            <a:endParaRPr lang="ko-KR" altLang="en-US" sz="2400" dirty="0">
+              <a:ea typeface="맑은 고딕"/>
+            </a:endParaRPr>
+          </a:p>
+          <a:p>
+            <a:r>
+              <a:rPr lang="ko-KR" altLang="en-US" sz="2400" dirty="0">
+                <a:ea typeface="맑은 고딕"/>
+              </a:rPr>
+              <a:t>반지름 &gt;= 원의 중심에서 가장 먼점까지의 거리</a:t>
+            </a:r>
+          </a:p>
+        </p:txBody>
+      </p:sp>
+    </p:spTree>
+    <p:extLst>
+      <p:ext uri="{BB962C8B-B14F-4D97-AF65-F5344CB8AC3E}">
+        <p14:creationId xmlns:p14="http://schemas.microsoft.com/office/powerpoint/2010/main" val="3674233570"/>
+      </p:ext>
+    </p:extLst>
+  </p:cSld>
+  <p:clrMapOvr>
+    <a:masterClrMapping/>
+  </p:clrMapOvr>
+  <mc:AlternateContent xmlns:mc="http://schemas.openxmlformats.org/markup-compatibility/2006">
+    <mc:Choice xmlns:p159="http://schemas.microsoft.com/office/powerpoint/2015/09/main" Requires="p159">
+      <p:transition xmlns:p14="http://schemas.microsoft.com/office/powerpoint/2010/main" spd="slow" p14:dur="2000">
+        <p159:morph option="byObject"/>
+      </p:transition>
+    </mc:Choice>
+    <mc:Fallback>
+      <p:transition spd="slow">
+        <p:fade/>
+      </p:transition>
+    </mc:Fallback>
+  </mc:AlternateContent>
+</p:sld>
+</file>
+
+<file path=ppt/slides/slide17.xml><?xml version="1.0" encoding="utf-8"?>
+<p:sld xmlns:a="http://schemas.openxmlformats.org/drawingml/2006/main" xmlns:r="http://schemas.openxmlformats.org/officeDocument/2006/relationships" xmlns:p="http://schemas.openxmlformats.org/presentationml/2006/main">
+  <p:cSld>
+    <p:spTree>
+      <p:nvGrpSpPr>
+        <p:cNvPr id="1" name="">
+          <a:extLst>
+            <a:ext uri="{FF2B5EF4-FFF2-40B4-BE49-F238E27FC236}">
+              <a16:creationId xmlns:a16="http://schemas.microsoft.com/office/drawing/2014/main" id="{EFAB27B9-AF29-3E0E-6FD5-501E032141B9}"/>
+            </a:ext>
+          </a:extLst>
+        </p:cNvPr>
+        <p:cNvGrpSpPr/>
+        <p:nvPr/>
+      </p:nvGrpSpPr>
+      <p:grpSpPr>
+        <a:xfrm>
+          <a:off x="0" y="0"/>
+          <a:ext cx="0" cy="0"/>
+          <a:chOff x="0" y="0"/>
+          <a:chExt cx="0" cy="0"/>
+        </a:xfrm>
+      </p:grpSpPr>
+      <p:sp>
+        <p:nvSpPr>
+          <p:cNvPr id="2" name="제목 1">
+            <a:extLst>
+              <a:ext uri="{FF2B5EF4-FFF2-40B4-BE49-F238E27FC236}">
+                <a16:creationId xmlns:a16="http://schemas.microsoft.com/office/drawing/2014/main" id="{C078FF60-CC06-D479-0E7F-6A6DBC770A11}"/>
+              </a:ext>
+            </a:extLst>
+          </p:cNvPr>
+          <p:cNvSpPr>
+            <a:spLocks noGrp="1"/>
+          </p:cNvSpPr>
+          <p:nvPr>
+            <p:ph type="title"/>
+          </p:nvPr>
+        </p:nvSpPr>
+        <p:spPr/>
+        <p:txBody>
+          <a:bodyPr/>
+          <a:lstStyle/>
+          <a:p>
+            <a:r>
+              <a:rPr lang="ko-KR" altLang="en-US" dirty="0" err="1">
+                <a:ea typeface="맑은 고딕"/>
+              </a:rPr>
+              <a:t>How</a:t>
+            </a:r>
+            <a:r>
+              <a:rPr lang="ko-KR" altLang="en-US" dirty="0">
+                <a:ea typeface="맑은 고딕"/>
+              </a:rPr>
+              <a:t> </a:t>
+            </a:r>
+            <a:r>
+              <a:rPr lang="ko-KR" altLang="en-US" dirty="0" err="1">
+                <a:ea typeface="맑은 고딕"/>
+              </a:rPr>
+              <a:t>to</a:t>
+            </a:r>
+            <a:r>
+              <a:rPr lang="ko-KR" altLang="en-US" dirty="0">
+                <a:ea typeface="맑은 고딕"/>
+              </a:rPr>
+              <a:t> </a:t>
+            </a:r>
+            <a:r>
+              <a:rPr lang="ko-KR" altLang="en-US" dirty="0" err="1">
+                <a:ea typeface="맑은 고딕"/>
+              </a:rPr>
+              <a:t>solve</a:t>
+            </a:r>
+            <a:r>
+              <a:rPr lang="ko-KR" altLang="en-US" dirty="0">
+                <a:ea typeface="맑은 고딕"/>
+              </a:rPr>
+              <a:t>?</a:t>
+            </a:r>
+          </a:p>
+        </p:txBody>
+      </p:sp>
+      <p:sp>
+        <p:nvSpPr>
+          <p:cNvPr id="3" name="내용 개체 틀 2">
+            <a:extLst>
+              <a:ext uri="{FF2B5EF4-FFF2-40B4-BE49-F238E27FC236}">
+                <a16:creationId xmlns:a16="http://schemas.microsoft.com/office/drawing/2014/main" id="{08A2EB5D-26B1-A9F7-2E4D-8F9912750F38}"/>
+              </a:ext>
+            </a:extLst>
+          </p:cNvPr>
+          <p:cNvSpPr>
+            <a:spLocks noGrp="1"/>
+          </p:cNvSpPr>
+          <p:nvPr>
+            <p:ph idx="1"/>
+          </p:nvPr>
+        </p:nvSpPr>
+        <p:spPr/>
+        <p:txBody>
+          <a:bodyPr vert="horz" lIns="91440" tIns="45720" rIns="91440" bIns="45720" rtlCol="0" anchor="t">
+            <a:normAutofit/>
+          </a:bodyPr>
+          <a:lstStyle/>
+          <a:p>
+            <a:pPr marL="0" indent="0">
+              <a:buNone/>
+            </a:pPr>
+            <a:r>
+              <a:rPr lang="en-US" dirty="0">
+                <a:ea typeface="+mn-lt"/>
+                <a:cs typeface="+mn-lt"/>
+                <a:hlinkClick r:id="rId2"/>
+              </a:rPr>
+              <a:t>https://simta1.github.io/Smallest-Enclosing-Circle/</a:t>
+            </a:r>
+            <a:endParaRPr lang="ko-KR" altLang="en-US">
+              <a:ea typeface="맑은 고딕" panose="020B0503020000020004" pitchFamily="34" charset="-127"/>
+              <a:cs typeface="+mn-lt"/>
+            </a:endParaRPr>
+          </a:p>
+        </p:txBody>
+      </p:sp>
+    </p:spTree>
+    <p:extLst>
+      <p:ext uri="{BB962C8B-B14F-4D97-AF65-F5344CB8AC3E}">
+        <p14:creationId xmlns:p14="http://schemas.microsoft.com/office/powerpoint/2010/main" val="3976671270"/>
+      </p:ext>
+    </p:extLst>
+  </p:cSld>
+  <p:clrMapOvr>
+    <a:masterClrMapping/>
+  </p:clrMapOvr>
+</p:sld>
+</file>
+
+<file path=ppt/slides/slide18.xml><?xml version="1.0" encoding="utf-8"?>
+<p:sld xmlns:a="http://schemas.openxmlformats.org/drawingml/2006/main" xmlns:r="http://schemas.openxmlformats.org/officeDocument/2006/relationships" xmlns:p="http://schemas.openxmlformats.org/presentationml/2006/main">
+  <p:cSld>
+    <p:spTree>
+      <p:nvGrpSpPr>
+        <p:cNvPr id="1" name="">
+          <a:extLst>
+            <a:ext uri="{FF2B5EF4-FFF2-40B4-BE49-F238E27FC236}">
+              <a16:creationId xmlns:a16="http://schemas.microsoft.com/office/drawing/2014/main" id="{5529C853-1206-805B-7B9B-045068B36BEA}"/>
+            </a:ext>
+          </a:extLst>
+        </p:cNvPr>
+        <p:cNvGrpSpPr/>
+        <p:nvPr/>
+      </p:nvGrpSpPr>
+      <p:grpSpPr>
+        <a:xfrm>
+          <a:off x="0" y="0"/>
+          <a:ext cx="0" cy="0"/>
+          <a:chOff x="0" y="0"/>
+          <a:chExt cx="0" cy="0"/>
+        </a:xfrm>
+      </p:grpSpPr>
+      <p:sp>
+        <p:nvSpPr>
+          <p:cNvPr id="2" name="제목 1">
+            <a:extLst>
+              <a:ext uri="{FF2B5EF4-FFF2-40B4-BE49-F238E27FC236}">
+                <a16:creationId xmlns:a16="http://schemas.microsoft.com/office/drawing/2014/main" id="{4E91C1FB-BF1C-03EA-427D-5F3218DF2B66}"/>
+              </a:ext>
+            </a:extLst>
+          </p:cNvPr>
+          <p:cNvSpPr>
+            <a:spLocks noGrp="1"/>
+          </p:cNvSpPr>
+          <p:nvPr>
+            <p:ph type="title"/>
+          </p:nvPr>
+        </p:nvSpPr>
+        <p:spPr/>
+        <p:txBody>
+          <a:bodyPr/>
+          <a:lstStyle/>
+          <a:p>
+            <a:r>
+              <a:rPr lang="ko-KR" altLang="en-US" dirty="0" err="1">
+                <a:ea typeface="맑은 고딕"/>
+              </a:rPr>
+              <a:t>How</a:t>
+            </a:r>
+            <a:r>
+              <a:rPr lang="ko-KR" altLang="en-US" dirty="0">
+                <a:ea typeface="맑은 고딕"/>
+              </a:rPr>
+              <a:t> </a:t>
+            </a:r>
+            <a:r>
+              <a:rPr lang="ko-KR" altLang="en-US" dirty="0" err="1">
+                <a:ea typeface="맑은 고딕"/>
+              </a:rPr>
+              <a:t>to</a:t>
+            </a:r>
+            <a:r>
+              <a:rPr lang="ko-KR" altLang="en-US" dirty="0">
+                <a:ea typeface="맑은 고딕"/>
+              </a:rPr>
+              <a:t> </a:t>
+            </a:r>
+            <a:r>
+              <a:rPr lang="ko-KR" altLang="en-US" dirty="0" err="1">
+                <a:ea typeface="맑은 고딕"/>
+              </a:rPr>
+              <a:t>solve</a:t>
+            </a:r>
+            <a:r>
+              <a:rPr lang="ko-KR" altLang="en-US" dirty="0">
+                <a:ea typeface="맑은 고딕"/>
+              </a:rPr>
+              <a:t>?</a:t>
+            </a:r>
+          </a:p>
+        </p:txBody>
+      </p:sp>
+      <p:pic>
+        <p:nvPicPr>
+          <p:cNvPr id="4" name="내용 개체 틀 3" descr="텍스트, 스크린샷, 폰트, 문서이(가) 표시된 사진&#10;&#10;AI 생성 콘텐츠는 정확하지 않을 수 있습니다.">
+            <a:extLst>
+              <a:ext uri="{FF2B5EF4-FFF2-40B4-BE49-F238E27FC236}">
+                <a16:creationId xmlns:a16="http://schemas.microsoft.com/office/drawing/2014/main" id="{6A68209F-2FA5-3F6E-C70D-D31706280288}"/>
+              </a:ext>
+            </a:extLst>
+          </p:cNvPr>
+          <p:cNvPicPr>
+            <a:picLocks noGrp="1" noChangeAspect="1"/>
+          </p:cNvPicPr>
+          <p:nvPr>
+            <p:ph idx="1"/>
+          </p:nvPr>
+        </p:nvPicPr>
+        <p:blipFill>
+          <a:blip r:embed="rId2"/>
+          <a:stretch>
+            <a:fillRect/>
+          </a:stretch>
+        </p:blipFill>
+        <p:spPr>
+          <a:xfrm>
+            <a:off x="204225" y="1377601"/>
+            <a:ext cx="5995628" cy="5408305"/>
+          </a:xfrm>
+          <a:prstGeom prst="rect">
+            <a:avLst/>
+          </a:prstGeom>
+          <a:ln>
+            <a:solidFill>
+              <a:srgbClr val="00B050"/>
+            </a:solidFill>
+          </a:ln>
+        </p:spPr>
+      </p:pic>
+      <p:pic>
+        <p:nvPicPr>
+          <p:cNvPr id="5" name="그림 4" descr="텍스트, 스크린샷, 폰트, 문서이(가) 표시된 사진&#10;&#10;AI 생성 콘텐츠는 정확하지 않을 수 있습니다.">
+            <a:extLst>
+              <a:ext uri="{FF2B5EF4-FFF2-40B4-BE49-F238E27FC236}">
+                <a16:creationId xmlns:a16="http://schemas.microsoft.com/office/drawing/2014/main" id="{F325C612-24C5-31FB-75F4-0ED521D2F4FE}"/>
+              </a:ext>
+            </a:extLst>
+          </p:cNvPr>
+          <p:cNvPicPr>
+            <a:picLocks noChangeAspect="1"/>
+          </p:cNvPicPr>
+          <p:nvPr/>
+        </p:nvPicPr>
+        <p:blipFill>
+          <a:blip r:embed="rId3"/>
+          <a:stretch>
+            <a:fillRect/>
+          </a:stretch>
+        </p:blipFill>
+        <p:spPr>
+          <a:xfrm>
+            <a:off x="6544527" y="1376680"/>
+            <a:ext cx="5491046" cy="4546600"/>
+          </a:xfrm>
+          <a:prstGeom prst="rect">
+            <a:avLst/>
+          </a:prstGeom>
+          <a:ln>
+            <a:solidFill>
+              <a:srgbClr val="00B050"/>
+            </a:solidFill>
+          </a:ln>
+        </p:spPr>
+      </p:pic>
+      <p:sp>
+        <p:nvSpPr>
+          <p:cNvPr id="6" name="TextBox 5">
+            <a:extLst>
+              <a:ext uri="{FF2B5EF4-FFF2-40B4-BE49-F238E27FC236}">
+                <a16:creationId xmlns:a16="http://schemas.microsoft.com/office/drawing/2014/main" id="{20DBAB17-9AC3-0A0A-B946-9DFE36832A11}"/>
+              </a:ext>
+            </a:extLst>
+          </p:cNvPr>
+          <p:cNvSpPr txBox="1"/>
+          <p:nvPr/>
+        </p:nvSpPr>
+        <p:spPr>
+          <a:xfrm>
+            <a:off x="6403340" y="6075680"/>
+            <a:ext cx="5765800" cy="369332"/>
+          </a:xfrm>
+          <a:prstGeom prst="rect">
+            <a:avLst/>
+          </a:prstGeom>
+          <a:noFill/>
+        </p:spPr>
+        <p:txBody>
+          <a:bodyPr rot="0" spcFirstLastPara="0" vertOverflow="overflow" horzOverflow="overflow" vert="horz" wrap="square" lIns="91440" tIns="45720" rIns="91440" bIns="45720" numCol="1" spcCol="0" rtlCol="0" fromWordArt="0" anchor="t" anchorCtr="0" forceAA="0" compatLnSpc="1">
+            <a:prstTxWarp prst="textNoShape">
+              <a:avLst/>
+            </a:prstTxWarp>
+            <a:spAutoFit/>
+          </a:bodyPr>
+          <a:lstStyle/>
+          <a:p>
+            <a:r>
+              <a:rPr lang="en-US" dirty="0">
+                <a:hlinkClick r:id="rId4"/>
+              </a:rPr>
+              <a:t>http://boj.kr/e9171f71b0db43e3bdb48d7e0a74d69d</a:t>
+            </a:r>
+            <a:endParaRPr lang="en-US" altLang="ko-KR" dirty="0">
+              <a:ea typeface="맑은 고딕" panose="020B0503020000020004" pitchFamily="34" charset="-127"/>
+            </a:endParaRPr>
+          </a:p>
+        </p:txBody>
+      </p:sp>
+      <p:sp>
+        <p:nvSpPr>
+          <p:cNvPr id="7" name="TextBox 2">
+            <a:extLst>
+              <a:ext uri="{FF2B5EF4-FFF2-40B4-BE49-F238E27FC236}">
+                <a16:creationId xmlns:a16="http://schemas.microsoft.com/office/drawing/2014/main" id="{C3D5C91E-58DB-5974-36A3-EC233BA6DB6F}"/>
+              </a:ext>
+            </a:extLst>
+          </p:cNvPr>
+          <p:cNvSpPr txBox="1"/>
+          <p:nvPr/>
+        </p:nvSpPr>
+        <p:spPr>
+          <a:xfrm>
+            <a:off x="6400800" y="6416040"/>
+            <a:ext cx="6096000" cy="369332"/>
+          </a:xfrm>
+          <a:prstGeom prst="rect">
+            <a:avLst/>
+          </a:prstGeom>
+          <a:noFill/>
+        </p:spPr>
+        <p:txBody>
+          <a:bodyPr rot="0" spcFirstLastPara="0" vert="horz" wrap="square" lIns="91440" tIns="45720" rIns="91440" bIns="45720" numCol="1" spcCol="0" rtlCol="0" fromWordArt="0" anchor="t" anchorCtr="0" forceAA="0" compatLnSpc="1">
+            <a:prstTxWarp prst="textNoShape">
+              <a:avLst/>
+            </a:prstTxWarp>
+            <a:spAutoFit/>
+          </a:bodyPr>
+          <a:lstStyle>
+            <a:defPPr>
+              <a:defRPr lang="ko-KR"/>
+            </a:defPPr>
+            <a:lvl1pPr marL="0" algn="l" defTabSz="914400" rtl="0" eaLnBrk="1" latinLnBrk="1" hangingPunct="1">
+              <a:defRPr sz="1800" kern="1200">
+                <a:solidFill>
+                  <a:schemeClr val="tx1"/>
+                </a:solidFill>
+                <a:latin typeface="+mn-lt"/>
+                <a:ea typeface="+mn-ea"/>
+                <a:cs typeface="+mn-cs"/>
+              </a:defRPr>
+            </a:lvl1pPr>
+            <a:lvl2pPr marL="457200" algn="l" defTabSz="914400" rtl="0" eaLnBrk="1" latinLnBrk="1" hangingPunct="1">
+              <a:defRPr sz="1800" kern="1200">
+                <a:solidFill>
+                  <a:schemeClr val="tx1"/>
+                </a:solidFill>
+                <a:latin typeface="+mn-lt"/>
+                <a:ea typeface="+mn-ea"/>
+                <a:cs typeface="+mn-cs"/>
+              </a:defRPr>
+            </a:lvl2pPr>
+            <a:lvl3pPr marL="914400" algn="l" defTabSz="914400" rtl="0" eaLnBrk="1" latinLnBrk="1" hangingPunct="1">
+              <a:defRPr sz="1800" kern="1200">
+                <a:solidFill>
+                  <a:schemeClr val="tx1"/>
+                </a:solidFill>
+                <a:latin typeface="+mn-lt"/>
+                <a:ea typeface="+mn-ea"/>
+                <a:cs typeface="+mn-cs"/>
+              </a:defRPr>
+            </a:lvl3pPr>
+            <a:lvl4pPr marL="1371600" algn="l" defTabSz="914400" rtl="0" eaLnBrk="1" latinLnBrk="1" hangingPunct="1">
+              <a:defRPr sz="1800" kern="1200">
+                <a:solidFill>
+                  <a:schemeClr val="tx1"/>
+                </a:solidFill>
+                <a:latin typeface="+mn-lt"/>
+                <a:ea typeface="+mn-ea"/>
+                <a:cs typeface="+mn-cs"/>
+              </a:defRPr>
+            </a:lvl4pPr>
+            <a:lvl5pPr marL="1828800" algn="l" defTabSz="914400" rtl="0" eaLnBrk="1" latinLnBrk="1" hangingPunct="1">
+              <a:defRPr sz="1800" kern="1200">
+                <a:solidFill>
+                  <a:schemeClr val="tx1"/>
+                </a:solidFill>
+                <a:latin typeface="+mn-lt"/>
+                <a:ea typeface="+mn-ea"/>
+                <a:cs typeface="+mn-cs"/>
+              </a:defRPr>
+            </a:lvl5pPr>
+            <a:lvl6pPr marL="2286000" algn="l" defTabSz="914400" rtl="0" eaLnBrk="1" latinLnBrk="1" hangingPunct="1">
+              <a:defRPr sz="1800" kern="1200">
+                <a:solidFill>
+                  <a:schemeClr val="tx1"/>
+                </a:solidFill>
+                <a:latin typeface="+mn-lt"/>
+                <a:ea typeface="+mn-ea"/>
+                <a:cs typeface="+mn-cs"/>
+              </a:defRPr>
+            </a:lvl6pPr>
+            <a:lvl7pPr marL="2743200" algn="l" defTabSz="914400" rtl="0" eaLnBrk="1" latinLnBrk="1" hangingPunct="1">
+              <a:defRPr sz="1800" kern="1200">
+                <a:solidFill>
+                  <a:schemeClr val="tx1"/>
+                </a:solidFill>
+                <a:latin typeface="+mn-lt"/>
+                <a:ea typeface="+mn-ea"/>
+                <a:cs typeface="+mn-cs"/>
+              </a:defRPr>
+            </a:lvl7pPr>
+            <a:lvl8pPr marL="3200400" algn="l" defTabSz="914400" rtl="0" eaLnBrk="1" latinLnBrk="1" hangingPunct="1">
+              <a:defRPr sz="1800" kern="1200">
+                <a:solidFill>
+                  <a:schemeClr val="tx1"/>
+                </a:solidFill>
+                <a:latin typeface="+mn-lt"/>
+                <a:ea typeface="+mn-ea"/>
+                <a:cs typeface="+mn-cs"/>
+              </a:defRPr>
+            </a:lvl8pPr>
+            <a:lvl9pPr marL="3657600" algn="l" defTabSz="914400" rtl="0" eaLnBrk="1" latinLnBrk="1" hangingPunct="1">
+              <a:defRPr sz="1800" kern="1200">
+                <a:solidFill>
+                  <a:schemeClr val="tx1"/>
+                </a:solidFill>
+                <a:latin typeface="+mn-lt"/>
+                <a:ea typeface="+mn-ea"/>
+                <a:cs typeface="+mn-cs"/>
+              </a:defRPr>
+            </a:lvl9pPr>
+          </a:lstStyle>
+          <a:p>
+            <a:r>
               <a:rPr lang="en-US" dirty="0">
                 <a:hlinkClick r:id="rId5"/>
               </a:rPr>
@@ -4240,7 +7328,7 @@
 </p:sld>
 </file>
 
-<file path=ppt/slides/slide13.xml><?xml version="1.0" encoding="utf-8"?>
+<file path=ppt/slides/slide19.xml><?xml version="1.0" encoding="utf-8"?>
 <p:sld xmlns:a="http://schemas.openxmlformats.org/drawingml/2006/main" xmlns:r="http://schemas.openxmlformats.org/officeDocument/2006/relationships" xmlns:p="http://schemas.openxmlformats.org/presentationml/2006/main">
   <p:cSld>
     <p:spTree>
@@ -4539,7 +7627,175 @@
 </p:sld>
 </file>
 
-<file path=ppt/slides/slide14.xml><?xml version="1.0" encoding="utf-8"?>
+<file path=ppt/slides/slide2.xml><?xml version="1.0" encoding="utf-8"?>
+<p:sld xmlns:a="http://schemas.openxmlformats.org/drawingml/2006/main" xmlns:r="http://schemas.openxmlformats.org/officeDocument/2006/relationships" xmlns:p="http://schemas.openxmlformats.org/presentationml/2006/main">
+  <p:cSld>
+    <p:spTree>
+      <p:nvGrpSpPr>
+        <p:cNvPr id="1" name=""/>
+        <p:cNvGrpSpPr/>
+        <p:nvPr/>
+      </p:nvGrpSpPr>
+      <p:grpSpPr>
+        <a:xfrm>
+          <a:off x="0" y="0"/>
+          <a:ext cx="0" cy="0"/>
+          <a:chOff x="0" y="0"/>
+          <a:chExt cx="0" cy="0"/>
+        </a:xfrm>
+      </p:grpSpPr>
+      <p:pic>
+        <p:nvPicPr>
+          <p:cNvPr id="4" name="그림 3" descr="텍스트, 스크린샷, 폰트, 번호이(가) 표시된 사진&#10;&#10;AI 생성 콘텐츠는 정확하지 않을 수 있습니다.">
+            <a:extLst>
+              <a:ext uri="{FF2B5EF4-FFF2-40B4-BE49-F238E27FC236}">
+                <a16:creationId xmlns:a16="http://schemas.microsoft.com/office/drawing/2014/main" id="{7B42D9F8-077A-660C-1232-D55EE7DC3CC0}"/>
+              </a:ext>
+            </a:extLst>
+          </p:cNvPr>
+          <p:cNvPicPr>
+            <a:picLocks noChangeAspect="1"/>
+          </p:cNvPicPr>
+          <p:nvPr/>
+        </p:nvPicPr>
+        <p:blipFill>
+          <a:blip r:embed="rId2"/>
+          <a:stretch>
+            <a:fillRect/>
+          </a:stretch>
+        </p:blipFill>
+        <p:spPr>
+          <a:xfrm>
+            <a:off x="2005445" y="0"/>
+            <a:ext cx="8181109" cy="6858000"/>
+          </a:xfrm>
+          <a:prstGeom prst="rect">
+            <a:avLst/>
+          </a:prstGeom>
+        </p:spPr>
+      </p:pic>
+      <p:sp>
+        <p:nvSpPr>
+          <p:cNvPr id="5" name="직사각형 4">
+            <a:extLst>
+              <a:ext uri="{FF2B5EF4-FFF2-40B4-BE49-F238E27FC236}">
+                <a16:creationId xmlns:a16="http://schemas.microsoft.com/office/drawing/2014/main" id="{8CA88493-6DB3-3606-5937-35A6AB2F7B9A}"/>
+              </a:ext>
+            </a:extLst>
+          </p:cNvPr>
+          <p:cNvSpPr/>
+          <p:nvPr/>
+        </p:nvSpPr>
+        <p:spPr>
+          <a:xfrm>
+            <a:off x="2098109" y="929012"/>
+            <a:ext cx="866383" cy="240083"/>
+          </a:xfrm>
+          <a:prstGeom prst="rect">
+            <a:avLst/>
+          </a:prstGeom>
+          <a:solidFill>
+            <a:schemeClr val="tx1"/>
+          </a:solidFill>
+          <a:ln>
+            <a:solidFill>
+              <a:schemeClr val="tx1"/>
+            </a:solidFill>
+          </a:ln>
+        </p:spPr>
+        <p:style>
+          <a:lnRef idx="2">
+            <a:schemeClr val="accent1">
+              <a:shade val="15000"/>
+            </a:schemeClr>
+          </a:lnRef>
+          <a:fillRef idx="1">
+            <a:schemeClr val="accent1"/>
+          </a:fillRef>
+          <a:effectRef idx="0">
+            <a:schemeClr val="accent1"/>
+          </a:effectRef>
+          <a:fontRef idx="minor">
+            <a:schemeClr val="lt1"/>
+          </a:fontRef>
+        </p:style>
+        <p:txBody>
+          <a:bodyPr rtlCol="0" anchor="ctr"/>
+          <a:lstStyle/>
+          <a:p>
+            <a:pPr algn="ctr"/>
+            <a:endParaRPr lang="ko-KR" altLang="en-US"/>
+          </a:p>
+        </p:txBody>
+      </p:sp>
+      <p:sp>
+        <p:nvSpPr>
+          <p:cNvPr id="6" name="직사각형 5">
+            <a:extLst>
+              <a:ext uri="{FF2B5EF4-FFF2-40B4-BE49-F238E27FC236}">
+                <a16:creationId xmlns:a16="http://schemas.microsoft.com/office/drawing/2014/main" id="{42E0196F-CE7D-8569-F41E-94E9F8C4BCE3}"/>
+              </a:ext>
+            </a:extLst>
+          </p:cNvPr>
+          <p:cNvSpPr/>
+          <p:nvPr/>
+        </p:nvSpPr>
+        <p:spPr>
+          <a:xfrm>
+            <a:off x="2098108" y="83506"/>
+            <a:ext cx="511479" cy="187892"/>
+          </a:xfrm>
+          <a:prstGeom prst="rect">
+            <a:avLst/>
+          </a:prstGeom>
+          <a:solidFill>
+            <a:schemeClr val="tx1"/>
+          </a:solidFill>
+          <a:ln>
+            <a:solidFill>
+              <a:schemeClr val="tx1"/>
+            </a:solidFill>
+          </a:ln>
+        </p:spPr>
+        <p:style>
+          <a:lnRef idx="2">
+            <a:schemeClr val="accent1">
+              <a:shade val="15000"/>
+            </a:schemeClr>
+          </a:lnRef>
+          <a:fillRef idx="1">
+            <a:schemeClr val="accent1"/>
+          </a:fillRef>
+          <a:effectRef idx="0">
+            <a:schemeClr val="accent1"/>
+          </a:effectRef>
+          <a:fontRef idx="minor">
+            <a:schemeClr val="lt1"/>
+          </a:fontRef>
+        </p:style>
+        <p:txBody>
+          <a:bodyPr rtlCol="0" anchor="ctr"/>
+          <a:lstStyle/>
+          <a:p>
+            <a:pPr algn="ctr"/>
+            <a:endParaRPr lang="ko-KR" altLang="en-US"/>
+          </a:p>
+        </p:txBody>
+      </p:sp>
+    </p:spTree>
+    <p:extLst>
+      <p:ext uri="{BB962C8B-B14F-4D97-AF65-F5344CB8AC3E}">
+        <p14:creationId xmlns:p14="http://schemas.microsoft.com/office/powerpoint/2010/main" val="2183170989"/>
+      </p:ext>
+    </p:extLst>
+  </p:cSld>
+  <p:clrMapOvr>
+    <a:masterClrMapping/>
+  </p:clrMapOvr>
+</p:sld>
+</file>
+
+<file path=ppt/slides/slide20.xml><?xml version="1.0" encoding="utf-8"?>
 <p:sld xmlns:a="http://schemas.openxmlformats.org/drawingml/2006/main" xmlns:r="http://schemas.openxmlformats.org/officeDocument/2006/relationships" xmlns:p="http://schemas.openxmlformats.org/presentationml/2006/main">
   <p:cSld>
     <p:spTree>
@@ -4685,7 +7941,7 @@
 </p:sld>
 </file>
 
-<file path=ppt/slides/slide15.xml><?xml version="1.0" encoding="utf-8"?>
+<file path=ppt/slides/slide21.xml><?xml version="1.0" encoding="utf-8"?>
 <p:sld xmlns:a="http://schemas.openxmlformats.org/drawingml/2006/main" xmlns:r="http://schemas.openxmlformats.org/officeDocument/2006/relationships" xmlns:p="http://schemas.openxmlformats.org/presentationml/2006/main">
   <p:cSld>
     <p:spTree>
@@ -4800,7 +8056,7 @@
 </p:sld>
 </file>
 
-<file path=ppt/slides/slide16.xml><?xml version="1.0" encoding="utf-8"?>
+<file path=ppt/slides/slide22.xml><?xml version="1.0" encoding="utf-8"?>
 <p:sld xmlns:a="http://schemas.openxmlformats.org/drawingml/2006/main" xmlns:r="http://schemas.openxmlformats.org/officeDocument/2006/relationships" xmlns:p="http://schemas.openxmlformats.org/presentationml/2006/main">
   <p:cSld>
     <p:spTree>
@@ -5285,7 +8541,7 @@
 </p:sld>
 </file>
 
-<file path=ppt/slides/slide17.xml><?xml version="1.0" encoding="utf-8"?>
+<file path=ppt/slides/slide23.xml><?xml version="1.0" encoding="utf-8"?>
 <p:sld xmlns:a="http://schemas.openxmlformats.org/drawingml/2006/main" xmlns:r="http://schemas.openxmlformats.org/officeDocument/2006/relationships" xmlns:p="http://schemas.openxmlformats.org/presentationml/2006/main">
   <p:cSld>
     <p:spTree>
@@ -5420,7 +8676,7 @@
 </p:sld>
 </file>
 
-<file path=ppt/slides/slide18.xml><?xml version="1.0" encoding="utf-8"?>
+<file path=ppt/slides/slide24.xml><?xml version="1.0" encoding="utf-8"?>
 <p:sld xmlns:a="http://schemas.openxmlformats.org/drawingml/2006/main" xmlns:r="http://schemas.openxmlformats.org/officeDocument/2006/relationships" xmlns:p="http://schemas.openxmlformats.org/presentationml/2006/main">
   <p:cSld>
     <p:spTree>
@@ -5591,7 +8847,7 @@
 </p:sld>
 </file>
 
-<file path=ppt/slides/slide19.xml><?xml version="1.0" encoding="utf-8"?>
+<file path=ppt/slides/slide25.xml><?xml version="1.0" encoding="utf-8"?>
 <p:sld xmlns:a="http://schemas.openxmlformats.org/drawingml/2006/main" xmlns:r="http://schemas.openxmlformats.org/officeDocument/2006/relationships" xmlns:p="http://schemas.openxmlformats.org/presentationml/2006/main">
   <p:cSld>
     <p:spTree>
@@ -5851,7 +9107,7 @@
 </p:sld>
 </file>
 
-<file path=ppt/slides/slide2.xml><?xml version="1.0" encoding="utf-8"?>
+<file path=ppt/slides/slide26.xml><?xml version="1.0" encoding="utf-8"?>
 <p:sld xmlns:a="http://schemas.openxmlformats.org/drawingml/2006/main" xmlns:r="http://schemas.openxmlformats.org/officeDocument/2006/relationships" xmlns:p="http://schemas.openxmlformats.org/presentationml/2006/main">
   <p:cSld>
     <p:spTree>
@@ -5868,174 +9124,6 @@
           <a:chExt cx="0" cy="0"/>
         </a:xfrm>
       </p:grpSpPr>
-      <p:pic>
-        <p:nvPicPr>
-          <p:cNvPr id="4" name="그림 3" descr="텍스트, 스크린샷, 폰트, 번호이(가) 표시된 사진&#10;&#10;AI 생성 콘텐츠는 정확하지 않을 수 있습니다.">
-            <a:extLst>
-              <a:ext uri="{FF2B5EF4-FFF2-40B4-BE49-F238E27FC236}">
-                <a16:creationId xmlns:a16="http://schemas.microsoft.com/office/drawing/2014/main" id="{7B42D9F8-077A-660C-1232-D55EE7DC3CC0}"/>
-              </a:ext>
-            </a:extLst>
-          </p:cNvPr>
-          <p:cNvPicPr>
-            <a:picLocks noChangeAspect="1"/>
-          </p:cNvPicPr>
-          <p:nvPr/>
-        </p:nvPicPr>
-        <p:blipFill>
-          <a:blip r:embed="rId2"/>
-          <a:stretch>
-            <a:fillRect/>
-          </a:stretch>
-        </p:blipFill>
-        <p:spPr>
-          <a:xfrm>
-            <a:off x="2005445" y="0"/>
-            <a:ext cx="8181109" cy="6858000"/>
-          </a:xfrm>
-          <a:prstGeom prst="rect">
-            <a:avLst/>
-          </a:prstGeom>
-        </p:spPr>
-      </p:pic>
-      <p:sp>
-        <p:nvSpPr>
-          <p:cNvPr id="5" name="직사각형 4">
-            <a:extLst>
-              <a:ext uri="{FF2B5EF4-FFF2-40B4-BE49-F238E27FC236}">
-                <a16:creationId xmlns:a16="http://schemas.microsoft.com/office/drawing/2014/main" id="{8CA88493-6DB3-3606-5937-35A6AB2F7B9A}"/>
-              </a:ext>
-            </a:extLst>
-          </p:cNvPr>
-          <p:cNvSpPr/>
-          <p:nvPr/>
-        </p:nvSpPr>
-        <p:spPr>
-          <a:xfrm>
-            <a:off x="2098109" y="929012"/>
-            <a:ext cx="866383" cy="240083"/>
-          </a:xfrm>
-          <a:prstGeom prst="rect">
-            <a:avLst/>
-          </a:prstGeom>
-          <a:solidFill>
-            <a:schemeClr val="tx1"/>
-          </a:solidFill>
-          <a:ln>
-            <a:solidFill>
-              <a:schemeClr val="tx1"/>
-            </a:solidFill>
-          </a:ln>
-        </p:spPr>
-        <p:style>
-          <a:lnRef idx="2">
-            <a:schemeClr val="accent1">
-              <a:shade val="15000"/>
-            </a:schemeClr>
-          </a:lnRef>
-          <a:fillRef idx="1">
-            <a:schemeClr val="accent1"/>
-          </a:fillRef>
-          <a:effectRef idx="0">
-            <a:schemeClr val="accent1"/>
-          </a:effectRef>
-          <a:fontRef idx="minor">
-            <a:schemeClr val="lt1"/>
-          </a:fontRef>
-        </p:style>
-        <p:txBody>
-          <a:bodyPr rtlCol="0" anchor="ctr"/>
-          <a:lstStyle/>
-          <a:p>
-            <a:pPr algn="ctr"/>
-            <a:endParaRPr lang="ko-KR" altLang="en-US"/>
-          </a:p>
-        </p:txBody>
-      </p:sp>
-      <p:sp>
-        <p:nvSpPr>
-          <p:cNvPr id="6" name="직사각형 5">
-            <a:extLst>
-              <a:ext uri="{FF2B5EF4-FFF2-40B4-BE49-F238E27FC236}">
-                <a16:creationId xmlns:a16="http://schemas.microsoft.com/office/drawing/2014/main" id="{42E0196F-CE7D-8569-F41E-94E9F8C4BCE3}"/>
-              </a:ext>
-            </a:extLst>
-          </p:cNvPr>
-          <p:cNvSpPr/>
-          <p:nvPr/>
-        </p:nvSpPr>
-        <p:spPr>
-          <a:xfrm>
-            <a:off x="2098108" y="83506"/>
-            <a:ext cx="511479" cy="187892"/>
-          </a:xfrm>
-          <a:prstGeom prst="rect">
-            <a:avLst/>
-          </a:prstGeom>
-          <a:solidFill>
-            <a:schemeClr val="tx1"/>
-          </a:solidFill>
-          <a:ln>
-            <a:solidFill>
-              <a:schemeClr val="tx1"/>
-            </a:solidFill>
-          </a:ln>
-        </p:spPr>
-        <p:style>
-          <a:lnRef idx="2">
-            <a:schemeClr val="accent1">
-              <a:shade val="15000"/>
-            </a:schemeClr>
-          </a:lnRef>
-          <a:fillRef idx="1">
-            <a:schemeClr val="accent1"/>
-          </a:fillRef>
-          <a:effectRef idx="0">
-            <a:schemeClr val="accent1"/>
-          </a:effectRef>
-          <a:fontRef idx="minor">
-            <a:schemeClr val="lt1"/>
-          </a:fontRef>
-        </p:style>
-        <p:txBody>
-          <a:bodyPr rtlCol="0" anchor="ctr"/>
-          <a:lstStyle/>
-          <a:p>
-            <a:pPr algn="ctr"/>
-            <a:endParaRPr lang="ko-KR" altLang="en-US"/>
-          </a:p>
-        </p:txBody>
-      </p:sp>
-    </p:spTree>
-    <p:extLst>
-      <p:ext uri="{BB962C8B-B14F-4D97-AF65-F5344CB8AC3E}">
-        <p14:creationId xmlns:p14="http://schemas.microsoft.com/office/powerpoint/2010/main" val="2183170989"/>
-      </p:ext>
-    </p:extLst>
-  </p:cSld>
-  <p:clrMapOvr>
-    <a:masterClrMapping/>
-  </p:clrMapOvr>
-</p:sld>
-</file>
-
-<file path=ppt/slides/slide20.xml><?xml version="1.0" encoding="utf-8"?>
-<p:sld xmlns:a="http://schemas.openxmlformats.org/drawingml/2006/main" xmlns:r="http://schemas.openxmlformats.org/officeDocument/2006/relationships" xmlns:p="http://schemas.openxmlformats.org/presentationml/2006/main">
-  <p:cSld>
-    <p:spTree>
-      <p:nvGrpSpPr>
-        <p:cNvPr id="1" name=""/>
-        <p:cNvGrpSpPr/>
-        <p:nvPr/>
-      </p:nvGrpSpPr>
-      <p:grpSpPr>
-        <a:xfrm>
-          <a:off x="0" y="0"/>
-          <a:ext cx="0" cy="0"/>
-          <a:chOff x="0" y="0"/>
-          <a:chExt cx="0" cy="0"/>
-        </a:xfrm>
-      </p:grpSpPr>
       <p:sp>
         <p:nvSpPr>
           <p:cNvPr id="2" name="제목 1">
@@ -6211,7 +9299,7 @@
 </p:sld>
 </file>
 
-<file path=ppt/slides/slide21.xml><?xml version="1.0" encoding="utf-8"?>
+<file path=ppt/slides/slide27.xml><?xml version="1.0" encoding="utf-8"?>
 <p:sld xmlns:a="http://schemas.openxmlformats.org/drawingml/2006/main" xmlns:r="http://schemas.openxmlformats.org/officeDocument/2006/relationships" xmlns:p="http://schemas.openxmlformats.org/presentationml/2006/main">
   <p:cSld>
     <p:spTree>
@@ -7862,7 +10950,7 @@
         </p:nvSpPr>
         <p:spPr>
           <a:xfrm>
-            <a:off x="2317977" y="657027"/>
+            <a:off x="2317977" y="665992"/>
             <a:ext cx="5057951" cy="5031630"/>
           </a:xfrm>
           <a:prstGeom prst="ellipse">
@@ -8366,10 +11454,10 @@
       </p:sp>
       <p:sp>
         <p:nvSpPr>
-          <p:cNvPr id="3" name="타원 2">
-            <a:extLst>
-              <a:ext uri="{FF2B5EF4-FFF2-40B4-BE49-F238E27FC236}">
-                <a16:creationId xmlns:a16="http://schemas.microsoft.com/office/drawing/2014/main" id="{EDF3826E-B56C-77B0-F047-00BAECAE15E8}"/>
+          <p:cNvPr id="12" name="타원 11">
+            <a:extLst>
+              <a:ext uri="{FF2B5EF4-FFF2-40B4-BE49-F238E27FC236}">
+                <a16:creationId xmlns:a16="http://schemas.microsoft.com/office/drawing/2014/main" id="{56DCAB37-6C64-0401-F615-C13EE057E502}"/>
               </a:ext>
             </a:extLst>
           </p:cNvPr>
@@ -8378,7 +11466,7 @@
         </p:nvSpPr>
         <p:spPr>
           <a:xfrm>
-            <a:off x="2457267" y="796317"/>
+            <a:off x="2317977" y="665992"/>
             <a:ext cx="5057951" cy="5031630"/>
           </a:xfrm>
           <a:prstGeom prst="ellipse">
